--- a/summary.pptx
+++ b/summary.pptx
@@ -19,12 +19,18 @@
     <p:sldId id="274" r:id="rId13"/>
     <p:sldId id="265" r:id="rId14"/>
     <p:sldId id="275" r:id="rId15"/>
-    <p:sldId id="276" r:id="rId16"/>
-    <p:sldId id="266" r:id="rId17"/>
-    <p:sldId id="277" r:id="rId18"/>
-    <p:sldId id="267" r:id="rId19"/>
-    <p:sldId id="268" r:id="rId20"/>
-    <p:sldId id="269" r:id="rId21"/>
+    <p:sldId id="286" r:id="rId16"/>
+    <p:sldId id="276" r:id="rId17"/>
+    <p:sldId id="285" r:id="rId18"/>
+    <p:sldId id="266" r:id="rId19"/>
+    <p:sldId id="277" r:id="rId20"/>
+    <p:sldId id="280" r:id="rId21"/>
+    <p:sldId id="281" r:id="rId22"/>
+    <p:sldId id="282" r:id="rId23"/>
+    <p:sldId id="283" r:id="rId24"/>
+    <p:sldId id="284" r:id="rId25"/>
+    <p:sldId id="267" r:id="rId26"/>
+    <p:sldId id="269" r:id="rId27"/>
   </p:sldIdLst>
   <p:sldSz cx="12192000" cy="6858000"/>
   <p:notesSz cx="6858000" cy="9144000"/>
@@ -278,7 +284,7 @@
           <a:p>
             <a:fld id="{9DFEC174-7334-4B6F-8F0A-ADA55B68EF9D}" type="datetimeFigureOut">
               <a:rPr lang="zh-CN" altLang="en-US" smtClean="0"/>
-              <a:t>2020/11/17</a:t>
+              <a:t>2020/11/27</a:t>
             </a:fld>
             <a:endParaRPr lang="zh-CN" altLang="en-US"/>
           </a:p>
@@ -476,7 +482,7 @@
           <a:p>
             <a:fld id="{9DFEC174-7334-4B6F-8F0A-ADA55B68EF9D}" type="datetimeFigureOut">
               <a:rPr lang="zh-CN" altLang="en-US" smtClean="0"/>
-              <a:t>2020/11/17</a:t>
+              <a:t>2020/11/27</a:t>
             </a:fld>
             <a:endParaRPr lang="zh-CN" altLang="en-US"/>
           </a:p>
@@ -684,7 +690,7 @@
           <a:p>
             <a:fld id="{9DFEC174-7334-4B6F-8F0A-ADA55B68EF9D}" type="datetimeFigureOut">
               <a:rPr lang="zh-CN" altLang="en-US" smtClean="0"/>
-              <a:t>2020/11/17</a:t>
+              <a:t>2020/11/27</a:t>
             </a:fld>
             <a:endParaRPr lang="zh-CN" altLang="en-US"/>
           </a:p>
@@ -882,7 +888,7 @@
           <a:p>
             <a:fld id="{9DFEC174-7334-4B6F-8F0A-ADA55B68EF9D}" type="datetimeFigureOut">
               <a:rPr lang="zh-CN" altLang="en-US" smtClean="0"/>
-              <a:t>2020/11/17</a:t>
+              <a:t>2020/11/27</a:t>
             </a:fld>
             <a:endParaRPr lang="zh-CN" altLang="en-US"/>
           </a:p>
@@ -1157,7 +1163,7 @@
           <a:p>
             <a:fld id="{9DFEC174-7334-4B6F-8F0A-ADA55B68EF9D}" type="datetimeFigureOut">
               <a:rPr lang="zh-CN" altLang="en-US" smtClean="0"/>
-              <a:t>2020/11/17</a:t>
+              <a:t>2020/11/27</a:t>
             </a:fld>
             <a:endParaRPr lang="zh-CN" altLang="en-US"/>
           </a:p>
@@ -1422,7 +1428,7 @@
           <a:p>
             <a:fld id="{9DFEC174-7334-4B6F-8F0A-ADA55B68EF9D}" type="datetimeFigureOut">
               <a:rPr lang="zh-CN" altLang="en-US" smtClean="0"/>
-              <a:t>2020/11/17</a:t>
+              <a:t>2020/11/27</a:t>
             </a:fld>
             <a:endParaRPr lang="zh-CN" altLang="en-US"/>
           </a:p>
@@ -1834,7 +1840,7 @@
           <a:p>
             <a:fld id="{9DFEC174-7334-4B6F-8F0A-ADA55B68EF9D}" type="datetimeFigureOut">
               <a:rPr lang="zh-CN" altLang="en-US" smtClean="0"/>
-              <a:t>2020/11/17</a:t>
+              <a:t>2020/11/27</a:t>
             </a:fld>
             <a:endParaRPr lang="zh-CN" altLang="en-US"/>
           </a:p>
@@ -1975,7 +1981,7 @@
           <a:p>
             <a:fld id="{9DFEC174-7334-4B6F-8F0A-ADA55B68EF9D}" type="datetimeFigureOut">
               <a:rPr lang="zh-CN" altLang="en-US" smtClean="0"/>
-              <a:t>2020/11/17</a:t>
+              <a:t>2020/11/27</a:t>
             </a:fld>
             <a:endParaRPr lang="zh-CN" altLang="en-US"/>
           </a:p>
@@ -2088,7 +2094,7 @@
           <a:p>
             <a:fld id="{9DFEC174-7334-4B6F-8F0A-ADA55B68EF9D}" type="datetimeFigureOut">
               <a:rPr lang="zh-CN" altLang="en-US" smtClean="0"/>
-              <a:t>2020/11/17</a:t>
+              <a:t>2020/11/27</a:t>
             </a:fld>
             <a:endParaRPr lang="zh-CN" altLang="en-US"/>
           </a:p>
@@ -2399,7 +2405,7 @@
           <a:p>
             <a:fld id="{9DFEC174-7334-4B6F-8F0A-ADA55B68EF9D}" type="datetimeFigureOut">
               <a:rPr lang="zh-CN" altLang="en-US" smtClean="0"/>
-              <a:t>2020/11/17</a:t>
+              <a:t>2020/11/27</a:t>
             </a:fld>
             <a:endParaRPr lang="zh-CN" altLang="en-US"/>
           </a:p>
@@ -2687,7 +2693,7 @@
           <a:p>
             <a:fld id="{9DFEC174-7334-4B6F-8F0A-ADA55B68EF9D}" type="datetimeFigureOut">
               <a:rPr lang="zh-CN" altLang="en-US" smtClean="0"/>
-              <a:t>2020/11/17</a:t>
+              <a:t>2020/11/27</a:t>
             </a:fld>
             <a:endParaRPr lang="zh-CN" altLang="en-US"/>
           </a:p>
@@ -2928,7 +2934,7 @@
           <a:p>
             <a:fld id="{9DFEC174-7334-4B6F-8F0A-ADA55B68EF9D}" type="datetimeFigureOut">
               <a:rPr lang="zh-CN" altLang="en-US" smtClean="0"/>
-              <a:t>2020/11/17</a:t>
+              <a:t>2020/11/27</a:t>
             </a:fld>
             <a:endParaRPr lang="zh-CN" altLang="en-US"/>
           </a:p>
@@ -3401,6 +3407,13 @@
           <a:p>
             <a:r>
               <a:rPr lang="zh-CN" altLang="en-US" dirty="0"/>
+              <a:t>指导老师：于彦伟</a:t>
+            </a:r>
+            <a:endParaRPr lang="en-US" altLang="zh-CN" dirty="0"/>
+          </a:p>
+          <a:p>
+            <a:r>
+              <a:rPr lang="zh-CN" altLang="en-US" dirty="0"/>
               <a:t>主讲人：颜丙齐</a:t>
             </a:r>
           </a:p>
@@ -11261,6 +11274,2325 @@
           <p:cNvPr id="2" name="标题 1">
             <a:extLst>
               <a:ext uri="{FF2B5EF4-FFF2-40B4-BE49-F238E27FC236}">
+                <a16:creationId xmlns:a16="http://schemas.microsoft.com/office/drawing/2014/main" id="{03C37D6E-2290-4500-B65E-DC3B59F75F1F}"/>
+              </a:ext>
+            </a:extLst>
+          </p:cNvPr>
+          <p:cNvSpPr>
+            <a:spLocks noGrp="1"/>
+          </p:cNvSpPr>
+          <p:nvPr>
+            <p:ph type="title"/>
+          </p:nvPr>
+        </p:nvSpPr>
+        <p:spPr/>
+        <p:txBody>
+          <a:bodyPr/>
+          <a:lstStyle/>
+          <a:p>
+            <a:r>
+              <a:rPr lang="zh-CN" altLang="en-US" dirty="0"/>
+              <a:t>实验四</a:t>
+            </a:r>
+          </a:p>
+        </p:txBody>
+      </p:sp>
+      <p:graphicFrame>
+        <p:nvGraphicFramePr>
+          <p:cNvPr id="7" name="表格 6">
+            <a:extLst>
+              <a:ext uri="{FF2B5EF4-FFF2-40B4-BE49-F238E27FC236}">
+                <a16:creationId xmlns:a16="http://schemas.microsoft.com/office/drawing/2014/main" id="{A85E883D-F2D8-4E4B-99F9-F0F293FFE1CE}"/>
+              </a:ext>
+            </a:extLst>
+          </p:cNvPr>
+          <p:cNvGraphicFramePr>
+            <a:graphicFrameLocks noGrp="1"/>
+          </p:cNvGraphicFramePr>
+          <p:nvPr>
+            <p:extLst>
+              <p:ext uri="{D42A27DB-BD31-4B8C-83A1-F6EECF244321}">
+                <p14:modId xmlns:p14="http://schemas.microsoft.com/office/powerpoint/2010/main" val="2412097262"/>
+              </p:ext>
+            </p:extLst>
+          </p:nvPr>
+        </p:nvGraphicFramePr>
+        <p:xfrm>
+          <a:off x="3443078" y="1690688"/>
+          <a:ext cx="5305843" cy="4681496"/>
+        </p:xfrm>
+        <a:graphic>
+          <a:graphicData uri="http://schemas.openxmlformats.org/drawingml/2006/table">
+            <a:tbl>
+              <a:tblPr/>
+              <a:tblGrid>
+                <a:gridCol w="1394234">
+                  <a:extLst>
+                    <a:ext uri="{9D8B030D-6E8A-4147-A177-3AD203B41FA5}">
+                      <a16:colId xmlns:a16="http://schemas.microsoft.com/office/drawing/2014/main" val="2831962908"/>
+                    </a:ext>
+                  </a:extLst>
+                </a:gridCol>
+                <a:gridCol w="2047106">
+                  <a:extLst>
+                    <a:ext uri="{9D8B030D-6E8A-4147-A177-3AD203B41FA5}">
+                      <a16:colId xmlns:a16="http://schemas.microsoft.com/office/drawing/2014/main" val="720509973"/>
+                    </a:ext>
+                  </a:extLst>
+                </a:gridCol>
+                <a:gridCol w="1864503">
+                  <a:extLst>
+                    <a:ext uri="{9D8B030D-6E8A-4147-A177-3AD203B41FA5}">
+                      <a16:colId xmlns:a16="http://schemas.microsoft.com/office/drawing/2014/main" val="614619876"/>
+                    </a:ext>
+                  </a:extLst>
+                </a:gridCol>
+              </a:tblGrid>
+              <a:tr h="418197">
+                <a:tc>
+                  <a:txBody>
+                    <a:bodyPr/>
+                    <a:lstStyle/>
+                    <a:p>
+                      <a:pPr algn="l">
+                        <a:lnSpc>
+                          <a:spcPct val="130000"/>
+                        </a:lnSpc>
+                      </a:pPr>
+                      <a:r>
+                        <a:rPr lang="zh-CN" altLang="en-US" sz="2000" b="0" i="0" spc="0" dirty="0">
+                          <a:solidFill>
+                            <a:srgbClr val="333333"/>
+                          </a:solidFill>
+                          <a:effectLst/>
+                          <a:latin typeface="-apple-system"/>
+                        </a:rPr>
+                        <a:t>点</a:t>
+                      </a:r>
+                      <a:r>
+                        <a:rPr lang="en-US" altLang="zh-CN" sz="2000" b="0" i="0" spc="0" dirty="0">
+                          <a:solidFill>
+                            <a:srgbClr val="333333"/>
+                          </a:solidFill>
+                          <a:effectLst/>
+                          <a:latin typeface="-apple-system"/>
+                        </a:rPr>
+                        <a:t>\</a:t>
+                      </a:r>
+                      <a:r>
+                        <a:rPr lang="zh-CN" altLang="en-US" sz="2000" b="0" i="0" spc="0" dirty="0">
+                          <a:solidFill>
+                            <a:srgbClr val="333333"/>
+                          </a:solidFill>
+                          <a:effectLst/>
+                          <a:latin typeface="-apple-system"/>
+                        </a:rPr>
+                        <a:t>数据</a:t>
+                      </a:r>
+                      <a:endParaRPr lang="zh-CN" altLang="en-US" sz="2000" dirty="0">
+                        <a:effectLst/>
+                      </a:endParaRPr>
+                    </a:p>
+                  </a:txBody>
+                  <a:tcPr marL="30246" marR="30246" marT="30246" marB="22684" anchor="ctr">
+                    <a:lnL w="9525" cap="flat" cmpd="sng" algn="ctr">
+                      <a:solidFill>
+                        <a:srgbClr val="999999"/>
+                      </a:solidFill>
+                      <a:prstDash val="solid"/>
+                      <a:round/>
+                      <a:headEnd type="none" w="med" len="med"/>
+                      <a:tailEnd type="none" w="med" len="med"/>
+                    </a:lnL>
+                    <a:lnR w="9525" cap="flat" cmpd="sng" algn="ctr">
+                      <a:solidFill>
+                        <a:srgbClr val="999999"/>
+                      </a:solidFill>
+                      <a:prstDash val="solid"/>
+                      <a:round/>
+                      <a:headEnd type="none" w="med" len="med"/>
+                      <a:tailEnd type="none" w="med" len="med"/>
+                    </a:lnR>
+                    <a:lnT w="9525" cap="flat" cmpd="sng" algn="ctr">
+                      <a:solidFill>
+                        <a:srgbClr val="999999"/>
+                      </a:solidFill>
+                      <a:prstDash val="solid"/>
+                      <a:round/>
+                      <a:headEnd type="none" w="med" len="med"/>
+                      <a:tailEnd type="none" w="med" len="med"/>
+                    </a:lnT>
+                    <a:lnB w="9525" cap="flat" cmpd="sng" algn="ctr">
+                      <a:solidFill>
+                        <a:srgbClr val="999999"/>
+                      </a:solidFill>
+                      <a:prstDash val="solid"/>
+                      <a:round/>
+                      <a:headEnd type="none" w="med" len="med"/>
+                      <a:tailEnd type="none" w="med" len="med"/>
+                    </a:lnB>
+                  </a:tcPr>
+                </a:tc>
+                <a:tc>
+                  <a:txBody>
+                    <a:bodyPr/>
+                    <a:lstStyle/>
+                    <a:p>
+                      <a:pPr algn="l">
+                        <a:lnSpc>
+                          <a:spcPct val="130000"/>
+                        </a:lnSpc>
+                      </a:pPr>
+                      <a:r>
+                        <a:rPr lang="en-US" altLang="zh-CN" sz="2000" b="0" i="0" spc="0" dirty="0">
+                          <a:solidFill>
+                            <a:srgbClr val="333333"/>
+                          </a:solidFill>
+                          <a:effectLst/>
+                          <a:latin typeface="-apple-system"/>
+                        </a:rPr>
+                        <a:t>1Dcio</a:t>
+                      </a:r>
+                    </a:p>
+                  </a:txBody>
+                  <a:tcPr marL="30246" marR="30246" marT="30246" marB="22684" anchor="ctr">
+                    <a:lnL w="9525" cap="flat" cmpd="sng" algn="ctr">
+                      <a:solidFill>
+                        <a:srgbClr val="999999"/>
+                      </a:solidFill>
+                      <a:prstDash val="solid"/>
+                      <a:round/>
+                      <a:headEnd type="none" w="med" len="med"/>
+                      <a:tailEnd type="none" w="med" len="med"/>
+                    </a:lnL>
+                    <a:lnR w="9525" cap="flat" cmpd="sng" algn="ctr">
+                      <a:solidFill>
+                        <a:srgbClr val="999999"/>
+                      </a:solidFill>
+                      <a:prstDash val="solid"/>
+                      <a:round/>
+                      <a:headEnd type="none" w="med" len="med"/>
+                      <a:tailEnd type="none" w="med" len="med"/>
+                    </a:lnR>
+                    <a:lnT w="9525" cap="flat" cmpd="sng" algn="ctr">
+                      <a:solidFill>
+                        <a:srgbClr val="999999"/>
+                      </a:solidFill>
+                      <a:prstDash val="solid"/>
+                      <a:round/>
+                      <a:headEnd type="none" w="med" len="med"/>
+                      <a:tailEnd type="none" w="med" len="med"/>
+                    </a:lnT>
+                    <a:lnB w="9525" cap="flat" cmpd="sng" algn="ctr">
+                      <a:solidFill>
+                        <a:srgbClr val="999999"/>
+                      </a:solidFill>
+                      <a:prstDash val="solid"/>
+                      <a:round/>
+                      <a:headEnd type="none" w="med" len="med"/>
+                      <a:tailEnd type="none" w="med" len="med"/>
+                    </a:lnB>
+                  </a:tcPr>
+                </a:tc>
+                <a:tc>
+                  <a:txBody>
+                    <a:bodyPr/>
+                    <a:lstStyle/>
+                    <a:p>
+                      <a:pPr algn="l">
+                        <a:lnSpc>
+                          <a:spcPct val="130000"/>
+                        </a:lnSpc>
+                      </a:pPr>
+                      <a:r>
+                        <a:rPr lang="en-US" altLang="zh-CN" sz="2000" b="0" i="0" spc="0" dirty="0">
+                          <a:solidFill>
+                            <a:srgbClr val="333333"/>
+                          </a:solidFill>
+                          <a:effectLst/>
+                          <a:latin typeface="-apple-system"/>
+                        </a:rPr>
+                        <a:t>5Dcio</a:t>
+                      </a:r>
+                      <a:endParaRPr lang="zh-CN" altLang="en-US" sz="2000" dirty="0">
+                        <a:effectLst/>
+                      </a:endParaRPr>
+                    </a:p>
+                  </a:txBody>
+                  <a:tcPr marL="30246" marR="30246" marT="30246" marB="22684" anchor="ctr">
+                    <a:lnL w="9525" cap="flat" cmpd="sng" algn="ctr">
+                      <a:solidFill>
+                        <a:srgbClr val="999999"/>
+                      </a:solidFill>
+                      <a:prstDash val="solid"/>
+                      <a:round/>
+                      <a:headEnd type="none" w="med" len="med"/>
+                      <a:tailEnd type="none" w="med" len="med"/>
+                    </a:lnL>
+                    <a:lnR w="9525" cap="flat" cmpd="sng" algn="ctr">
+                      <a:solidFill>
+                        <a:srgbClr val="999999"/>
+                      </a:solidFill>
+                      <a:prstDash val="solid"/>
+                      <a:round/>
+                      <a:headEnd type="none" w="med" len="med"/>
+                      <a:tailEnd type="none" w="med" len="med"/>
+                    </a:lnR>
+                    <a:lnT w="9525" cap="flat" cmpd="sng" algn="ctr">
+                      <a:solidFill>
+                        <a:srgbClr val="999999"/>
+                      </a:solidFill>
+                      <a:prstDash val="solid"/>
+                      <a:round/>
+                      <a:headEnd type="none" w="med" len="med"/>
+                      <a:tailEnd type="none" w="med" len="med"/>
+                    </a:lnT>
+                    <a:lnB w="9525" cap="flat" cmpd="sng" algn="ctr">
+                      <a:solidFill>
+                        <a:srgbClr val="999999"/>
+                      </a:solidFill>
+                      <a:prstDash val="solid"/>
+                      <a:round/>
+                      <a:headEnd type="none" w="med" len="med"/>
+                      <a:tailEnd type="none" w="med" len="med"/>
+                    </a:lnB>
+                  </a:tcPr>
+                </a:tc>
+                <a:extLst>
+                  <a:ext uri="{0D108BD9-81ED-4DB2-BD59-A6C34878D82A}">
+                    <a16:rowId xmlns:a16="http://schemas.microsoft.com/office/drawing/2014/main" val="2143712530"/>
+                  </a:ext>
+                </a:extLst>
+              </a:tr>
+              <a:tr h="499526">
+                <a:tc>
+                  <a:txBody>
+                    <a:bodyPr/>
+                    <a:lstStyle/>
+                    <a:p>
+                      <a:pPr algn="l">
+                        <a:lnSpc>
+                          <a:spcPct val="130000"/>
+                        </a:lnSpc>
+                      </a:pPr>
+                      <a:r>
+                        <a:rPr lang="en-US" sz="2000" b="0" i="0" spc="0" dirty="0">
+                          <a:solidFill>
+                            <a:srgbClr val="333333"/>
+                          </a:solidFill>
+                          <a:effectLst/>
+                          <a:latin typeface="-apple-system"/>
+                        </a:rPr>
+                        <a:t>S1</a:t>
+                      </a:r>
+                      <a:endParaRPr lang="en-US" sz="2000" dirty="0">
+                        <a:effectLst/>
+                      </a:endParaRPr>
+                    </a:p>
+                  </a:txBody>
+                  <a:tcPr marL="30246" marR="30246" marT="30246" marB="22684" anchor="ctr">
+                    <a:lnL w="9525" cap="flat" cmpd="sng" algn="ctr">
+                      <a:solidFill>
+                        <a:srgbClr val="999999"/>
+                      </a:solidFill>
+                      <a:prstDash val="solid"/>
+                      <a:round/>
+                      <a:headEnd type="none" w="med" len="med"/>
+                      <a:tailEnd type="none" w="med" len="med"/>
+                    </a:lnL>
+                    <a:lnR w="9525" cap="flat" cmpd="sng" algn="ctr">
+                      <a:solidFill>
+                        <a:srgbClr val="999999"/>
+                      </a:solidFill>
+                      <a:prstDash val="solid"/>
+                      <a:round/>
+                      <a:headEnd type="none" w="med" len="med"/>
+                      <a:tailEnd type="none" w="med" len="med"/>
+                    </a:lnR>
+                    <a:lnT w="9525" cap="flat" cmpd="sng" algn="ctr">
+                      <a:solidFill>
+                        <a:srgbClr val="999999"/>
+                      </a:solidFill>
+                      <a:prstDash val="solid"/>
+                      <a:round/>
+                      <a:headEnd type="none" w="med" len="med"/>
+                      <a:tailEnd type="none" w="med" len="med"/>
+                    </a:lnT>
+                    <a:lnB w="9525" cap="flat" cmpd="sng" algn="ctr">
+                      <a:solidFill>
+                        <a:srgbClr val="999999"/>
+                      </a:solidFill>
+                      <a:prstDash val="solid"/>
+                      <a:round/>
+                      <a:headEnd type="none" w="med" len="med"/>
+                      <a:tailEnd type="none" w="med" len="med"/>
+                    </a:lnB>
+                  </a:tcPr>
+                </a:tc>
+                <a:tc>
+                  <a:txBody>
+                    <a:bodyPr/>
+                    <a:lstStyle/>
+                    <a:p>
+                      <a:pPr algn="r">
+                        <a:lnSpc>
+                          <a:spcPct val="100000"/>
+                        </a:lnSpc>
+                      </a:pPr>
+                      <a:r>
+                        <a:rPr lang="en-US" altLang="zh-CN" sz="2000" b="0" i="0" spc="0" dirty="0">
+                          <a:solidFill>
+                            <a:srgbClr val="000000"/>
+                          </a:solidFill>
+                          <a:effectLst/>
+                          <a:latin typeface="-apple-system"/>
+                        </a:rPr>
+                        <a:t>-0.12698162</a:t>
+                      </a:r>
+                      <a:endParaRPr lang="zh-CN" altLang="en-US" sz="2000" dirty="0">
+                        <a:effectLst/>
+                      </a:endParaRPr>
+                    </a:p>
+                  </a:txBody>
+                  <a:tcPr marL="30246" marR="30246" marT="30246" marB="22684" anchor="ctr">
+                    <a:lnL w="9525" cap="flat" cmpd="sng" algn="ctr">
+                      <a:solidFill>
+                        <a:srgbClr val="999999"/>
+                      </a:solidFill>
+                      <a:prstDash val="solid"/>
+                      <a:round/>
+                      <a:headEnd type="none" w="med" len="med"/>
+                      <a:tailEnd type="none" w="med" len="med"/>
+                    </a:lnL>
+                    <a:lnR w="9525" cap="flat" cmpd="sng" algn="ctr">
+                      <a:solidFill>
+                        <a:srgbClr val="999999"/>
+                      </a:solidFill>
+                      <a:prstDash val="solid"/>
+                      <a:round/>
+                      <a:headEnd type="none" w="med" len="med"/>
+                      <a:tailEnd type="none" w="med" len="med"/>
+                    </a:lnR>
+                    <a:lnT w="9525" cap="flat" cmpd="sng" algn="ctr">
+                      <a:solidFill>
+                        <a:srgbClr val="999999"/>
+                      </a:solidFill>
+                      <a:prstDash val="solid"/>
+                      <a:round/>
+                      <a:headEnd type="none" w="med" len="med"/>
+                      <a:tailEnd type="none" w="med" len="med"/>
+                    </a:lnT>
+                    <a:lnB w="9525" cap="flat" cmpd="sng" algn="ctr">
+                      <a:solidFill>
+                        <a:srgbClr val="999999"/>
+                      </a:solidFill>
+                      <a:prstDash val="solid"/>
+                      <a:round/>
+                      <a:headEnd type="none" w="med" len="med"/>
+                      <a:tailEnd type="none" w="med" len="med"/>
+                    </a:lnB>
+                  </a:tcPr>
+                </a:tc>
+                <a:tc>
+                  <a:txBody>
+                    <a:bodyPr/>
+                    <a:lstStyle/>
+                    <a:p>
+                      <a:pPr algn="r">
+                        <a:lnSpc>
+                          <a:spcPct val="100000"/>
+                        </a:lnSpc>
+                      </a:pPr>
+                      <a:r>
+                        <a:rPr lang="en-US" altLang="zh-CN" sz="2000" b="0" i="0" spc="0" dirty="0">
+                          <a:solidFill>
+                            <a:srgbClr val="000000"/>
+                          </a:solidFill>
+                          <a:effectLst/>
+                          <a:latin typeface="-apple-system"/>
+                        </a:rPr>
+                        <a:t>0.291851</a:t>
+                      </a:r>
+                      <a:endParaRPr lang="zh-CN" altLang="en-US" sz="2000" dirty="0">
+                        <a:effectLst/>
+                      </a:endParaRPr>
+                    </a:p>
+                  </a:txBody>
+                  <a:tcPr marL="30246" marR="30246" marT="30246" marB="22684" anchor="ctr">
+                    <a:lnL w="9525" cap="flat" cmpd="sng" algn="ctr">
+                      <a:solidFill>
+                        <a:srgbClr val="999999"/>
+                      </a:solidFill>
+                      <a:prstDash val="solid"/>
+                      <a:round/>
+                      <a:headEnd type="none" w="med" len="med"/>
+                      <a:tailEnd type="none" w="med" len="med"/>
+                    </a:lnL>
+                    <a:lnR w="9525" cap="flat" cmpd="sng" algn="ctr">
+                      <a:solidFill>
+                        <a:srgbClr val="999999"/>
+                      </a:solidFill>
+                      <a:prstDash val="solid"/>
+                      <a:round/>
+                      <a:headEnd type="none" w="med" len="med"/>
+                      <a:tailEnd type="none" w="med" len="med"/>
+                    </a:lnR>
+                    <a:lnT w="9525" cap="flat" cmpd="sng" algn="ctr">
+                      <a:solidFill>
+                        <a:srgbClr val="999999"/>
+                      </a:solidFill>
+                      <a:prstDash val="solid"/>
+                      <a:round/>
+                      <a:headEnd type="none" w="med" len="med"/>
+                      <a:tailEnd type="none" w="med" len="med"/>
+                    </a:lnT>
+                    <a:lnB w="9525" cap="flat" cmpd="sng" algn="ctr">
+                      <a:solidFill>
+                        <a:srgbClr val="999999"/>
+                      </a:solidFill>
+                      <a:prstDash val="solid"/>
+                      <a:round/>
+                      <a:headEnd type="none" w="med" len="med"/>
+                      <a:tailEnd type="none" w="med" len="med"/>
+                    </a:lnB>
+                  </a:tcPr>
+                </a:tc>
+                <a:extLst>
+                  <a:ext uri="{0D108BD9-81ED-4DB2-BD59-A6C34878D82A}">
+                    <a16:rowId xmlns:a16="http://schemas.microsoft.com/office/drawing/2014/main" val="3031750296"/>
+                  </a:ext>
+                </a:extLst>
+              </a:tr>
+              <a:tr h="418197">
+                <a:tc>
+                  <a:txBody>
+                    <a:bodyPr/>
+                    <a:lstStyle/>
+                    <a:p>
+                      <a:pPr algn="l">
+                        <a:lnSpc>
+                          <a:spcPct val="130000"/>
+                        </a:lnSpc>
+                      </a:pPr>
+                      <a:r>
+                        <a:rPr lang="en-US" sz="2000" b="0" i="0" spc="0" dirty="0">
+                          <a:solidFill>
+                            <a:srgbClr val="333333"/>
+                          </a:solidFill>
+                          <a:effectLst/>
+                          <a:latin typeface="-apple-system"/>
+                        </a:rPr>
+                        <a:t>S2</a:t>
+                      </a:r>
+                      <a:endParaRPr lang="en-US" sz="2000" dirty="0">
+                        <a:effectLst/>
+                      </a:endParaRPr>
+                    </a:p>
+                  </a:txBody>
+                  <a:tcPr marL="30246" marR="30246" marT="30246" marB="22684" anchor="ctr">
+                    <a:lnL w="9525" cap="flat" cmpd="sng" algn="ctr">
+                      <a:solidFill>
+                        <a:srgbClr val="999999"/>
+                      </a:solidFill>
+                      <a:prstDash val="solid"/>
+                      <a:round/>
+                      <a:headEnd type="none" w="med" len="med"/>
+                      <a:tailEnd type="none" w="med" len="med"/>
+                    </a:lnL>
+                    <a:lnR w="9525" cap="flat" cmpd="sng" algn="ctr">
+                      <a:solidFill>
+                        <a:srgbClr val="999999"/>
+                      </a:solidFill>
+                      <a:prstDash val="solid"/>
+                      <a:round/>
+                      <a:headEnd type="none" w="med" len="med"/>
+                      <a:tailEnd type="none" w="med" len="med"/>
+                    </a:lnR>
+                    <a:lnT w="9525" cap="flat" cmpd="sng" algn="ctr">
+                      <a:solidFill>
+                        <a:srgbClr val="999999"/>
+                      </a:solidFill>
+                      <a:prstDash val="solid"/>
+                      <a:round/>
+                      <a:headEnd type="none" w="med" len="med"/>
+                      <a:tailEnd type="none" w="med" len="med"/>
+                    </a:lnT>
+                    <a:lnB w="9525" cap="flat" cmpd="sng" algn="ctr">
+                      <a:solidFill>
+                        <a:srgbClr val="999999"/>
+                      </a:solidFill>
+                      <a:prstDash val="solid"/>
+                      <a:round/>
+                      <a:headEnd type="none" w="med" len="med"/>
+                      <a:tailEnd type="none" w="med" len="med"/>
+                    </a:lnB>
+                  </a:tcPr>
+                </a:tc>
+                <a:tc>
+                  <a:txBody>
+                    <a:bodyPr/>
+                    <a:lstStyle/>
+                    <a:p>
+                      <a:pPr algn="r">
+                        <a:lnSpc>
+                          <a:spcPct val="100000"/>
+                        </a:lnSpc>
+                      </a:pPr>
+                      <a:r>
+                        <a:rPr lang="en-US" altLang="zh-CN" sz="2000" b="0" i="0" spc="0" dirty="0">
+                          <a:solidFill>
+                            <a:srgbClr val="000000"/>
+                          </a:solidFill>
+                          <a:effectLst/>
+                          <a:latin typeface="-apple-system"/>
+                        </a:rPr>
+                        <a:t>0.363939418</a:t>
+                      </a:r>
+                      <a:endParaRPr lang="zh-CN" altLang="en-US" sz="2000" dirty="0">
+                        <a:effectLst/>
+                      </a:endParaRPr>
+                    </a:p>
+                  </a:txBody>
+                  <a:tcPr marL="30246" marR="30246" marT="30246" marB="22684" anchor="ctr">
+                    <a:lnL w="9525" cap="flat" cmpd="sng" algn="ctr">
+                      <a:solidFill>
+                        <a:srgbClr val="999999"/>
+                      </a:solidFill>
+                      <a:prstDash val="solid"/>
+                      <a:round/>
+                      <a:headEnd type="none" w="med" len="med"/>
+                      <a:tailEnd type="none" w="med" len="med"/>
+                    </a:lnL>
+                    <a:lnR w="9525" cap="flat" cmpd="sng" algn="ctr">
+                      <a:solidFill>
+                        <a:srgbClr val="999999"/>
+                      </a:solidFill>
+                      <a:prstDash val="solid"/>
+                      <a:round/>
+                      <a:headEnd type="none" w="med" len="med"/>
+                      <a:tailEnd type="none" w="med" len="med"/>
+                    </a:lnR>
+                    <a:lnT w="9525" cap="flat" cmpd="sng" algn="ctr">
+                      <a:solidFill>
+                        <a:srgbClr val="999999"/>
+                      </a:solidFill>
+                      <a:prstDash val="solid"/>
+                      <a:round/>
+                      <a:headEnd type="none" w="med" len="med"/>
+                      <a:tailEnd type="none" w="med" len="med"/>
+                    </a:lnT>
+                    <a:lnB w="9525" cap="flat" cmpd="sng" algn="ctr">
+                      <a:solidFill>
+                        <a:srgbClr val="999999"/>
+                      </a:solidFill>
+                      <a:prstDash val="solid"/>
+                      <a:round/>
+                      <a:headEnd type="none" w="med" len="med"/>
+                      <a:tailEnd type="none" w="med" len="med"/>
+                    </a:lnB>
+                  </a:tcPr>
+                </a:tc>
+                <a:tc>
+                  <a:txBody>
+                    <a:bodyPr/>
+                    <a:lstStyle/>
+                    <a:p>
+                      <a:pPr algn="r">
+                        <a:lnSpc>
+                          <a:spcPct val="100000"/>
+                        </a:lnSpc>
+                      </a:pPr>
+                      <a:r>
+                        <a:rPr lang="en-US" altLang="zh-CN" sz="2000" b="0" i="0" spc="0" dirty="0">
+                          <a:solidFill>
+                            <a:srgbClr val="FF0000"/>
+                          </a:solidFill>
+                          <a:effectLst/>
+                          <a:latin typeface="-apple-system"/>
+                        </a:rPr>
+                        <a:t>0.526753</a:t>
+                      </a:r>
+                      <a:endParaRPr lang="zh-CN" altLang="en-US" sz="2000" dirty="0">
+                        <a:effectLst/>
+                      </a:endParaRPr>
+                    </a:p>
+                  </a:txBody>
+                  <a:tcPr marL="30246" marR="30246" marT="30246" marB="22684" anchor="ctr">
+                    <a:lnL w="9525" cap="flat" cmpd="sng" algn="ctr">
+                      <a:solidFill>
+                        <a:srgbClr val="999999"/>
+                      </a:solidFill>
+                      <a:prstDash val="solid"/>
+                      <a:round/>
+                      <a:headEnd type="none" w="med" len="med"/>
+                      <a:tailEnd type="none" w="med" len="med"/>
+                    </a:lnL>
+                    <a:lnR w="9525" cap="flat" cmpd="sng" algn="ctr">
+                      <a:solidFill>
+                        <a:srgbClr val="999999"/>
+                      </a:solidFill>
+                      <a:prstDash val="solid"/>
+                      <a:round/>
+                      <a:headEnd type="none" w="med" len="med"/>
+                      <a:tailEnd type="none" w="med" len="med"/>
+                    </a:lnR>
+                    <a:lnT w="9525" cap="flat" cmpd="sng" algn="ctr">
+                      <a:solidFill>
+                        <a:srgbClr val="999999"/>
+                      </a:solidFill>
+                      <a:prstDash val="solid"/>
+                      <a:round/>
+                      <a:headEnd type="none" w="med" len="med"/>
+                      <a:tailEnd type="none" w="med" len="med"/>
+                    </a:lnT>
+                    <a:lnB w="9525" cap="flat" cmpd="sng" algn="ctr">
+                      <a:solidFill>
+                        <a:srgbClr val="999999"/>
+                      </a:solidFill>
+                      <a:prstDash val="solid"/>
+                      <a:round/>
+                      <a:headEnd type="none" w="med" len="med"/>
+                      <a:tailEnd type="none" w="med" len="med"/>
+                    </a:lnB>
+                  </a:tcPr>
+                </a:tc>
+                <a:extLst>
+                  <a:ext uri="{0D108BD9-81ED-4DB2-BD59-A6C34878D82A}">
+                    <a16:rowId xmlns:a16="http://schemas.microsoft.com/office/drawing/2014/main" val="1348347559"/>
+                  </a:ext>
+                </a:extLst>
+              </a:tr>
+              <a:tr h="418197">
+                <a:tc>
+                  <a:txBody>
+                    <a:bodyPr/>
+                    <a:lstStyle/>
+                    <a:p>
+                      <a:pPr algn="l">
+                        <a:lnSpc>
+                          <a:spcPct val="130000"/>
+                        </a:lnSpc>
+                      </a:pPr>
+                      <a:r>
+                        <a:rPr lang="en-US" sz="2000" b="0" i="0" spc="0" dirty="0">
+                          <a:solidFill>
+                            <a:srgbClr val="333333"/>
+                          </a:solidFill>
+                          <a:effectLst/>
+                          <a:latin typeface="-apple-system"/>
+                        </a:rPr>
+                        <a:t>S3</a:t>
+                      </a:r>
+                      <a:endParaRPr lang="en-US" sz="2000" dirty="0">
+                        <a:effectLst/>
+                      </a:endParaRPr>
+                    </a:p>
+                  </a:txBody>
+                  <a:tcPr marL="30246" marR="30246" marT="30246" marB="22684" anchor="ctr">
+                    <a:lnL w="9525" cap="flat" cmpd="sng" algn="ctr">
+                      <a:solidFill>
+                        <a:srgbClr val="999999"/>
+                      </a:solidFill>
+                      <a:prstDash val="solid"/>
+                      <a:round/>
+                      <a:headEnd type="none" w="med" len="med"/>
+                      <a:tailEnd type="none" w="med" len="med"/>
+                    </a:lnL>
+                    <a:lnR w="9525" cap="flat" cmpd="sng" algn="ctr">
+                      <a:solidFill>
+                        <a:srgbClr val="999999"/>
+                      </a:solidFill>
+                      <a:prstDash val="solid"/>
+                      <a:round/>
+                      <a:headEnd type="none" w="med" len="med"/>
+                      <a:tailEnd type="none" w="med" len="med"/>
+                    </a:lnR>
+                    <a:lnT w="9525" cap="flat" cmpd="sng" algn="ctr">
+                      <a:solidFill>
+                        <a:srgbClr val="999999"/>
+                      </a:solidFill>
+                      <a:prstDash val="solid"/>
+                      <a:round/>
+                      <a:headEnd type="none" w="med" len="med"/>
+                      <a:tailEnd type="none" w="med" len="med"/>
+                    </a:lnT>
+                    <a:lnB w="9525" cap="flat" cmpd="sng" algn="ctr">
+                      <a:solidFill>
+                        <a:srgbClr val="999999"/>
+                      </a:solidFill>
+                      <a:prstDash val="solid"/>
+                      <a:round/>
+                      <a:headEnd type="none" w="med" len="med"/>
+                      <a:tailEnd type="none" w="med" len="med"/>
+                    </a:lnB>
+                  </a:tcPr>
+                </a:tc>
+                <a:tc>
+                  <a:txBody>
+                    <a:bodyPr/>
+                    <a:lstStyle/>
+                    <a:p>
+                      <a:pPr algn="r">
+                        <a:lnSpc>
+                          <a:spcPct val="100000"/>
+                        </a:lnSpc>
+                      </a:pPr>
+                      <a:r>
+                        <a:rPr lang="en-US" altLang="zh-CN" sz="2000" b="0" i="0" spc="0" dirty="0">
+                          <a:solidFill>
+                            <a:srgbClr val="FF0000"/>
+                          </a:solidFill>
+                          <a:effectLst/>
+                          <a:latin typeface="-apple-system"/>
+                        </a:rPr>
+                        <a:t>0.513305358</a:t>
+                      </a:r>
+                      <a:endParaRPr lang="zh-CN" altLang="en-US" sz="2000" dirty="0">
+                        <a:effectLst/>
+                      </a:endParaRPr>
+                    </a:p>
+                  </a:txBody>
+                  <a:tcPr marL="30246" marR="30246" marT="30246" marB="22684" anchor="ctr">
+                    <a:lnL w="9525" cap="flat" cmpd="sng" algn="ctr">
+                      <a:solidFill>
+                        <a:srgbClr val="999999"/>
+                      </a:solidFill>
+                      <a:prstDash val="solid"/>
+                      <a:round/>
+                      <a:headEnd type="none" w="med" len="med"/>
+                      <a:tailEnd type="none" w="med" len="med"/>
+                    </a:lnL>
+                    <a:lnR w="9525" cap="flat" cmpd="sng" algn="ctr">
+                      <a:solidFill>
+                        <a:srgbClr val="999999"/>
+                      </a:solidFill>
+                      <a:prstDash val="solid"/>
+                      <a:round/>
+                      <a:headEnd type="none" w="med" len="med"/>
+                      <a:tailEnd type="none" w="med" len="med"/>
+                    </a:lnR>
+                    <a:lnT w="9525" cap="flat" cmpd="sng" algn="ctr">
+                      <a:solidFill>
+                        <a:srgbClr val="999999"/>
+                      </a:solidFill>
+                      <a:prstDash val="solid"/>
+                      <a:round/>
+                      <a:headEnd type="none" w="med" len="med"/>
+                      <a:tailEnd type="none" w="med" len="med"/>
+                    </a:lnT>
+                    <a:lnB w="9525" cap="flat" cmpd="sng" algn="ctr">
+                      <a:solidFill>
+                        <a:srgbClr val="999999"/>
+                      </a:solidFill>
+                      <a:prstDash val="solid"/>
+                      <a:round/>
+                      <a:headEnd type="none" w="med" len="med"/>
+                      <a:tailEnd type="none" w="med" len="med"/>
+                    </a:lnB>
+                  </a:tcPr>
+                </a:tc>
+                <a:tc>
+                  <a:txBody>
+                    <a:bodyPr/>
+                    <a:lstStyle/>
+                    <a:p>
+                      <a:pPr algn="r">
+                        <a:lnSpc>
+                          <a:spcPct val="100000"/>
+                        </a:lnSpc>
+                      </a:pPr>
+                      <a:r>
+                        <a:rPr lang="en-US" altLang="zh-CN" sz="2000" b="0" i="0" spc="0" dirty="0">
+                          <a:solidFill>
+                            <a:srgbClr val="000000"/>
+                          </a:solidFill>
+                          <a:effectLst/>
+                          <a:latin typeface="-apple-system"/>
+                        </a:rPr>
+                        <a:t>-0.05184</a:t>
+                      </a:r>
+                      <a:endParaRPr lang="zh-CN" altLang="en-US" sz="2000" dirty="0">
+                        <a:effectLst/>
+                      </a:endParaRPr>
+                    </a:p>
+                  </a:txBody>
+                  <a:tcPr marL="30246" marR="30246" marT="30246" marB="22684" anchor="ctr">
+                    <a:lnL w="9525" cap="flat" cmpd="sng" algn="ctr">
+                      <a:solidFill>
+                        <a:srgbClr val="999999"/>
+                      </a:solidFill>
+                      <a:prstDash val="solid"/>
+                      <a:round/>
+                      <a:headEnd type="none" w="med" len="med"/>
+                      <a:tailEnd type="none" w="med" len="med"/>
+                    </a:lnL>
+                    <a:lnR w="9525" cap="flat" cmpd="sng" algn="ctr">
+                      <a:solidFill>
+                        <a:srgbClr val="999999"/>
+                      </a:solidFill>
+                      <a:prstDash val="solid"/>
+                      <a:round/>
+                      <a:headEnd type="none" w="med" len="med"/>
+                      <a:tailEnd type="none" w="med" len="med"/>
+                    </a:lnR>
+                    <a:lnT w="9525" cap="flat" cmpd="sng" algn="ctr">
+                      <a:solidFill>
+                        <a:srgbClr val="999999"/>
+                      </a:solidFill>
+                      <a:prstDash val="solid"/>
+                      <a:round/>
+                      <a:headEnd type="none" w="med" len="med"/>
+                      <a:tailEnd type="none" w="med" len="med"/>
+                    </a:lnT>
+                    <a:lnB w="9525" cap="flat" cmpd="sng" algn="ctr">
+                      <a:solidFill>
+                        <a:srgbClr val="999999"/>
+                      </a:solidFill>
+                      <a:prstDash val="solid"/>
+                      <a:round/>
+                      <a:headEnd type="none" w="med" len="med"/>
+                      <a:tailEnd type="none" w="med" len="med"/>
+                    </a:lnB>
+                  </a:tcPr>
+                </a:tc>
+                <a:extLst>
+                  <a:ext uri="{0D108BD9-81ED-4DB2-BD59-A6C34878D82A}">
+                    <a16:rowId xmlns:a16="http://schemas.microsoft.com/office/drawing/2014/main" val="2023224013"/>
+                  </a:ext>
+                </a:extLst>
+              </a:tr>
+              <a:tr h="418197">
+                <a:tc>
+                  <a:txBody>
+                    <a:bodyPr/>
+                    <a:lstStyle/>
+                    <a:p>
+                      <a:pPr algn="l">
+                        <a:lnSpc>
+                          <a:spcPct val="130000"/>
+                        </a:lnSpc>
+                      </a:pPr>
+                      <a:r>
+                        <a:rPr lang="en-US" sz="2000" b="0" i="0" spc="0" dirty="0">
+                          <a:solidFill>
+                            <a:srgbClr val="333333"/>
+                          </a:solidFill>
+                          <a:effectLst/>
+                          <a:latin typeface="-apple-system"/>
+                        </a:rPr>
+                        <a:t>S4</a:t>
+                      </a:r>
+                      <a:endParaRPr lang="en-US" sz="2000" dirty="0">
+                        <a:effectLst/>
+                      </a:endParaRPr>
+                    </a:p>
+                  </a:txBody>
+                  <a:tcPr marL="30246" marR="30246" marT="30246" marB="22684" anchor="ctr">
+                    <a:lnL w="9525" cap="flat" cmpd="sng" algn="ctr">
+                      <a:solidFill>
+                        <a:srgbClr val="999999"/>
+                      </a:solidFill>
+                      <a:prstDash val="solid"/>
+                      <a:round/>
+                      <a:headEnd type="none" w="med" len="med"/>
+                      <a:tailEnd type="none" w="med" len="med"/>
+                    </a:lnL>
+                    <a:lnR w="9525" cap="flat" cmpd="sng" algn="ctr">
+                      <a:solidFill>
+                        <a:srgbClr val="999999"/>
+                      </a:solidFill>
+                      <a:prstDash val="solid"/>
+                      <a:round/>
+                      <a:headEnd type="none" w="med" len="med"/>
+                      <a:tailEnd type="none" w="med" len="med"/>
+                    </a:lnR>
+                    <a:lnT w="9525" cap="flat" cmpd="sng" algn="ctr">
+                      <a:solidFill>
+                        <a:srgbClr val="999999"/>
+                      </a:solidFill>
+                      <a:prstDash val="solid"/>
+                      <a:round/>
+                      <a:headEnd type="none" w="med" len="med"/>
+                      <a:tailEnd type="none" w="med" len="med"/>
+                    </a:lnT>
+                    <a:lnB w="9525" cap="flat" cmpd="sng" algn="ctr">
+                      <a:solidFill>
+                        <a:srgbClr val="999999"/>
+                      </a:solidFill>
+                      <a:prstDash val="solid"/>
+                      <a:round/>
+                      <a:headEnd type="none" w="med" len="med"/>
+                      <a:tailEnd type="none" w="med" len="med"/>
+                    </a:lnB>
+                  </a:tcPr>
+                </a:tc>
+                <a:tc>
+                  <a:txBody>
+                    <a:bodyPr/>
+                    <a:lstStyle/>
+                    <a:p>
+                      <a:pPr algn="r">
+                        <a:lnSpc>
+                          <a:spcPct val="100000"/>
+                        </a:lnSpc>
+                      </a:pPr>
+                      <a:r>
+                        <a:rPr lang="en-US" altLang="zh-CN" sz="2000" b="0" i="0" spc="0" dirty="0">
+                          <a:solidFill>
+                            <a:srgbClr val="000000"/>
+                          </a:solidFill>
+                          <a:effectLst/>
+                          <a:latin typeface="-apple-system"/>
+                        </a:rPr>
+                        <a:t>-0.090521737</a:t>
+                      </a:r>
+                      <a:endParaRPr lang="zh-CN" altLang="en-US" sz="2000" dirty="0">
+                        <a:effectLst/>
+                      </a:endParaRPr>
+                    </a:p>
+                  </a:txBody>
+                  <a:tcPr marL="30246" marR="30246" marT="30246" marB="22684" anchor="ctr">
+                    <a:lnL w="9525" cap="flat" cmpd="sng" algn="ctr">
+                      <a:solidFill>
+                        <a:srgbClr val="999999"/>
+                      </a:solidFill>
+                      <a:prstDash val="solid"/>
+                      <a:round/>
+                      <a:headEnd type="none" w="med" len="med"/>
+                      <a:tailEnd type="none" w="med" len="med"/>
+                    </a:lnL>
+                    <a:lnR w="9525" cap="flat" cmpd="sng" algn="ctr">
+                      <a:solidFill>
+                        <a:srgbClr val="999999"/>
+                      </a:solidFill>
+                      <a:prstDash val="solid"/>
+                      <a:round/>
+                      <a:headEnd type="none" w="med" len="med"/>
+                      <a:tailEnd type="none" w="med" len="med"/>
+                    </a:lnR>
+                    <a:lnT w="9525" cap="flat" cmpd="sng" algn="ctr">
+                      <a:solidFill>
+                        <a:srgbClr val="999999"/>
+                      </a:solidFill>
+                      <a:prstDash val="solid"/>
+                      <a:round/>
+                      <a:headEnd type="none" w="med" len="med"/>
+                      <a:tailEnd type="none" w="med" len="med"/>
+                    </a:lnT>
+                    <a:lnB w="9525" cap="flat" cmpd="sng" algn="ctr">
+                      <a:solidFill>
+                        <a:srgbClr val="999999"/>
+                      </a:solidFill>
+                      <a:prstDash val="solid"/>
+                      <a:round/>
+                      <a:headEnd type="none" w="med" len="med"/>
+                      <a:tailEnd type="none" w="med" len="med"/>
+                    </a:lnB>
+                  </a:tcPr>
+                </a:tc>
+                <a:tc>
+                  <a:txBody>
+                    <a:bodyPr/>
+                    <a:lstStyle/>
+                    <a:p>
+                      <a:pPr algn="r">
+                        <a:lnSpc>
+                          <a:spcPct val="100000"/>
+                        </a:lnSpc>
+                      </a:pPr>
+                      <a:r>
+                        <a:rPr lang="en-US" altLang="zh-CN" sz="2000" b="0" i="0" spc="0" dirty="0">
+                          <a:solidFill>
+                            <a:srgbClr val="000000"/>
+                          </a:solidFill>
+                          <a:effectLst/>
+                          <a:latin typeface="-apple-system"/>
+                        </a:rPr>
+                        <a:t>-0.03795</a:t>
+                      </a:r>
+                      <a:endParaRPr lang="zh-CN" altLang="en-US" sz="2000" dirty="0">
+                        <a:effectLst/>
+                      </a:endParaRPr>
+                    </a:p>
+                  </a:txBody>
+                  <a:tcPr marL="30246" marR="30246" marT="30246" marB="22684" anchor="ctr">
+                    <a:lnL w="9525" cap="flat" cmpd="sng" algn="ctr">
+                      <a:solidFill>
+                        <a:srgbClr val="999999"/>
+                      </a:solidFill>
+                      <a:prstDash val="solid"/>
+                      <a:round/>
+                      <a:headEnd type="none" w="med" len="med"/>
+                      <a:tailEnd type="none" w="med" len="med"/>
+                    </a:lnL>
+                    <a:lnR w="9525" cap="flat" cmpd="sng" algn="ctr">
+                      <a:solidFill>
+                        <a:srgbClr val="999999"/>
+                      </a:solidFill>
+                      <a:prstDash val="solid"/>
+                      <a:round/>
+                      <a:headEnd type="none" w="med" len="med"/>
+                      <a:tailEnd type="none" w="med" len="med"/>
+                    </a:lnR>
+                    <a:lnT w="9525" cap="flat" cmpd="sng" algn="ctr">
+                      <a:solidFill>
+                        <a:srgbClr val="999999"/>
+                      </a:solidFill>
+                      <a:prstDash val="solid"/>
+                      <a:round/>
+                      <a:headEnd type="none" w="med" len="med"/>
+                      <a:tailEnd type="none" w="med" len="med"/>
+                    </a:lnT>
+                    <a:lnB w="9525" cap="flat" cmpd="sng" algn="ctr">
+                      <a:solidFill>
+                        <a:srgbClr val="999999"/>
+                      </a:solidFill>
+                      <a:prstDash val="solid"/>
+                      <a:round/>
+                      <a:headEnd type="none" w="med" len="med"/>
+                      <a:tailEnd type="none" w="med" len="med"/>
+                    </a:lnB>
+                  </a:tcPr>
+                </a:tc>
+                <a:extLst>
+                  <a:ext uri="{0D108BD9-81ED-4DB2-BD59-A6C34878D82A}">
+                    <a16:rowId xmlns:a16="http://schemas.microsoft.com/office/drawing/2014/main" val="3212223944"/>
+                  </a:ext>
+                </a:extLst>
+              </a:tr>
+              <a:tr h="418197">
+                <a:tc>
+                  <a:txBody>
+                    <a:bodyPr/>
+                    <a:lstStyle/>
+                    <a:p>
+                      <a:pPr algn="l">
+                        <a:lnSpc>
+                          <a:spcPct val="130000"/>
+                        </a:lnSpc>
+                      </a:pPr>
+                      <a:r>
+                        <a:rPr lang="en-US" sz="2000" b="0" i="0" spc="0" dirty="0">
+                          <a:solidFill>
+                            <a:srgbClr val="333333"/>
+                          </a:solidFill>
+                          <a:effectLst/>
+                          <a:latin typeface="-apple-system"/>
+                        </a:rPr>
+                        <a:t>S5</a:t>
+                      </a:r>
+                      <a:endParaRPr lang="en-US" sz="2000" dirty="0">
+                        <a:effectLst/>
+                      </a:endParaRPr>
+                    </a:p>
+                  </a:txBody>
+                  <a:tcPr marL="30246" marR="30246" marT="30246" marB="22684" anchor="ctr">
+                    <a:lnL w="9525" cap="flat" cmpd="sng" algn="ctr">
+                      <a:solidFill>
+                        <a:srgbClr val="999999"/>
+                      </a:solidFill>
+                      <a:prstDash val="solid"/>
+                      <a:round/>
+                      <a:headEnd type="none" w="med" len="med"/>
+                      <a:tailEnd type="none" w="med" len="med"/>
+                    </a:lnL>
+                    <a:lnR w="9525" cap="flat" cmpd="sng" algn="ctr">
+                      <a:solidFill>
+                        <a:srgbClr val="999999"/>
+                      </a:solidFill>
+                      <a:prstDash val="solid"/>
+                      <a:round/>
+                      <a:headEnd type="none" w="med" len="med"/>
+                      <a:tailEnd type="none" w="med" len="med"/>
+                    </a:lnR>
+                    <a:lnT w="9525" cap="flat" cmpd="sng" algn="ctr">
+                      <a:solidFill>
+                        <a:srgbClr val="999999"/>
+                      </a:solidFill>
+                      <a:prstDash val="solid"/>
+                      <a:round/>
+                      <a:headEnd type="none" w="med" len="med"/>
+                      <a:tailEnd type="none" w="med" len="med"/>
+                    </a:lnT>
+                    <a:lnB w="9525" cap="flat" cmpd="sng" algn="ctr">
+                      <a:solidFill>
+                        <a:srgbClr val="999999"/>
+                      </a:solidFill>
+                      <a:prstDash val="solid"/>
+                      <a:round/>
+                      <a:headEnd type="none" w="med" len="med"/>
+                      <a:tailEnd type="none" w="med" len="med"/>
+                    </a:lnB>
+                  </a:tcPr>
+                </a:tc>
+                <a:tc>
+                  <a:txBody>
+                    <a:bodyPr/>
+                    <a:lstStyle/>
+                    <a:p>
+                      <a:pPr algn="r">
+                        <a:lnSpc>
+                          <a:spcPct val="100000"/>
+                        </a:lnSpc>
+                      </a:pPr>
+                      <a:r>
+                        <a:rPr lang="en-US" altLang="zh-CN" sz="2000" b="0" i="0" spc="0" dirty="0">
+                          <a:solidFill>
+                            <a:srgbClr val="000000"/>
+                          </a:solidFill>
+                          <a:effectLst/>
+                          <a:latin typeface="-apple-system"/>
+                        </a:rPr>
+                        <a:t>-0.36217402</a:t>
+                      </a:r>
+                      <a:endParaRPr lang="zh-CN" altLang="en-US" sz="2000" dirty="0">
+                        <a:effectLst/>
+                      </a:endParaRPr>
+                    </a:p>
+                  </a:txBody>
+                  <a:tcPr marL="30246" marR="30246" marT="30246" marB="22684" anchor="ctr">
+                    <a:lnL w="9525" cap="flat" cmpd="sng" algn="ctr">
+                      <a:solidFill>
+                        <a:srgbClr val="999999"/>
+                      </a:solidFill>
+                      <a:prstDash val="solid"/>
+                      <a:round/>
+                      <a:headEnd type="none" w="med" len="med"/>
+                      <a:tailEnd type="none" w="med" len="med"/>
+                    </a:lnL>
+                    <a:lnR w="9525" cap="flat" cmpd="sng" algn="ctr">
+                      <a:solidFill>
+                        <a:srgbClr val="999999"/>
+                      </a:solidFill>
+                      <a:prstDash val="solid"/>
+                      <a:round/>
+                      <a:headEnd type="none" w="med" len="med"/>
+                      <a:tailEnd type="none" w="med" len="med"/>
+                    </a:lnR>
+                    <a:lnT w="9525" cap="flat" cmpd="sng" algn="ctr">
+                      <a:solidFill>
+                        <a:srgbClr val="999999"/>
+                      </a:solidFill>
+                      <a:prstDash val="solid"/>
+                      <a:round/>
+                      <a:headEnd type="none" w="med" len="med"/>
+                      <a:tailEnd type="none" w="med" len="med"/>
+                    </a:lnT>
+                    <a:lnB w="9525" cap="flat" cmpd="sng" algn="ctr">
+                      <a:solidFill>
+                        <a:srgbClr val="999999"/>
+                      </a:solidFill>
+                      <a:prstDash val="solid"/>
+                      <a:round/>
+                      <a:headEnd type="none" w="med" len="med"/>
+                      <a:tailEnd type="none" w="med" len="med"/>
+                    </a:lnB>
+                  </a:tcPr>
+                </a:tc>
+                <a:tc>
+                  <a:txBody>
+                    <a:bodyPr/>
+                    <a:lstStyle/>
+                    <a:p>
+                      <a:pPr algn="r">
+                        <a:lnSpc>
+                          <a:spcPct val="100000"/>
+                        </a:lnSpc>
+                      </a:pPr>
+                      <a:r>
+                        <a:rPr lang="en-US" altLang="zh-CN" sz="2000" b="0" i="0" spc="0" dirty="0">
+                          <a:solidFill>
+                            <a:srgbClr val="000000"/>
+                          </a:solidFill>
+                          <a:effectLst/>
+                          <a:latin typeface="-apple-system"/>
+                        </a:rPr>
+                        <a:t>-0.18668</a:t>
+                      </a:r>
+                      <a:endParaRPr lang="zh-CN" altLang="en-US" sz="2000" dirty="0">
+                        <a:effectLst/>
+                      </a:endParaRPr>
+                    </a:p>
+                  </a:txBody>
+                  <a:tcPr marL="30246" marR="30246" marT="30246" marB="22684" anchor="ctr">
+                    <a:lnL w="9525" cap="flat" cmpd="sng" algn="ctr">
+                      <a:solidFill>
+                        <a:srgbClr val="999999"/>
+                      </a:solidFill>
+                      <a:prstDash val="solid"/>
+                      <a:round/>
+                      <a:headEnd type="none" w="med" len="med"/>
+                      <a:tailEnd type="none" w="med" len="med"/>
+                    </a:lnL>
+                    <a:lnR w="9525" cap="flat" cmpd="sng" algn="ctr">
+                      <a:solidFill>
+                        <a:srgbClr val="999999"/>
+                      </a:solidFill>
+                      <a:prstDash val="solid"/>
+                      <a:round/>
+                      <a:headEnd type="none" w="med" len="med"/>
+                      <a:tailEnd type="none" w="med" len="med"/>
+                    </a:lnR>
+                    <a:lnT w="9525" cap="flat" cmpd="sng" algn="ctr">
+                      <a:solidFill>
+                        <a:srgbClr val="999999"/>
+                      </a:solidFill>
+                      <a:prstDash val="solid"/>
+                      <a:round/>
+                      <a:headEnd type="none" w="med" len="med"/>
+                      <a:tailEnd type="none" w="med" len="med"/>
+                    </a:lnT>
+                    <a:lnB w="9525" cap="flat" cmpd="sng" algn="ctr">
+                      <a:solidFill>
+                        <a:srgbClr val="999999"/>
+                      </a:solidFill>
+                      <a:prstDash val="solid"/>
+                      <a:round/>
+                      <a:headEnd type="none" w="med" len="med"/>
+                      <a:tailEnd type="none" w="med" len="med"/>
+                    </a:lnB>
+                  </a:tcPr>
+                </a:tc>
+                <a:extLst>
+                  <a:ext uri="{0D108BD9-81ED-4DB2-BD59-A6C34878D82A}">
+                    <a16:rowId xmlns:a16="http://schemas.microsoft.com/office/drawing/2014/main" val="1260585467"/>
+                  </a:ext>
+                </a:extLst>
+              </a:tr>
+              <a:tr h="418197">
+                <a:tc>
+                  <a:txBody>
+                    <a:bodyPr/>
+                    <a:lstStyle/>
+                    <a:p>
+                      <a:pPr algn="l">
+                        <a:lnSpc>
+                          <a:spcPct val="130000"/>
+                        </a:lnSpc>
+                      </a:pPr>
+                      <a:r>
+                        <a:rPr lang="en-US" sz="2000" b="0" i="0" spc="0" dirty="0">
+                          <a:solidFill>
+                            <a:srgbClr val="333333"/>
+                          </a:solidFill>
+                          <a:effectLst/>
+                          <a:latin typeface="-apple-system"/>
+                        </a:rPr>
+                        <a:t>S6</a:t>
+                      </a:r>
+                      <a:endParaRPr lang="en-US" sz="2000" dirty="0">
+                        <a:effectLst/>
+                      </a:endParaRPr>
+                    </a:p>
+                  </a:txBody>
+                  <a:tcPr marL="30246" marR="30246" marT="30246" marB="22684" anchor="ctr">
+                    <a:lnL w="9525" cap="flat" cmpd="sng" algn="ctr">
+                      <a:solidFill>
+                        <a:srgbClr val="999999"/>
+                      </a:solidFill>
+                      <a:prstDash val="solid"/>
+                      <a:round/>
+                      <a:headEnd type="none" w="med" len="med"/>
+                      <a:tailEnd type="none" w="med" len="med"/>
+                    </a:lnL>
+                    <a:lnR w="9525" cap="flat" cmpd="sng" algn="ctr">
+                      <a:solidFill>
+                        <a:srgbClr val="999999"/>
+                      </a:solidFill>
+                      <a:prstDash val="solid"/>
+                      <a:round/>
+                      <a:headEnd type="none" w="med" len="med"/>
+                      <a:tailEnd type="none" w="med" len="med"/>
+                    </a:lnR>
+                    <a:lnT w="9525" cap="flat" cmpd="sng" algn="ctr">
+                      <a:solidFill>
+                        <a:srgbClr val="999999"/>
+                      </a:solidFill>
+                      <a:prstDash val="solid"/>
+                      <a:round/>
+                      <a:headEnd type="none" w="med" len="med"/>
+                      <a:tailEnd type="none" w="med" len="med"/>
+                    </a:lnT>
+                    <a:lnB w="9525" cap="flat" cmpd="sng" algn="ctr">
+                      <a:solidFill>
+                        <a:srgbClr val="999999"/>
+                      </a:solidFill>
+                      <a:prstDash val="solid"/>
+                      <a:round/>
+                      <a:headEnd type="none" w="med" len="med"/>
+                      <a:tailEnd type="none" w="med" len="med"/>
+                    </a:lnB>
+                  </a:tcPr>
+                </a:tc>
+                <a:tc>
+                  <a:txBody>
+                    <a:bodyPr/>
+                    <a:lstStyle/>
+                    <a:p>
+                      <a:pPr algn="r">
+                        <a:lnSpc>
+                          <a:spcPct val="100000"/>
+                        </a:lnSpc>
+                      </a:pPr>
+                      <a:r>
+                        <a:rPr lang="en-US" altLang="zh-CN" sz="2000" b="0" i="0" spc="0" dirty="0">
+                          <a:solidFill>
+                            <a:srgbClr val="000000"/>
+                          </a:solidFill>
+                          <a:effectLst/>
+                          <a:latin typeface="-apple-system"/>
+                        </a:rPr>
+                        <a:t>0.194706082</a:t>
+                      </a:r>
+                      <a:endParaRPr lang="zh-CN" altLang="en-US" sz="2000" dirty="0">
+                        <a:effectLst/>
+                      </a:endParaRPr>
+                    </a:p>
+                  </a:txBody>
+                  <a:tcPr marL="30246" marR="30246" marT="30246" marB="22684" anchor="ctr">
+                    <a:lnL w="9525" cap="flat" cmpd="sng" algn="ctr">
+                      <a:solidFill>
+                        <a:srgbClr val="999999"/>
+                      </a:solidFill>
+                      <a:prstDash val="solid"/>
+                      <a:round/>
+                      <a:headEnd type="none" w="med" len="med"/>
+                      <a:tailEnd type="none" w="med" len="med"/>
+                    </a:lnL>
+                    <a:lnR w="9525" cap="flat" cmpd="sng" algn="ctr">
+                      <a:solidFill>
+                        <a:srgbClr val="999999"/>
+                      </a:solidFill>
+                      <a:prstDash val="solid"/>
+                      <a:round/>
+                      <a:headEnd type="none" w="med" len="med"/>
+                      <a:tailEnd type="none" w="med" len="med"/>
+                    </a:lnR>
+                    <a:lnT w="9525" cap="flat" cmpd="sng" algn="ctr">
+                      <a:solidFill>
+                        <a:srgbClr val="999999"/>
+                      </a:solidFill>
+                      <a:prstDash val="solid"/>
+                      <a:round/>
+                      <a:headEnd type="none" w="med" len="med"/>
+                      <a:tailEnd type="none" w="med" len="med"/>
+                    </a:lnT>
+                    <a:lnB w="9525" cap="flat" cmpd="sng" algn="ctr">
+                      <a:solidFill>
+                        <a:srgbClr val="999999"/>
+                      </a:solidFill>
+                      <a:prstDash val="solid"/>
+                      <a:round/>
+                      <a:headEnd type="none" w="med" len="med"/>
+                      <a:tailEnd type="none" w="med" len="med"/>
+                    </a:lnB>
+                  </a:tcPr>
+                </a:tc>
+                <a:tc>
+                  <a:txBody>
+                    <a:bodyPr/>
+                    <a:lstStyle/>
+                    <a:p>
+                      <a:pPr algn="r">
+                        <a:lnSpc>
+                          <a:spcPct val="100000"/>
+                        </a:lnSpc>
+                      </a:pPr>
+                      <a:r>
+                        <a:rPr lang="en-US" altLang="zh-CN" sz="2000" b="0" i="0" spc="0" dirty="0">
+                          <a:solidFill>
+                            <a:srgbClr val="000000"/>
+                          </a:solidFill>
+                          <a:effectLst/>
+                          <a:latin typeface="-apple-system"/>
+                        </a:rPr>
+                        <a:t>-0.18261</a:t>
+                      </a:r>
+                      <a:endParaRPr lang="zh-CN" altLang="en-US" sz="2000" dirty="0">
+                        <a:effectLst/>
+                      </a:endParaRPr>
+                    </a:p>
+                  </a:txBody>
+                  <a:tcPr marL="30246" marR="30246" marT="30246" marB="22684" anchor="ctr">
+                    <a:lnL w="9525" cap="flat" cmpd="sng" algn="ctr">
+                      <a:solidFill>
+                        <a:srgbClr val="999999"/>
+                      </a:solidFill>
+                      <a:prstDash val="solid"/>
+                      <a:round/>
+                      <a:headEnd type="none" w="med" len="med"/>
+                      <a:tailEnd type="none" w="med" len="med"/>
+                    </a:lnL>
+                    <a:lnR w="9525" cap="flat" cmpd="sng" algn="ctr">
+                      <a:solidFill>
+                        <a:srgbClr val="999999"/>
+                      </a:solidFill>
+                      <a:prstDash val="solid"/>
+                      <a:round/>
+                      <a:headEnd type="none" w="med" len="med"/>
+                      <a:tailEnd type="none" w="med" len="med"/>
+                    </a:lnR>
+                    <a:lnT w="9525" cap="flat" cmpd="sng" algn="ctr">
+                      <a:solidFill>
+                        <a:srgbClr val="999999"/>
+                      </a:solidFill>
+                      <a:prstDash val="solid"/>
+                      <a:round/>
+                      <a:headEnd type="none" w="med" len="med"/>
+                      <a:tailEnd type="none" w="med" len="med"/>
+                    </a:lnT>
+                    <a:lnB w="9525" cap="flat" cmpd="sng" algn="ctr">
+                      <a:solidFill>
+                        <a:srgbClr val="999999"/>
+                      </a:solidFill>
+                      <a:prstDash val="solid"/>
+                      <a:round/>
+                      <a:headEnd type="none" w="med" len="med"/>
+                      <a:tailEnd type="none" w="med" len="med"/>
+                    </a:lnB>
+                  </a:tcPr>
+                </a:tc>
+                <a:extLst>
+                  <a:ext uri="{0D108BD9-81ED-4DB2-BD59-A6C34878D82A}">
+                    <a16:rowId xmlns:a16="http://schemas.microsoft.com/office/drawing/2014/main" val="537477213"/>
+                  </a:ext>
+                </a:extLst>
+              </a:tr>
+              <a:tr h="418197">
+                <a:tc>
+                  <a:txBody>
+                    <a:bodyPr/>
+                    <a:lstStyle/>
+                    <a:p>
+                      <a:pPr algn="l">
+                        <a:lnSpc>
+                          <a:spcPct val="130000"/>
+                        </a:lnSpc>
+                      </a:pPr>
+                      <a:r>
+                        <a:rPr lang="en-US" sz="2000" b="0" i="0" spc="0" dirty="0">
+                          <a:solidFill>
+                            <a:srgbClr val="333333"/>
+                          </a:solidFill>
+                          <a:effectLst/>
+                          <a:latin typeface="-apple-system"/>
+                        </a:rPr>
+                        <a:t>S7</a:t>
+                      </a:r>
+                      <a:endParaRPr lang="en-US" sz="2000" dirty="0">
+                        <a:effectLst/>
+                      </a:endParaRPr>
+                    </a:p>
+                  </a:txBody>
+                  <a:tcPr marL="30246" marR="30246" marT="30246" marB="22684" anchor="ctr">
+                    <a:lnL w="9525" cap="flat" cmpd="sng" algn="ctr">
+                      <a:solidFill>
+                        <a:srgbClr val="999999"/>
+                      </a:solidFill>
+                      <a:prstDash val="solid"/>
+                      <a:round/>
+                      <a:headEnd type="none" w="med" len="med"/>
+                      <a:tailEnd type="none" w="med" len="med"/>
+                    </a:lnL>
+                    <a:lnR w="9525" cap="flat" cmpd="sng" algn="ctr">
+                      <a:solidFill>
+                        <a:srgbClr val="999999"/>
+                      </a:solidFill>
+                      <a:prstDash val="solid"/>
+                      <a:round/>
+                      <a:headEnd type="none" w="med" len="med"/>
+                      <a:tailEnd type="none" w="med" len="med"/>
+                    </a:lnR>
+                    <a:lnT w="9525" cap="flat" cmpd="sng" algn="ctr">
+                      <a:solidFill>
+                        <a:srgbClr val="999999"/>
+                      </a:solidFill>
+                      <a:prstDash val="solid"/>
+                      <a:round/>
+                      <a:headEnd type="none" w="med" len="med"/>
+                      <a:tailEnd type="none" w="med" len="med"/>
+                    </a:lnT>
+                    <a:lnB w="9525" cap="flat" cmpd="sng" algn="ctr">
+                      <a:solidFill>
+                        <a:srgbClr val="999999"/>
+                      </a:solidFill>
+                      <a:prstDash val="solid"/>
+                      <a:round/>
+                      <a:headEnd type="none" w="med" len="med"/>
+                      <a:tailEnd type="none" w="med" len="med"/>
+                    </a:lnB>
+                  </a:tcPr>
+                </a:tc>
+                <a:tc>
+                  <a:txBody>
+                    <a:bodyPr/>
+                    <a:lstStyle/>
+                    <a:p>
+                      <a:pPr algn="r">
+                        <a:lnSpc>
+                          <a:spcPct val="100000"/>
+                        </a:lnSpc>
+                      </a:pPr>
+                      <a:r>
+                        <a:rPr lang="en-US" altLang="zh-CN" sz="2000" b="0" i="0" spc="0" dirty="0">
+                          <a:solidFill>
+                            <a:srgbClr val="000000"/>
+                          </a:solidFill>
+                          <a:effectLst/>
+                          <a:latin typeface="-apple-system"/>
+                        </a:rPr>
+                        <a:t>-0.2073635</a:t>
+                      </a:r>
+                      <a:endParaRPr lang="zh-CN" altLang="en-US" sz="2000" dirty="0">
+                        <a:effectLst/>
+                      </a:endParaRPr>
+                    </a:p>
+                  </a:txBody>
+                  <a:tcPr marL="30246" marR="30246" marT="30246" marB="22684" anchor="ctr">
+                    <a:lnL w="9525" cap="flat" cmpd="sng" algn="ctr">
+                      <a:solidFill>
+                        <a:srgbClr val="999999"/>
+                      </a:solidFill>
+                      <a:prstDash val="solid"/>
+                      <a:round/>
+                      <a:headEnd type="none" w="med" len="med"/>
+                      <a:tailEnd type="none" w="med" len="med"/>
+                    </a:lnL>
+                    <a:lnR w="9525" cap="flat" cmpd="sng" algn="ctr">
+                      <a:solidFill>
+                        <a:srgbClr val="999999"/>
+                      </a:solidFill>
+                      <a:prstDash val="solid"/>
+                      <a:round/>
+                      <a:headEnd type="none" w="med" len="med"/>
+                      <a:tailEnd type="none" w="med" len="med"/>
+                    </a:lnR>
+                    <a:lnT w="9525" cap="flat" cmpd="sng" algn="ctr">
+                      <a:solidFill>
+                        <a:srgbClr val="999999"/>
+                      </a:solidFill>
+                      <a:prstDash val="solid"/>
+                      <a:round/>
+                      <a:headEnd type="none" w="med" len="med"/>
+                      <a:tailEnd type="none" w="med" len="med"/>
+                    </a:lnT>
+                    <a:lnB w="9525" cap="flat" cmpd="sng" algn="ctr">
+                      <a:solidFill>
+                        <a:srgbClr val="999999"/>
+                      </a:solidFill>
+                      <a:prstDash val="solid"/>
+                      <a:round/>
+                      <a:headEnd type="none" w="med" len="med"/>
+                      <a:tailEnd type="none" w="med" len="med"/>
+                    </a:lnB>
+                  </a:tcPr>
+                </a:tc>
+                <a:tc>
+                  <a:txBody>
+                    <a:bodyPr/>
+                    <a:lstStyle/>
+                    <a:p>
+                      <a:pPr algn="r">
+                        <a:lnSpc>
+                          <a:spcPct val="100000"/>
+                        </a:lnSpc>
+                      </a:pPr>
+                      <a:r>
+                        <a:rPr lang="en-US" altLang="zh-CN" sz="2000" b="0" i="0" spc="0" dirty="0">
+                          <a:solidFill>
+                            <a:srgbClr val="000000"/>
+                          </a:solidFill>
+                          <a:effectLst/>
+                          <a:latin typeface="-apple-system"/>
+                        </a:rPr>
+                        <a:t>0.019703</a:t>
+                      </a:r>
+                      <a:endParaRPr lang="zh-CN" altLang="en-US" sz="2000" dirty="0">
+                        <a:effectLst/>
+                      </a:endParaRPr>
+                    </a:p>
+                  </a:txBody>
+                  <a:tcPr marL="30246" marR="30246" marT="30246" marB="22684" anchor="ctr">
+                    <a:lnL w="9525" cap="flat" cmpd="sng" algn="ctr">
+                      <a:solidFill>
+                        <a:srgbClr val="999999"/>
+                      </a:solidFill>
+                      <a:prstDash val="solid"/>
+                      <a:round/>
+                      <a:headEnd type="none" w="med" len="med"/>
+                      <a:tailEnd type="none" w="med" len="med"/>
+                    </a:lnL>
+                    <a:lnR w="9525" cap="flat" cmpd="sng" algn="ctr">
+                      <a:solidFill>
+                        <a:srgbClr val="999999"/>
+                      </a:solidFill>
+                      <a:prstDash val="solid"/>
+                      <a:round/>
+                      <a:headEnd type="none" w="med" len="med"/>
+                      <a:tailEnd type="none" w="med" len="med"/>
+                    </a:lnR>
+                    <a:lnT w="9525" cap="flat" cmpd="sng" algn="ctr">
+                      <a:solidFill>
+                        <a:srgbClr val="999999"/>
+                      </a:solidFill>
+                      <a:prstDash val="solid"/>
+                      <a:round/>
+                      <a:headEnd type="none" w="med" len="med"/>
+                      <a:tailEnd type="none" w="med" len="med"/>
+                    </a:lnT>
+                    <a:lnB w="9525" cap="flat" cmpd="sng" algn="ctr">
+                      <a:solidFill>
+                        <a:srgbClr val="999999"/>
+                      </a:solidFill>
+                      <a:prstDash val="solid"/>
+                      <a:round/>
+                      <a:headEnd type="none" w="med" len="med"/>
+                      <a:tailEnd type="none" w="med" len="med"/>
+                    </a:lnB>
+                  </a:tcPr>
+                </a:tc>
+                <a:extLst>
+                  <a:ext uri="{0D108BD9-81ED-4DB2-BD59-A6C34878D82A}">
+                    <a16:rowId xmlns:a16="http://schemas.microsoft.com/office/drawing/2014/main" val="3482235934"/>
+                  </a:ext>
+                </a:extLst>
+              </a:tr>
+              <a:tr h="418197">
+                <a:tc>
+                  <a:txBody>
+                    <a:bodyPr/>
+                    <a:lstStyle/>
+                    <a:p>
+                      <a:pPr algn="l">
+                        <a:lnSpc>
+                          <a:spcPct val="130000"/>
+                        </a:lnSpc>
+                      </a:pPr>
+                      <a:r>
+                        <a:rPr lang="en-US" sz="2000" b="0" i="0" spc="0" dirty="0">
+                          <a:solidFill>
+                            <a:srgbClr val="333333"/>
+                          </a:solidFill>
+                          <a:effectLst/>
+                          <a:latin typeface="-apple-system"/>
+                        </a:rPr>
+                        <a:t>S8</a:t>
+                      </a:r>
+                      <a:endParaRPr lang="en-US" sz="2000" dirty="0">
+                        <a:effectLst/>
+                      </a:endParaRPr>
+                    </a:p>
+                  </a:txBody>
+                  <a:tcPr marL="30246" marR="30246" marT="30246" marB="22684" anchor="ctr">
+                    <a:lnL w="9525" cap="flat" cmpd="sng" algn="ctr">
+                      <a:solidFill>
+                        <a:srgbClr val="999999"/>
+                      </a:solidFill>
+                      <a:prstDash val="solid"/>
+                      <a:round/>
+                      <a:headEnd type="none" w="med" len="med"/>
+                      <a:tailEnd type="none" w="med" len="med"/>
+                    </a:lnL>
+                    <a:lnR w="9525" cap="flat" cmpd="sng" algn="ctr">
+                      <a:solidFill>
+                        <a:srgbClr val="999999"/>
+                      </a:solidFill>
+                      <a:prstDash val="solid"/>
+                      <a:round/>
+                      <a:headEnd type="none" w="med" len="med"/>
+                      <a:tailEnd type="none" w="med" len="med"/>
+                    </a:lnR>
+                    <a:lnT w="9525" cap="flat" cmpd="sng" algn="ctr">
+                      <a:solidFill>
+                        <a:srgbClr val="999999"/>
+                      </a:solidFill>
+                      <a:prstDash val="solid"/>
+                      <a:round/>
+                      <a:headEnd type="none" w="med" len="med"/>
+                      <a:tailEnd type="none" w="med" len="med"/>
+                    </a:lnT>
+                    <a:lnB w="9525" cap="flat" cmpd="sng" algn="ctr">
+                      <a:solidFill>
+                        <a:srgbClr val="999999"/>
+                      </a:solidFill>
+                      <a:prstDash val="solid"/>
+                      <a:round/>
+                      <a:headEnd type="none" w="med" len="med"/>
+                      <a:tailEnd type="none" w="med" len="med"/>
+                    </a:lnB>
+                  </a:tcPr>
+                </a:tc>
+                <a:tc>
+                  <a:txBody>
+                    <a:bodyPr/>
+                    <a:lstStyle/>
+                    <a:p>
+                      <a:pPr algn="r">
+                        <a:lnSpc>
+                          <a:spcPct val="100000"/>
+                        </a:lnSpc>
+                      </a:pPr>
+                      <a:r>
+                        <a:rPr lang="en-US" altLang="zh-CN" sz="2000" b="0" i="0" spc="0" dirty="0">
+                          <a:solidFill>
+                            <a:srgbClr val="000000"/>
+                          </a:solidFill>
+                          <a:effectLst/>
+                          <a:latin typeface="-apple-system"/>
+                        </a:rPr>
+                        <a:t>0.171127667</a:t>
+                      </a:r>
+                      <a:endParaRPr lang="zh-CN" altLang="en-US" sz="2000" dirty="0">
+                        <a:effectLst/>
+                      </a:endParaRPr>
+                    </a:p>
+                  </a:txBody>
+                  <a:tcPr marL="30246" marR="30246" marT="30246" marB="22684" anchor="ctr">
+                    <a:lnL w="9525" cap="flat" cmpd="sng" algn="ctr">
+                      <a:solidFill>
+                        <a:srgbClr val="999999"/>
+                      </a:solidFill>
+                      <a:prstDash val="solid"/>
+                      <a:round/>
+                      <a:headEnd type="none" w="med" len="med"/>
+                      <a:tailEnd type="none" w="med" len="med"/>
+                    </a:lnL>
+                    <a:lnR w="9525" cap="flat" cmpd="sng" algn="ctr">
+                      <a:solidFill>
+                        <a:srgbClr val="999999"/>
+                      </a:solidFill>
+                      <a:prstDash val="solid"/>
+                      <a:round/>
+                      <a:headEnd type="none" w="med" len="med"/>
+                      <a:tailEnd type="none" w="med" len="med"/>
+                    </a:lnR>
+                    <a:lnT w="9525" cap="flat" cmpd="sng" algn="ctr">
+                      <a:solidFill>
+                        <a:srgbClr val="999999"/>
+                      </a:solidFill>
+                      <a:prstDash val="solid"/>
+                      <a:round/>
+                      <a:headEnd type="none" w="med" len="med"/>
+                      <a:tailEnd type="none" w="med" len="med"/>
+                    </a:lnT>
+                    <a:lnB w="9525" cap="flat" cmpd="sng" algn="ctr">
+                      <a:solidFill>
+                        <a:srgbClr val="999999"/>
+                      </a:solidFill>
+                      <a:prstDash val="solid"/>
+                      <a:round/>
+                      <a:headEnd type="none" w="med" len="med"/>
+                      <a:tailEnd type="none" w="med" len="med"/>
+                    </a:lnB>
+                  </a:tcPr>
+                </a:tc>
+                <a:tc>
+                  <a:txBody>
+                    <a:bodyPr/>
+                    <a:lstStyle/>
+                    <a:p>
+                      <a:pPr algn="r">
+                        <a:lnSpc>
+                          <a:spcPct val="100000"/>
+                        </a:lnSpc>
+                      </a:pPr>
+                      <a:r>
+                        <a:rPr lang="en-US" altLang="zh-CN" sz="2000" b="0" i="0" spc="0" dirty="0">
+                          <a:solidFill>
+                            <a:srgbClr val="000000"/>
+                          </a:solidFill>
+                          <a:effectLst/>
+                          <a:latin typeface="-apple-system"/>
+                        </a:rPr>
+                        <a:t>0.113001</a:t>
+                      </a:r>
+                      <a:endParaRPr lang="zh-CN" altLang="en-US" sz="2000" dirty="0">
+                        <a:effectLst/>
+                      </a:endParaRPr>
+                    </a:p>
+                  </a:txBody>
+                  <a:tcPr marL="30246" marR="30246" marT="30246" marB="22684" anchor="ctr">
+                    <a:lnL w="9525" cap="flat" cmpd="sng" algn="ctr">
+                      <a:solidFill>
+                        <a:srgbClr val="999999"/>
+                      </a:solidFill>
+                      <a:prstDash val="solid"/>
+                      <a:round/>
+                      <a:headEnd type="none" w="med" len="med"/>
+                      <a:tailEnd type="none" w="med" len="med"/>
+                    </a:lnL>
+                    <a:lnR w="9525" cap="flat" cmpd="sng" algn="ctr">
+                      <a:solidFill>
+                        <a:srgbClr val="999999"/>
+                      </a:solidFill>
+                      <a:prstDash val="solid"/>
+                      <a:round/>
+                      <a:headEnd type="none" w="med" len="med"/>
+                      <a:tailEnd type="none" w="med" len="med"/>
+                    </a:lnR>
+                    <a:lnT w="9525" cap="flat" cmpd="sng" algn="ctr">
+                      <a:solidFill>
+                        <a:srgbClr val="999999"/>
+                      </a:solidFill>
+                      <a:prstDash val="solid"/>
+                      <a:round/>
+                      <a:headEnd type="none" w="med" len="med"/>
+                      <a:tailEnd type="none" w="med" len="med"/>
+                    </a:lnT>
+                    <a:lnB w="9525" cap="flat" cmpd="sng" algn="ctr">
+                      <a:solidFill>
+                        <a:srgbClr val="999999"/>
+                      </a:solidFill>
+                      <a:prstDash val="solid"/>
+                      <a:round/>
+                      <a:headEnd type="none" w="med" len="med"/>
+                      <a:tailEnd type="none" w="med" len="med"/>
+                    </a:lnB>
+                  </a:tcPr>
+                </a:tc>
+                <a:extLst>
+                  <a:ext uri="{0D108BD9-81ED-4DB2-BD59-A6C34878D82A}">
+                    <a16:rowId xmlns:a16="http://schemas.microsoft.com/office/drawing/2014/main" val="33963750"/>
+                  </a:ext>
+                </a:extLst>
+              </a:tr>
+              <a:tr h="418197">
+                <a:tc>
+                  <a:txBody>
+                    <a:bodyPr/>
+                    <a:lstStyle/>
+                    <a:p>
+                      <a:pPr algn="l">
+                        <a:lnSpc>
+                          <a:spcPct val="130000"/>
+                        </a:lnSpc>
+                      </a:pPr>
+                      <a:r>
+                        <a:rPr lang="en-US" sz="2000" b="0" i="0" spc="0" dirty="0">
+                          <a:solidFill>
+                            <a:srgbClr val="333333"/>
+                          </a:solidFill>
+                          <a:effectLst/>
+                          <a:latin typeface="-apple-system"/>
+                        </a:rPr>
+                        <a:t>S9</a:t>
+                      </a:r>
+                      <a:endParaRPr lang="en-US" sz="2000" dirty="0">
+                        <a:effectLst/>
+                      </a:endParaRPr>
+                    </a:p>
+                  </a:txBody>
+                  <a:tcPr marL="30246" marR="30246" marT="30246" marB="22684" anchor="ctr">
+                    <a:lnL w="9525" cap="flat" cmpd="sng" algn="ctr">
+                      <a:solidFill>
+                        <a:srgbClr val="999999"/>
+                      </a:solidFill>
+                      <a:prstDash val="solid"/>
+                      <a:round/>
+                      <a:headEnd type="none" w="med" len="med"/>
+                      <a:tailEnd type="none" w="med" len="med"/>
+                    </a:lnL>
+                    <a:lnR w="9525" cap="flat" cmpd="sng" algn="ctr">
+                      <a:solidFill>
+                        <a:srgbClr val="999999"/>
+                      </a:solidFill>
+                      <a:prstDash val="solid"/>
+                      <a:round/>
+                      <a:headEnd type="none" w="med" len="med"/>
+                      <a:tailEnd type="none" w="med" len="med"/>
+                    </a:lnR>
+                    <a:lnT w="9525" cap="flat" cmpd="sng" algn="ctr">
+                      <a:solidFill>
+                        <a:srgbClr val="999999"/>
+                      </a:solidFill>
+                      <a:prstDash val="solid"/>
+                      <a:round/>
+                      <a:headEnd type="none" w="med" len="med"/>
+                      <a:tailEnd type="none" w="med" len="med"/>
+                    </a:lnT>
+                    <a:lnB w="9525" cap="flat" cmpd="sng" algn="ctr">
+                      <a:solidFill>
+                        <a:srgbClr val="999999"/>
+                      </a:solidFill>
+                      <a:prstDash val="solid"/>
+                      <a:round/>
+                      <a:headEnd type="none" w="med" len="med"/>
+                      <a:tailEnd type="none" w="med" len="med"/>
+                    </a:lnB>
+                  </a:tcPr>
+                </a:tc>
+                <a:tc>
+                  <a:txBody>
+                    <a:bodyPr/>
+                    <a:lstStyle/>
+                    <a:p>
+                      <a:pPr algn="r">
+                        <a:lnSpc>
+                          <a:spcPct val="100000"/>
+                        </a:lnSpc>
+                      </a:pPr>
+                      <a:r>
+                        <a:rPr lang="en-US" altLang="zh-CN" sz="2000" b="0" i="0" spc="0" dirty="0">
+                          <a:solidFill>
+                            <a:srgbClr val="FF0000"/>
+                          </a:solidFill>
+                          <a:effectLst/>
+                          <a:latin typeface="-apple-system"/>
+                        </a:rPr>
+                        <a:t>0.42483937</a:t>
+                      </a:r>
+                      <a:endParaRPr lang="zh-CN" altLang="en-US" sz="2000" dirty="0">
+                        <a:effectLst/>
+                      </a:endParaRPr>
+                    </a:p>
+                  </a:txBody>
+                  <a:tcPr marL="30246" marR="30246" marT="30246" marB="22684" anchor="ctr">
+                    <a:lnL w="9525" cap="flat" cmpd="sng" algn="ctr">
+                      <a:solidFill>
+                        <a:srgbClr val="999999"/>
+                      </a:solidFill>
+                      <a:prstDash val="solid"/>
+                      <a:round/>
+                      <a:headEnd type="none" w="med" len="med"/>
+                      <a:tailEnd type="none" w="med" len="med"/>
+                    </a:lnL>
+                    <a:lnR w="9525" cap="flat" cmpd="sng" algn="ctr">
+                      <a:solidFill>
+                        <a:srgbClr val="999999"/>
+                      </a:solidFill>
+                      <a:prstDash val="solid"/>
+                      <a:round/>
+                      <a:headEnd type="none" w="med" len="med"/>
+                      <a:tailEnd type="none" w="med" len="med"/>
+                    </a:lnR>
+                    <a:lnT w="9525" cap="flat" cmpd="sng" algn="ctr">
+                      <a:solidFill>
+                        <a:srgbClr val="999999"/>
+                      </a:solidFill>
+                      <a:prstDash val="solid"/>
+                      <a:round/>
+                      <a:headEnd type="none" w="med" len="med"/>
+                      <a:tailEnd type="none" w="med" len="med"/>
+                    </a:lnT>
+                    <a:lnB w="9525" cap="flat" cmpd="sng" algn="ctr">
+                      <a:solidFill>
+                        <a:srgbClr val="999999"/>
+                      </a:solidFill>
+                      <a:prstDash val="solid"/>
+                      <a:round/>
+                      <a:headEnd type="none" w="med" len="med"/>
+                      <a:tailEnd type="none" w="med" len="med"/>
+                    </a:lnB>
+                  </a:tcPr>
+                </a:tc>
+                <a:tc>
+                  <a:txBody>
+                    <a:bodyPr/>
+                    <a:lstStyle/>
+                    <a:p>
+                      <a:pPr algn="r">
+                        <a:lnSpc>
+                          <a:spcPct val="100000"/>
+                        </a:lnSpc>
+                      </a:pPr>
+                      <a:r>
+                        <a:rPr lang="en-US" altLang="zh-CN" sz="2000" b="0" i="0" spc="0" dirty="0">
+                          <a:solidFill>
+                            <a:srgbClr val="000000"/>
+                          </a:solidFill>
+                          <a:effectLst/>
+                          <a:latin typeface="-apple-system"/>
+                        </a:rPr>
+                        <a:t>0.212219</a:t>
+                      </a:r>
+                      <a:endParaRPr lang="zh-CN" altLang="en-US" sz="2000" dirty="0">
+                        <a:effectLst/>
+                      </a:endParaRPr>
+                    </a:p>
+                  </a:txBody>
+                  <a:tcPr marL="30246" marR="30246" marT="30246" marB="22684" anchor="ctr">
+                    <a:lnL w="9525" cap="flat" cmpd="sng" algn="ctr">
+                      <a:solidFill>
+                        <a:srgbClr val="999999"/>
+                      </a:solidFill>
+                      <a:prstDash val="solid"/>
+                      <a:round/>
+                      <a:headEnd type="none" w="med" len="med"/>
+                      <a:tailEnd type="none" w="med" len="med"/>
+                    </a:lnL>
+                    <a:lnR w="9525" cap="flat" cmpd="sng" algn="ctr">
+                      <a:solidFill>
+                        <a:srgbClr val="999999"/>
+                      </a:solidFill>
+                      <a:prstDash val="solid"/>
+                      <a:round/>
+                      <a:headEnd type="none" w="med" len="med"/>
+                      <a:tailEnd type="none" w="med" len="med"/>
+                    </a:lnR>
+                    <a:lnT w="9525" cap="flat" cmpd="sng" algn="ctr">
+                      <a:solidFill>
+                        <a:srgbClr val="999999"/>
+                      </a:solidFill>
+                      <a:prstDash val="solid"/>
+                      <a:round/>
+                      <a:headEnd type="none" w="med" len="med"/>
+                      <a:tailEnd type="none" w="med" len="med"/>
+                    </a:lnT>
+                    <a:lnB w="9525" cap="flat" cmpd="sng" algn="ctr">
+                      <a:solidFill>
+                        <a:srgbClr val="999999"/>
+                      </a:solidFill>
+                      <a:prstDash val="solid"/>
+                      <a:round/>
+                      <a:headEnd type="none" w="med" len="med"/>
+                      <a:tailEnd type="none" w="med" len="med"/>
+                    </a:lnB>
+                  </a:tcPr>
+                </a:tc>
+                <a:extLst>
+                  <a:ext uri="{0D108BD9-81ED-4DB2-BD59-A6C34878D82A}">
+                    <a16:rowId xmlns:a16="http://schemas.microsoft.com/office/drawing/2014/main" val="283885649"/>
+                  </a:ext>
+                </a:extLst>
+              </a:tr>
+              <a:tr h="418197">
+                <a:tc>
+                  <a:txBody>
+                    <a:bodyPr/>
+                    <a:lstStyle/>
+                    <a:p>
+                      <a:pPr algn="l">
+                        <a:lnSpc>
+                          <a:spcPct val="130000"/>
+                        </a:lnSpc>
+                      </a:pPr>
+                      <a:r>
+                        <a:rPr lang="en-US" sz="2000" b="0" i="0" spc="0" dirty="0">
+                          <a:solidFill>
+                            <a:srgbClr val="333333"/>
+                          </a:solidFill>
+                          <a:effectLst/>
+                          <a:latin typeface="-apple-system"/>
+                        </a:rPr>
+                        <a:t>S10</a:t>
+                      </a:r>
+                      <a:endParaRPr lang="en-US" sz="2000" dirty="0">
+                        <a:effectLst/>
+                      </a:endParaRPr>
+                    </a:p>
+                  </a:txBody>
+                  <a:tcPr marL="30246" marR="30246" marT="30246" marB="22684" anchor="ctr">
+                    <a:lnL w="9525" cap="flat" cmpd="sng" algn="ctr">
+                      <a:solidFill>
+                        <a:srgbClr val="999999"/>
+                      </a:solidFill>
+                      <a:prstDash val="solid"/>
+                      <a:round/>
+                      <a:headEnd type="none" w="med" len="med"/>
+                      <a:tailEnd type="none" w="med" len="med"/>
+                    </a:lnL>
+                    <a:lnR w="9525" cap="flat" cmpd="sng" algn="ctr">
+                      <a:solidFill>
+                        <a:srgbClr val="999999"/>
+                      </a:solidFill>
+                      <a:prstDash val="solid"/>
+                      <a:round/>
+                      <a:headEnd type="none" w="med" len="med"/>
+                      <a:tailEnd type="none" w="med" len="med"/>
+                    </a:lnR>
+                    <a:lnT w="9525" cap="flat" cmpd="sng" algn="ctr">
+                      <a:solidFill>
+                        <a:srgbClr val="999999"/>
+                      </a:solidFill>
+                      <a:prstDash val="solid"/>
+                      <a:round/>
+                      <a:headEnd type="none" w="med" len="med"/>
+                      <a:tailEnd type="none" w="med" len="med"/>
+                    </a:lnT>
+                    <a:lnB w="9525" cap="flat" cmpd="sng" algn="ctr">
+                      <a:solidFill>
+                        <a:srgbClr val="999999"/>
+                      </a:solidFill>
+                      <a:prstDash val="solid"/>
+                      <a:round/>
+                      <a:headEnd type="none" w="med" len="med"/>
+                      <a:tailEnd type="none" w="med" len="med"/>
+                    </a:lnB>
+                  </a:tcPr>
+                </a:tc>
+                <a:tc>
+                  <a:txBody>
+                    <a:bodyPr/>
+                    <a:lstStyle/>
+                    <a:p>
+                      <a:pPr algn="r">
+                        <a:lnSpc>
+                          <a:spcPct val="100000"/>
+                        </a:lnSpc>
+                      </a:pPr>
+                      <a:r>
+                        <a:rPr lang="en-US" altLang="zh-CN" sz="2000" b="0" i="0" spc="0" dirty="0">
+                          <a:solidFill>
+                            <a:srgbClr val="000000"/>
+                          </a:solidFill>
+                          <a:effectLst/>
+                          <a:latin typeface="-apple-system"/>
+                        </a:rPr>
+                        <a:t>-0.243015977</a:t>
+                      </a:r>
+                      <a:endParaRPr lang="zh-CN" altLang="en-US" sz="2000" dirty="0">
+                        <a:effectLst/>
+                      </a:endParaRPr>
+                    </a:p>
+                  </a:txBody>
+                  <a:tcPr marL="30246" marR="30246" marT="30246" marB="22684" anchor="ctr">
+                    <a:lnL w="9525" cap="flat" cmpd="sng" algn="ctr">
+                      <a:solidFill>
+                        <a:srgbClr val="999999"/>
+                      </a:solidFill>
+                      <a:prstDash val="solid"/>
+                      <a:round/>
+                      <a:headEnd type="none" w="med" len="med"/>
+                      <a:tailEnd type="none" w="med" len="med"/>
+                    </a:lnL>
+                    <a:lnR w="9525" cap="flat" cmpd="sng" algn="ctr">
+                      <a:solidFill>
+                        <a:srgbClr val="999999"/>
+                      </a:solidFill>
+                      <a:prstDash val="solid"/>
+                      <a:round/>
+                      <a:headEnd type="none" w="med" len="med"/>
+                      <a:tailEnd type="none" w="med" len="med"/>
+                    </a:lnR>
+                    <a:lnT w="9525" cap="flat" cmpd="sng" algn="ctr">
+                      <a:solidFill>
+                        <a:srgbClr val="999999"/>
+                      </a:solidFill>
+                      <a:prstDash val="solid"/>
+                      <a:round/>
+                      <a:headEnd type="none" w="med" len="med"/>
+                      <a:tailEnd type="none" w="med" len="med"/>
+                    </a:lnT>
+                    <a:lnB w="9525" cap="flat" cmpd="sng" algn="ctr">
+                      <a:solidFill>
+                        <a:srgbClr val="999999"/>
+                      </a:solidFill>
+                      <a:prstDash val="solid"/>
+                      <a:round/>
+                      <a:headEnd type="none" w="med" len="med"/>
+                      <a:tailEnd type="none" w="med" len="med"/>
+                    </a:lnB>
+                  </a:tcPr>
+                </a:tc>
+                <a:tc>
+                  <a:txBody>
+                    <a:bodyPr/>
+                    <a:lstStyle/>
+                    <a:p>
+                      <a:pPr algn="r">
+                        <a:lnSpc>
+                          <a:spcPct val="100000"/>
+                        </a:lnSpc>
+                      </a:pPr>
+                      <a:r>
+                        <a:rPr lang="en-US" altLang="zh-CN" sz="2000" b="0" i="0" spc="0" dirty="0">
+                          <a:solidFill>
+                            <a:srgbClr val="4CC2EE"/>
+                          </a:solidFill>
+                          <a:effectLst/>
+                          <a:latin typeface="-apple-system"/>
+                        </a:rPr>
+                        <a:t>-0.4155</a:t>
+                      </a:r>
+                      <a:endParaRPr lang="zh-CN" altLang="en-US" sz="2000" dirty="0">
+                        <a:effectLst/>
+                      </a:endParaRPr>
+                    </a:p>
+                  </a:txBody>
+                  <a:tcPr marL="30246" marR="30246" marT="30246" marB="22684" anchor="ctr">
+                    <a:lnL w="9525" cap="flat" cmpd="sng" algn="ctr">
+                      <a:solidFill>
+                        <a:srgbClr val="999999"/>
+                      </a:solidFill>
+                      <a:prstDash val="solid"/>
+                      <a:round/>
+                      <a:headEnd type="none" w="med" len="med"/>
+                      <a:tailEnd type="none" w="med" len="med"/>
+                    </a:lnL>
+                    <a:lnR w="9525" cap="flat" cmpd="sng" algn="ctr">
+                      <a:solidFill>
+                        <a:srgbClr val="999999"/>
+                      </a:solidFill>
+                      <a:prstDash val="solid"/>
+                      <a:round/>
+                      <a:headEnd type="none" w="med" len="med"/>
+                      <a:tailEnd type="none" w="med" len="med"/>
+                    </a:lnR>
+                    <a:lnT w="9525" cap="flat" cmpd="sng" algn="ctr">
+                      <a:solidFill>
+                        <a:srgbClr val="999999"/>
+                      </a:solidFill>
+                      <a:prstDash val="solid"/>
+                      <a:round/>
+                      <a:headEnd type="none" w="med" len="med"/>
+                      <a:tailEnd type="none" w="med" len="med"/>
+                    </a:lnT>
+                    <a:lnB w="9525" cap="flat" cmpd="sng" algn="ctr">
+                      <a:solidFill>
+                        <a:srgbClr val="999999"/>
+                      </a:solidFill>
+                      <a:prstDash val="solid"/>
+                      <a:round/>
+                      <a:headEnd type="none" w="med" len="med"/>
+                      <a:tailEnd type="none" w="med" len="med"/>
+                    </a:lnB>
+                  </a:tcPr>
+                </a:tc>
+                <a:extLst>
+                  <a:ext uri="{0D108BD9-81ED-4DB2-BD59-A6C34878D82A}">
+                    <a16:rowId xmlns:a16="http://schemas.microsoft.com/office/drawing/2014/main" val="3436195504"/>
+                  </a:ext>
+                </a:extLst>
+              </a:tr>
+            </a:tbl>
+          </a:graphicData>
+        </a:graphic>
+      </p:graphicFrame>
+    </p:spTree>
+    <p:extLst>
+      <p:ext uri="{BB962C8B-B14F-4D97-AF65-F5344CB8AC3E}">
+        <p14:creationId xmlns:p14="http://schemas.microsoft.com/office/powerpoint/2010/main" val="1156062570"/>
+      </p:ext>
+    </p:extLst>
+  </p:cSld>
+  <p:clrMapOvr>
+    <a:masterClrMapping/>
+  </p:clrMapOvr>
+</p:sld>
+</file>
+
+<file path=ppt/slides/slide16.xml><?xml version="1.0" encoding="utf-8"?>
+<p:sld xmlns:a="http://schemas.openxmlformats.org/drawingml/2006/main" xmlns:r="http://schemas.openxmlformats.org/officeDocument/2006/relationships" xmlns:p="http://schemas.openxmlformats.org/presentationml/2006/main">
+  <p:cSld>
+    <p:spTree>
+      <p:nvGrpSpPr>
+        <p:cNvPr id="1" name=""/>
+        <p:cNvGrpSpPr/>
+        <p:nvPr/>
+      </p:nvGrpSpPr>
+      <p:grpSpPr>
+        <a:xfrm>
+          <a:off x="0" y="0"/>
+          <a:ext cx="0" cy="0"/>
+          <a:chOff x="0" y="0"/>
+          <a:chExt cx="0" cy="0"/>
+        </a:xfrm>
+      </p:grpSpPr>
+      <p:sp>
+        <p:nvSpPr>
+          <p:cNvPr id="2" name="标题 1">
+            <a:extLst>
+              <a:ext uri="{FF2B5EF4-FFF2-40B4-BE49-F238E27FC236}">
                 <a16:creationId xmlns:a16="http://schemas.microsoft.com/office/drawing/2014/main" id="{77A86ED6-DBE9-404E-B871-0867926F4DF9}"/>
               </a:ext>
             </a:extLst>
@@ -11493,7 +13825,2982 @@
 </p:sld>
 </file>
 
-<file path=ppt/slides/slide16.xml><?xml version="1.0" encoding="utf-8"?>
+<file path=ppt/slides/slide17.xml><?xml version="1.0" encoding="utf-8"?>
+<p:sld xmlns:a="http://schemas.openxmlformats.org/drawingml/2006/main" xmlns:r="http://schemas.openxmlformats.org/officeDocument/2006/relationships" xmlns:p="http://schemas.openxmlformats.org/presentationml/2006/main">
+  <p:cSld>
+    <p:spTree>
+      <p:nvGrpSpPr>
+        <p:cNvPr id="1" name=""/>
+        <p:cNvGrpSpPr/>
+        <p:nvPr/>
+      </p:nvGrpSpPr>
+      <p:grpSpPr>
+        <a:xfrm>
+          <a:off x="0" y="0"/>
+          <a:ext cx="0" cy="0"/>
+          <a:chOff x="0" y="0"/>
+          <a:chExt cx="0" cy="0"/>
+        </a:xfrm>
+      </p:grpSpPr>
+      <p:sp>
+        <p:nvSpPr>
+          <p:cNvPr id="2" name="标题 1">
+            <a:extLst>
+              <a:ext uri="{FF2B5EF4-FFF2-40B4-BE49-F238E27FC236}">
+                <a16:creationId xmlns:a16="http://schemas.microsoft.com/office/drawing/2014/main" id="{03C37D6E-2290-4500-B65E-DC3B59F75F1F}"/>
+              </a:ext>
+            </a:extLst>
+          </p:cNvPr>
+          <p:cNvSpPr>
+            <a:spLocks noGrp="1"/>
+          </p:cNvSpPr>
+          <p:nvPr>
+            <p:ph type="title"/>
+          </p:nvPr>
+        </p:nvSpPr>
+        <p:spPr/>
+        <p:txBody>
+          <a:bodyPr/>
+          <a:lstStyle/>
+          <a:p>
+            <a:r>
+              <a:rPr lang="zh-CN" altLang="en-US" dirty="0"/>
+              <a:t>实验五</a:t>
+            </a:r>
+          </a:p>
+        </p:txBody>
+      </p:sp>
+      <p:graphicFrame>
+        <p:nvGraphicFramePr>
+          <p:cNvPr id="7" name="表格 6">
+            <a:extLst>
+              <a:ext uri="{FF2B5EF4-FFF2-40B4-BE49-F238E27FC236}">
+                <a16:creationId xmlns:a16="http://schemas.microsoft.com/office/drawing/2014/main" id="{A85E883D-F2D8-4E4B-99F9-F0F293FFE1CE}"/>
+              </a:ext>
+            </a:extLst>
+          </p:cNvPr>
+          <p:cNvGraphicFramePr>
+            <a:graphicFrameLocks noGrp="1"/>
+          </p:cNvGraphicFramePr>
+          <p:nvPr>
+            <p:extLst>
+              <p:ext uri="{D42A27DB-BD31-4B8C-83A1-F6EECF244321}">
+                <p14:modId xmlns:p14="http://schemas.microsoft.com/office/powerpoint/2010/main" val="4020655984"/>
+              </p:ext>
+            </p:extLst>
+          </p:nvPr>
+        </p:nvGraphicFramePr>
+        <p:xfrm>
+          <a:off x="2245259" y="1683946"/>
+          <a:ext cx="7170346" cy="4681496"/>
+        </p:xfrm>
+        <a:graphic>
+          <a:graphicData uri="http://schemas.openxmlformats.org/drawingml/2006/table">
+            <a:tbl>
+              <a:tblPr/>
+              <a:tblGrid>
+                <a:gridCol w="1390387">
+                  <a:extLst>
+                    <a:ext uri="{9D8B030D-6E8A-4147-A177-3AD203B41FA5}">
+                      <a16:colId xmlns:a16="http://schemas.microsoft.com/office/drawing/2014/main" val="2831962908"/>
+                    </a:ext>
+                  </a:extLst>
+                </a:gridCol>
+                <a:gridCol w="2050953">
+                  <a:extLst>
+                    <a:ext uri="{9D8B030D-6E8A-4147-A177-3AD203B41FA5}">
+                      <a16:colId xmlns:a16="http://schemas.microsoft.com/office/drawing/2014/main" val="720509973"/>
+                    </a:ext>
+                  </a:extLst>
+                </a:gridCol>
+                <a:gridCol w="1864503">
+                  <a:extLst>
+                    <a:ext uri="{9D8B030D-6E8A-4147-A177-3AD203B41FA5}">
+                      <a16:colId xmlns:a16="http://schemas.microsoft.com/office/drawing/2014/main" val="614619876"/>
+                    </a:ext>
+                  </a:extLst>
+                </a:gridCol>
+                <a:gridCol w="1864503">
+                  <a:extLst>
+                    <a:ext uri="{9D8B030D-6E8A-4147-A177-3AD203B41FA5}">
+                      <a16:colId xmlns:a16="http://schemas.microsoft.com/office/drawing/2014/main" val="3509127299"/>
+                    </a:ext>
+                  </a:extLst>
+                </a:gridCol>
+              </a:tblGrid>
+              <a:tr h="418197">
+                <a:tc>
+                  <a:txBody>
+                    <a:bodyPr/>
+                    <a:lstStyle/>
+                    <a:p>
+                      <a:pPr algn="l">
+                        <a:lnSpc>
+                          <a:spcPct val="130000"/>
+                        </a:lnSpc>
+                      </a:pPr>
+                      <a:r>
+                        <a:rPr lang="zh-CN" altLang="en-US" sz="2000" b="0" i="0" spc="0" dirty="0">
+                          <a:solidFill>
+                            <a:srgbClr val="333333"/>
+                          </a:solidFill>
+                          <a:effectLst/>
+                          <a:latin typeface="-apple-system"/>
+                        </a:rPr>
+                        <a:t>点</a:t>
+                      </a:r>
+                      <a:r>
+                        <a:rPr lang="en-US" altLang="zh-CN" sz="2000" b="0" i="0" spc="0" dirty="0">
+                          <a:solidFill>
+                            <a:srgbClr val="333333"/>
+                          </a:solidFill>
+                          <a:effectLst/>
+                          <a:latin typeface="-apple-system"/>
+                        </a:rPr>
+                        <a:t>\</a:t>
+                      </a:r>
+                      <a:r>
+                        <a:rPr lang="zh-CN" altLang="en-US" sz="2000" b="0" i="0" spc="0" dirty="0">
+                          <a:solidFill>
+                            <a:srgbClr val="333333"/>
+                          </a:solidFill>
+                          <a:effectLst/>
+                          <a:latin typeface="-apple-system"/>
+                        </a:rPr>
+                        <a:t>数据</a:t>
+                      </a:r>
+                      <a:endParaRPr lang="zh-CN" altLang="en-US" sz="2000" dirty="0">
+                        <a:effectLst/>
+                      </a:endParaRPr>
+                    </a:p>
+                  </a:txBody>
+                  <a:tcPr marL="30246" marR="30246" marT="30246" marB="22684" anchor="ctr">
+                    <a:lnL w="9525" cap="flat" cmpd="sng" algn="ctr">
+                      <a:solidFill>
+                        <a:srgbClr val="999999"/>
+                      </a:solidFill>
+                      <a:prstDash val="solid"/>
+                      <a:round/>
+                      <a:headEnd type="none" w="med" len="med"/>
+                      <a:tailEnd type="none" w="med" len="med"/>
+                    </a:lnL>
+                    <a:lnR w="9525" cap="flat" cmpd="sng" algn="ctr">
+                      <a:solidFill>
+                        <a:srgbClr val="999999"/>
+                      </a:solidFill>
+                      <a:prstDash val="solid"/>
+                      <a:round/>
+                      <a:headEnd type="none" w="med" len="med"/>
+                      <a:tailEnd type="none" w="med" len="med"/>
+                    </a:lnR>
+                    <a:lnT w="9525" cap="flat" cmpd="sng" algn="ctr">
+                      <a:solidFill>
+                        <a:srgbClr val="999999"/>
+                      </a:solidFill>
+                      <a:prstDash val="solid"/>
+                      <a:round/>
+                      <a:headEnd type="none" w="med" len="med"/>
+                      <a:tailEnd type="none" w="med" len="med"/>
+                    </a:lnT>
+                    <a:lnB w="9525" cap="flat" cmpd="sng" algn="ctr">
+                      <a:solidFill>
+                        <a:srgbClr val="999999"/>
+                      </a:solidFill>
+                      <a:prstDash val="solid"/>
+                      <a:round/>
+                      <a:headEnd type="none" w="med" len="med"/>
+                      <a:tailEnd type="none" w="med" len="med"/>
+                    </a:lnB>
+                  </a:tcPr>
+                </a:tc>
+                <a:tc>
+                  <a:txBody>
+                    <a:bodyPr/>
+                    <a:lstStyle/>
+                    <a:p>
+                      <a:pPr algn="l">
+                        <a:lnSpc>
+                          <a:spcPct val="130000"/>
+                        </a:lnSpc>
+                      </a:pPr>
+                      <a:r>
+                        <a:rPr lang="en-US" altLang="zh-CN" sz="2000" b="0" i="0" spc="0" dirty="0">
+                          <a:solidFill>
+                            <a:srgbClr val="333333"/>
+                          </a:solidFill>
+                          <a:effectLst/>
+                          <a:latin typeface="-apple-system"/>
+                        </a:rPr>
+                        <a:t>30</a:t>
+                      </a:r>
+                      <a:r>
+                        <a:rPr lang="zh-CN" altLang="en-US" sz="2000" b="0" i="0" spc="0" dirty="0">
+                          <a:solidFill>
+                            <a:srgbClr val="333333"/>
+                          </a:solidFill>
+                          <a:effectLst/>
+                          <a:latin typeface="-apple-system"/>
+                        </a:rPr>
+                        <a:t>个神经元</a:t>
+                      </a:r>
+                      <a:endParaRPr lang="zh-CN" altLang="en-US" sz="2000" dirty="0">
+                        <a:effectLst/>
+                      </a:endParaRPr>
+                    </a:p>
+                  </a:txBody>
+                  <a:tcPr marL="30246" marR="30246" marT="30246" marB="22684" anchor="ctr">
+                    <a:lnL w="9525" cap="flat" cmpd="sng" algn="ctr">
+                      <a:solidFill>
+                        <a:srgbClr val="999999"/>
+                      </a:solidFill>
+                      <a:prstDash val="solid"/>
+                      <a:round/>
+                      <a:headEnd type="none" w="med" len="med"/>
+                      <a:tailEnd type="none" w="med" len="med"/>
+                    </a:lnL>
+                    <a:lnR w="9525" cap="flat" cmpd="sng" algn="ctr">
+                      <a:solidFill>
+                        <a:srgbClr val="999999"/>
+                      </a:solidFill>
+                      <a:prstDash val="solid"/>
+                      <a:round/>
+                      <a:headEnd type="none" w="med" len="med"/>
+                      <a:tailEnd type="none" w="med" len="med"/>
+                    </a:lnR>
+                    <a:lnT w="9525" cap="flat" cmpd="sng" algn="ctr">
+                      <a:solidFill>
+                        <a:srgbClr val="999999"/>
+                      </a:solidFill>
+                      <a:prstDash val="solid"/>
+                      <a:round/>
+                      <a:headEnd type="none" w="med" len="med"/>
+                      <a:tailEnd type="none" w="med" len="med"/>
+                    </a:lnT>
+                    <a:lnB w="9525" cap="flat" cmpd="sng" algn="ctr">
+                      <a:solidFill>
+                        <a:srgbClr val="999999"/>
+                      </a:solidFill>
+                      <a:prstDash val="solid"/>
+                      <a:round/>
+                      <a:headEnd type="none" w="med" len="med"/>
+                      <a:tailEnd type="none" w="med" len="med"/>
+                    </a:lnB>
+                  </a:tcPr>
+                </a:tc>
+                <a:tc>
+                  <a:txBody>
+                    <a:bodyPr/>
+                    <a:lstStyle/>
+                    <a:p>
+                      <a:pPr algn="l">
+                        <a:lnSpc>
+                          <a:spcPct val="130000"/>
+                        </a:lnSpc>
+                      </a:pPr>
+                      <a:r>
+                        <a:rPr lang="en-US" altLang="zh-CN" sz="2000" b="0" i="0" spc="0" dirty="0">
+                          <a:solidFill>
+                            <a:srgbClr val="333333"/>
+                          </a:solidFill>
+                          <a:effectLst/>
+                          <a:latin typeface="-apple-system"/>
+                        </a:rPr>
+                        <a:t>60</a:t>
+                      </a:r>
+                      <a:r>
+                        <a:rPr lang="zh-CN" altLang="en-US" sz="2000" b="0" i="0" spc="0" dirty="0">
+                          <a:solidFill>
+                            <a:srgbClr val="333333"/>
+                          </a:solidFill>
+                          <a:effectLst/>
+                          <a:latin typeface="-apple-system"/>
+                        </a:rPr>
+                        <a:t>个神经元</a:t>
+                      </a:r>
+                      <a:endParaRPr lang="zh-CN" altLang="en-US" sz="2000" dirty="0">
+                        <a:effectLst/>
+                      </a:endParaRPr>
+                    </a:p>
+                  </a:txBody>
+                  <a:tcPr marL="30246" marR="30246" marT="30246" marB="22684" anchor="ctr">
+                    <a:lnL w="9525" cap="flat" cmpd="sng" algn="ctr">
+                      <a:solidFill>
+                        <a:srgbClr val="999999"/>
+                      </a:solidFill>
+                      <a:prstDash val="solid"/>
+                      <a:round/>
+                      <a:headEnd type="none" w="med" len="med"/>
+                      <a:tailEnd type="none" w="med" len="med"/>
+                    </a:lnL>
+                    <a:lnR w="9525" cap="flat" cmpd="sng" algn="ctr">
+                      <a:solidFill>
+                        <a:srgbClr val="999999"/>
+                      </a:solidFill>
+                      <a:prstDash val="solid"/>
+                      <a:round/>
+                      <a:headEnd type="none" w="med" len="med"/>
+                      <a:tailEnd type="none" w="med" len="med"/>
+                    </a:lnR>
+                    <a:lnT w="9525" cap="flat" cmpd="sng" algn="ctr">
+                      <a:solidFill>
+                        <a:srgbClr val="999999"/>
+                      </a:solidFill>
+                      <a:prstDash val="solid"/>
+                      <a:round/>
+                      <a:headEnd type="none" w="med" len="med"/>
+                      <a:tailEnd type="none" w="med" len="med"/>
+                    </a:lnT>
+                    <a:lnB w="9525" cap="flat" cmpd="sng" algn="ctr">
+                      <a:solidFill>
+                        <a:srgbClr val="999999"/>
+                      </a:solidFill>
+                      <a:prstDash val="solid"/>
+                      <a:round/>
+                      <a:headEnd type="none" w="med" len="med"/>
+                      <a:tailEnd type="none" w="med" len="med"/>
+                    </a:lnB>
+                  </a:tcPr>
+                </a:tc>
+                <a:tc>
+                  <a:txBody>
+                    <a:bodyPr/>
+                    <a:lstStyle/>
+                    <a:p>
+                      <a:pPr marL="0" marR="0" lvl="0" indent="0" algn="l" defTabSz="914400" rtl="0" eaLnBrk="1" fontAlgn="auto" latinLnBrk="0" hangingPunct="1">
+                        <a:lnSpc>
+                          <a:spcPct val="130000"/>
+                        </a:lnSpc>
+                        <a:spcBef>
+                          <a:spcPts val="0"/>
+                        </a:spcBef>
+                        <a:spcAft>
+                          <a:spcPts val="0"/>
+                        </a:spcAft>
+                        <a:buClrTx/>
+                        <a:buSzTx/>
+                        <a:buFontTx/>
+                        <a:buNone/>
+                        <a:tabLst/>
+                        <a:defRPr/>
+                      </a:pPr>
+                      <a:r>
+                        <a:rPr lang="en-US" altLang="zh-CN" sz="2000" b="0" i="0" spc="0" dirty="0">
+                          <a:solidFill>
+                            <a:srgbClr val="333333"/>
+                          </a:solidFill>
+                          <a:effectLst/>
+                          <a:latin typeface="-apple-system"/>
+                        </a:rPr>
+                        <a:t>90</a:t>
+                      </a:r>
+                      <a:r>
+                        <a:rPr lang="zh-CN" altLang="en-US" sz="2000" b="0" i="0" spc="0" dirty="0">
+                          <a:solidFill>
+                            <a:srgbClr val="333333"/>
+                          </a:solidFill>
+                          <a:effectLst/>
+                          <a:latin typeface="-apple-system"/>
+                        </a:rPr>
+                        <a:t>个神经元</a:t>
+                      </a:r>
+                      <a:endParaRPr lang="zh-CN" altLang="en-US" sz="2000" dirty="0">
+                        <a:effectLst/>
+                      </a:endParaRPr>
+                    </a:p>
+                  </a:txBody>
+                  <a:tcPr marL="30246" marR="30246" marT="30246" marB="22684" anchor="ctr">
+                    <a:lnL w="9525" cap="flat" cmpd="sng" algn="ctr">
+                      <a:solidFill>
+                        <a:srgbClr val="999999"/>
+                      </a:solidFill>
+                      <a:prstDash val="solid"/>
+                      <a:round/>
+                      <a:headEnd type="none" w="med" len="med"/>
+                      <a:tailEnd type="none" w="med" len="med"/>
+                    </a:lnL>
+                    <a:lnR w="9525" cap="flat" cmpd="sng" algn="ctr">
+                      <a:solidFill>
+                        <a:srgbClr val="999999"/>
+                      </a:solidFill>
+                      <a:prstDash val="solid"/>
+                      <a:round/>
+                      <a:headEnd type="none" w="med" len="med"/>
+                      <a:tailEnd type="none" w="med" len="med"/>
+                    </a:lnR>
+                    <a:lnT w="9525" cap="flat" cmpd="sng" algn="ctr">
+                      <a:solidFill>
+                        <a:srgbClr val="999999"/>
+                      </a:solidFill>
+                      <a:prstDash val="solid"/>
+                      <a:round/>
+                      <a:headEnd type="none" w="med" len="med"/>
+                      <a:tailEnd type="none" w="med" len="med"/>
+                    </a:lnT>
+                    <a:lnB w="9525" cap="flat" cmpd="sng" algn="ctr">
+                      <a:solidFill>
+                        <a:srgbClr val="999999"/>
+                      </a:solidFill>
+                      <a:prstDash val="solid"/>
+                      <a:round/>
+                      <a:headEnd type="none" w="med" len="med"/>
+                      <a:tailEnd type="none" w="med" len="med"/>
+                    </a:lnB>
+                  </a:tcPr>
+                </a:tc>
+                <a:extLst>
+                  <a:ext uri="{0D108BD9-81ED-4DB2-BD59-A6C34878D82A}">
+                    <a16:rowId xmlns:a16="http://schemas.microsoft.com/office/drawing/2014/main" val="2143712530"/>
+                  </a:ext>
+                </a:extLst>
+              </a:tr>
+              <a:tr h="499526">
+                <a:tc>
+                  <a:txBody>
+                    <a:bodyPr/>
+                    <a:lstStyle/>
+                    <a:p>
+                      <a:pPr algn="l">
+                        <a:lnSpc>
+                          <a:spcPct val="130000"/>
+                        </a:lnSpc>
+                      </a:pPr>
+                      <a:r>
+                        <a:rPr lang="en-US" sz="2000" b="0" i="0" spc="0" dirty="0">
+                          <a:solidFill>
+                            <a:srgbClr val="333333"/>
+                          </a:solidFill>
+                          <a:effectLst/>
+                          <a:latin typeface="-apple-system"/>
+                        </a:rPr>
+                        <a:t>S1</a:t>
+                      </a:r>
+                      <a:endParaRPr lang="en-US" sz="2000" dirty="0">
+                        <a:effectLst/>
+                      </a:endParaRPr>
+                    </a:p>
+                  </a:txBody>
+                  <a:tcPr marL="30246" marR="30246" marT="30246" marB="22684" anchor="ctr">
+                    <a:lnL w="9525" cap="flat" cmpd="sng" algn="ctr">
+                      <a:solidFill>
+                        <a:srgbClr val="999999"/>
+                      </a:solidFill>
+                      <a:prstDash val="solid"/>
+                      <a:round/>
+                      <a:headEnd type="none" w="med" len="med"/>
+                      <a:tailEnd type="none" w="med" len="med"/>
+                    </a:lnL>
+                    <a:lnR w="9525" cap="flat" cmpd="sng" algn="ctr">
+                      <a:solidFill>
+                        <a:srgbClr val="999999"/>
+                      </a:solidFill>
+                      <a:prstDash val="solid"/>
+                      <a:round/>
+                      <a:headEnd type="none" w="med" len="med"/>
+                      <a:tailEnd type="none" w="med" len="med"/>
+                    </a:lnR>
+                    <a:lnT w="9525" cap="flat" cmpd="sng" algn="ctr">
+                      <a:solidFill>
+                        <a:srgbClr val="999999"/>
+                      </a:solidFill>
+                      <a:prstDash val="solid"/>
+                      <a:round/>
+                      <a:headEnd type="none" w="med" len="med"/>
+                      <a:tailEnd type="none" w="med" len="med"/>
+                    </a:lnT>
+                    <a:lnB w="9525" cap="flat" cmpd="sng" algn="ctr">
+                      <a:solidFill>
+                        <a:srgbClr val="999999"/>
+                      </a:solidFill>
+                      <a:prstDash val="solid"/>
+                      <a:round/>
+                      <a:headEnd type="none" w="med" len="med"/>
+                      <a:tailEnd type="none" w="med" len="med"/>
+                    </a:lnB>
+                  </a:tcPr>
+                </a:tc>
+                <a:tc>
+                  <a:txBody>
+                    <a:bodyPr/>
+                    <a:lstStyle/>
+                    <a:p>
+                      <a:pPr algn="r">
+                        <a:lnSpc>
+                          <a:spcPct val="100000"/>
+                        </a:lnSpc>
+                      </a:pPr>
+                      <a:r>
+                        <a:rPr lang="en-US" altLang="zh-CN" sz="2000" b="0" i="0" spc="0" dirty="0">
+                          <a:solidFill>
+                            <a:srgbClr val="000000"/>
+                          </a:solidFill>
+                          <a:effectLst/>
+                          <a:latin typeface="-apple-system"/>
+                        </a:rPr>
+                        <a:t>-0.12698162</a:t>
+                      </a:r>
+                      <a:endParaRPr lang="zh-CN" altLang="en-US" sz="2000" dirty="0">
+                        <a:effectLst/>
+                      </a:endParaRPr>
+                    </a:p>
+                  </a:txBody>
+                  <a:tcPr marL="30246" marR="30246" marT="30246" marB="22684" anchor="ctr">
+                    <a:lnL w="9525" cap="flat" cmpd="sng" algn="ctr">
+                      <a:solidFill>
+                        <a:srgbClr val="999999"/>
+                      </a:solidFill>
+                      <a:prstDash val="solid"/>
+                      <a:round/>
+                      <a:headEnd type="none" w="med" len="med"/>
+                      <a:tailEnd type="none" w="med" len="med"/>
+                    </a:lnL>
+                    <a:lnR w="9525" cap="flat" cmpd="sng" algn="ctr">
+                      <a:solidFill>
+                        <a:srgbClr val="999999"/>
+                      </a:solidFill>
+                      <a:prstDash val="solid"/>
+                      <a:round/>
+                      <a:headEnd type="none" w="med" len="med"/>
+                      <a:tailEnd type="none" w="med" len="med"/>
+                    </a:lnR>
+                    <a:lnT w="9525" cap="flat" cmpd="sng" algn="ctr">
+                      <a:solidFill>
+                        <a:srgbClr val="999999"/>
+                      </a:solidFill>
+                      <a:prstDash val="solid"/>
+                      <a:round/>
+                      <a:headEnd type="none" w="med" len="med"/>
+                      <a:tailEnd type="none" w="med" len="med"/>
+                    </a:lnT>
+                    <a:lnB w="9525" cap="flat" cmpd="sng" algn="ctr">
+                      <a:solidFill>
+                        <a:srgbClr val="999999"/>
+                      </a:solidFill>
+                      <a:prstDash val="solid"/>
+                      <a:round/>
+                      <a:headEnd type="none" w="med" len="med"/>
+                      <a:tailEnd type="none" w="med" len="med"/>
+                    </a:lnB>
+                  </a:tcPr>
+                </a:tc>
+                <a:tc>
+                  <a:txBody>
+                    <a:bodyPr/>
+                    <a:lstStyle/>
+                    <a:p>
+                      <a:pPr algn="r">
+                        <a:lnSpc>
+                          <a:spcPct val="100000"/>
+                        </a:lnSpc>
+                      </a:pPr>
+                      <a:r>
+                        <a:rPr lang="en-US" altLang="zh-CN" sz="2000" b="0" i="0" spc="0" dirty="0">
+                          <a:solidFill>
+                            <a:srgbClr val="000000"/>
+                          </a:solidFill>
+                          <a:effectLst/>
+                          <a:latin typeface="-apple-system"/>
+                        </a:rPr>
+                        <a:t>0.291851</a:t>
+                      </a:r>
+                      <a:endParaRPr lang="zh-CN" altLang="en-US" sz="2000" dirty="0">
+                        <a:effectLst/>
+                      </a:endParaRPr>
+                    </a:p>
+                  </a:txBody>
+                  <a:tcPr marL="30246" marR="30246" marT="30246" marB="22684" anchor="ctr">
+                    <a:lnL w="9525" cap="flat" cmpd="sng" algn="ctr">
+                      <a:solidFill>
+                        <a:srgbClr val="999999"/>
+                      </a:solidFill>
+                      <a:prstDash val="solid"/>
+                      <a:round/>
+                      <a:headEnd type="none" w="med" len="med"/>
+                      <a:tailEnd type="none" w="med" len="med"/>
+                    </a:lnL>
+                    <a:lnR w="9525" cap="flat" cmpd="sng" algn="ctr">
+                      <a:solidFill>
+                        <a:srgbClr val="999999"/>
+                      </a:solidFill>
+                      <a:prstDash val="solid"/>
+                      <a:round/>
+                      <a:headEnd type="none" w="med" len="med"/>
+                      <a:tailEnd type="none" w="med" len="med"/>
+                    </a:lnR>
+                    <a:lnT w="9525" cap="flat" cmpd="sng" algn="ctr">
+                      <a:solidFill>
+                        <a:srgbClr val="999999"/>
+                      </a:solidFill>
+                      <a:prstDash val="solid"/>
+                      <a:round/>
+                      <a:headEnd type="none" w="med" len="med"/>
+                      <a:tailEnd type="none" w="med" len="med"/>
+                    </a:lnT>
+                    <a:lnB w="9525" cap="flat" cmpd="sng" algn="ctr">
+                      <a:solidFill>
+                        <a:srgbClr val="999999"/>
+                      </a:solidFill>
+                      <a:prstDash val="solid"/>
+                      <a:round/>
+                      <a:headEnd type="none" w="med" len="med"/>
+                      <a:tailEnd type="none" w="med" len="med"/>
+                    </a:lnB>
+                  </a:tcPr>
+                </a:tc>
+                <a:tc>
+                  <a:txBody>
+                    <a:bodyPr/>
+                    <a:lstStyle/>
+                    <a:p>
+                      <a:pPr algn="r">
+                        <a:lnSpc>
+                          <a:spcPct val="100000"/>
+                        </a:lnSpc>
+                      </a:pPr>
+                      <a:endParaRPr lang="zh-CN" altLang="en-US" sz="2000" dirty="0">
+                        <a:effectLst/>
+                      </a:endParaRPr>
+                    </a:p>
+                  </a:txBody>
+                  <a:tcPr marL="30246" marR="30246" marT="30246" marB="22684" anchor="ctr">
+                    <a:lnL w="9525" cap="flat" cmpd="sng" algn="ctr">
+                      <a:solidFill>
+                        <a:srgbClr val="999999"/>
+                      </a:solidFill>
+                      <a:prstDash val="solid"/>
+                      <a:round/>
+                      <a:headEnd type="none" w="med" len="med"/>
+                      <a:tailEnd type="none" w="med" len="med"/>
+                    </a:lnL>
+                    <a:lnR w="9525" cap="flat" cmpd="sng" algn="ctr">
+                      <a:solidFill>
+                        <a:srgbClr val="999999"/>
+                      </a:solidFill>
+                      <a:prstDash val="solid"/>
+                      <a:round/>
+                      <a:headEnd type="none" w="med" len="med"/>
+                      <a:tailEnd type="none" w="med" len="med"/>
+                    </a:lnR>
+                    <a:lnT w="9525" cap="flat" cmpd="sng" algn="ctr">
+                      <a:solidFill>
+                        <a:srgbClr val="999999"/>
+                      </a:solidFill>
+                      <a:prstDash val="solid"/>
+                      <a:round/>
+                      <a:headEnd type="none" w="med" len="med"/>
+                      <a:tailEnd type="none" w="med" len="med"/>
+                    </a:lnT>
+                    <a:lnB w="9525" cap="flat" cmpd="sng" algn="ctr">
+                      <a:solidFill>
+                        <a:srgbClr val="999999"/>
+                      </a:solidFill>
+                      <a:prstDash val="solid"/>
+                      <a:round/>
+                      <a:headEnd type="none" w="med" len="med"/>
+                      <a:tailEnd type="none" w="med" len="med"/>
+                    </a:lnB>
+                  </a:tcPr>
+                </a:tc>
+                <a:extLst>
+                  <a:ext uri="{0D108BD9-81ED-4DB2-BD59-A6C34878D82A}">
+                    <a16:rowId xmlns:a16="http://schemas.microsoft.com/office/drawing/2014/main" val="3031750296"/>
+                  </a:ext>
+                </a:extLst>
+              </a:tr>
+              <a:tr h="418197">
+                <a:tc>
+                  <a:txBody>
+                    <a:bodyPr/>
+                    <a:lstStyle/>
+                    <a:p>
+                      <a:pPr algn="l">
+                        <a:lnSpc>
+                          <a:spcPct val="130000"/>
+                        </a:lnSpc>
+                      </a:pPr>
+                      <a:r>
+                        <a:rPr lang="en-US" sz="2000" b="0" i="0" spc="0" dirty="0">
+                          <a:solidFill>
+                            <a:srgbClr val="333333"/>
+                          </a:solidFill>
+                          <a:effectLst/>
+                          <a:latin typeface="-apple-system"/>
+                        </a:rPr>
+                        <a:t>S2</a:t>
+                      </a:r>
+                      <a:endParaRPr lang="en-US" sz="2000" dirty="0">
+                        <a:effectLst/>
+                      </a:endParaRPr>
+                    </a:p>
+                  </a:txBody>
+                  <a:tcPr marL="30246" marR="30246" marT="30246" marB="22684" anchor="ctr">
+                    <a:lnL w="9525" cap="flat" cmpd="sng" algn="ctr">
+                      <a:solidFill>
+                        <a:srgbClr val="999999"/>
+                      </a:solidFill>
+                      <a:prstDash val="solid"/>
+                      <a:round/>
+                      <a:headEnd type="none" w="med" len="med"/>
+                      <a:tailEnd type="none" w="med" len="med"/>
+                    </a:lnL>
+                    <a:lnR w="9525" cap="flat" cmpd="sng" algn="ctr">
+                      <a:solidFill>
+                        <a:srgbClr val="999999"/>
+                      </a:solidFill>
+                      <a:prstDash val="solid"/>
+                      <a:round/>
+                      <a:headEnd type="none" w="med" len="med"/>
+                      <a:tailEnd type="none" w="med" len="med"/>
+                    </a:lnR>
+                    <a:lnT w="9525" cap="flat" cmpd="sng" algn="ctr">
+                      <a:solidFill>
+                        <a:srgbClr val="999999"/>
+                      </a:solidFill>
+                      <a:prstDash val="solid"/>
+                      <a:round/>
+                      <a:headEnd type="none" w="med" len="med"/>
+                      <a:tailEnd type="none" w="med" len="med"/>
+                    </a:lnT>
+                    <a:lnB w="9525" cap="flat" cmpd="sng" algn="ctr">
+                      <a:solidFill>
+                        <a:srgbClr val="999999"/>
+                      </a:solidFill>
+                      <a:prstDash val="solid"/>
+                      <a:round/>
+                      <a:headEnd type="none" w="med" len="med"/>
+                      <a:tailEnd type="none" w="med" len="med"/>
+                    </a:lnB>
+                  </a:tcPr>
+                </a:tc>
+                <a:tc>
+                  <a:txBody>
+                    <a:bodyPr/>
+                    <a:lstStyle/>
+                    <a:p>
+                      <a:pPr algn="r">
+                        <a:lnSpc>
+                          <a:spcPct val="100000"/>
+                        </a:lnSpc>
+                      </a:pPr>
+                      <a:r>
+                        <a:rPr lang="en-US" altLang="zh-CN" sz="2000" b="0" i="0" spc="0" dirty="0">
+                          <a:solidFill>
+                            <a:srgbClr val="000000"/>
+                          </a:solidFill>
+                          <a:effectLst/>
+                          <a:latin typeface="-apple-system"/>
+                        </a:rPr>
+                        <a:t>0.363939418</a:t>
+                      </a:r>
+                      <a:endParaRPr lang="zh-CN" altLang="en-US" sz="2000" dirty="0">
+                        <a:effectLst/>
+                      </a:endParaRPr>
+                    </a:p>
+                  </a:txBody>
+                  <a:tcPr marL="30246" marR="30246" marT="30246" marB="22684" anchor="ctr">
+                    <a:lnL w="9525" cap="flat" cmpd="sng" algn="ctr">
+                      <a:solidFill>
+                        <a:srgbClr val="999999"/>
+                      </a:solidFill>
+                      <a:prstDash val="solid"/>
+                      <a:round/>
+                      <a:headEnd type="none" w="med" len="med"/>
+                      <a:tailEnd type="none" w="med" len="med"/>
+                    </a:lnL>
+                    <a:lnR w="9525" cap="flat" cmpd="sng" algn="ctr">
+                      <a:solidFill>
+                        <a:srgbClr val="999999"/>
+                      </a:solidFill>
+                      <a:prstDash val="solid"/>
+                      <a:round/>
+                      <a:headEnd type="none" w="med" len="med"/>
+                      <a:tailEnd type="none" w="med" len="med"/>
+                    </a:lnR>
+                    <a:lnT w="9525" cap="flat" cmpd="sng" algn="ctr">
+                      <a:solidFill>
+                        <a:srgbClr val="999999"/>
+                      </a:solidFill>
+                      <a:prstDash val="solid"/>
+                      <a:round/>
+                      <a:headEnd type="none" w="med" len="med"/>
+                      <a:tailEnd type="none" w="med" len="med"/>
+                    </a:lnT>
+                    <a:lnB w="9525" cap="flat" cmpd="sng" algn="ctr">
+                      <a:solidFill>
+                        <a:srgbClr val="999999"/>
+                      </a:solidFill>
+                      <a:prstDash val="solid"/>
+                      <a:round/>
+                      <a:headEnd type="none" w="med" len="med"/>
+                      <a:tailEnd type="none" w="med" len="med"/>
+                    </a:lnB>
+                  </a:tcPr>
+                </a:tc>
+                <a:tc>
+                  <a:txBody>
+                    <a:bodyPr/>
+                    <a:lstStyle/>
+                    <a:p>
+                      <a:pPr algn="r">
+                        <a:lnSpc>
+                          <a:spcPct val="100000"/>
+                        </a:lnSpc>
+                      </a:pPr>
+                      <a:r>
+                        <a:rPr lang="en-US" altLang="zh-CN" sz="2000" b="0" i="0" spc="0" dirty="0">
+                          <a:solidFill>
+                            <a:srgbClr val="FF0000"/>
+                          </a:solidFill>
+                          <a:effectLst/>
+                          <a:latin typeface="-apple-system"/>
+                        </a:rPr>
+                        <a:t>0.526753</a:t>
+                      </a:r>
+                      <a:endParaRPr lang="zh-CN" altLang="en-US" sz="2000" dirty="0">
+                        <a:effectLst/>
+                      </a:endParaRPr>
+                    </a:p>
+                  </a:txBody>
+                  <a:tcPr marL="30246" marR="30246" marT="30246" marB="22684" anchor="ctr">
+                    <a:lnL w="9525" cap="flat" cmpd="sng" algn="ctr">
+                      <a:solidFill>
+                        <a:srgbClr val="999999"/>
+                      </a:solidFill>
+                      <a:prstDash val="solid"/>
+                      <a:round/>
+                      <a:headEnd type="none" w="med" len="med"/>
+                      <a:tailEnd type="none" w="med" len="med"/>
+                    </a:lnL>
+                    <a:lnR w="9525" cap="flat" cmpd="sng" algn="ctr">
+                      <a:solidFill>
+                        <a:srgbClr val="999999"/>
+                      </a:solidFill>
+                      <a:prstDash val="solid"/>
+                      <a:round/>
+                      <a:headEnd type="none" w="med" len="med"/>
+                      <a:tailEnd type="none" w="med" len="med"/>
+                    </a:lnR>
+                    <a:lnT w="9525" cap="flat" cmpd="sng" algn="ctr">
+                      <a:solidFill>
+                        <a:srgbClr val="999999"/>
+                      </a:solidFill>
+                      <a:prstDash val="solid"/>
+                      <a:round/>
+                      <a:headEnd type="none" w="med" len="med"/>
+                      <a:tailEnd type="none" w="med" len="med"/>
+                    </a:lnT>
+                    <a:lnB w="9525" cap="flat" cmpd="sng" algn="ctr">
+                      <a:solidFill>
+                        <a:srgbClr val="999999"/>
+                      </a:solidFill>
+                      <a:prstDash val="solid"/>
+                      <a:round/>
+                      <a:headEnd type="none" w="med" len="med"/>
+                      <a:tailEnd type="none" w="med" len="med"/>
+                    </a:lnB>
+                  </a:tcPr>
+                </a:tc>
+                <a:tc>
+                  <a:txBody>
+                    <a:bodyPr/>
+                    <a:lstStyle/>
+                    <a:p>
+                      <a:pPr algn="r">
+                        <a:lnSpc>
+                          <a:spcPct val="100000"/>
+                        </a:lnSpc>
+                      </a:pPr>
+                      <a:endParaRPr lang="zh-CN" altLang="en-US" sz="2000" dirty="0">
+                        <a:effectLst/>
+                      </a:endParaRPr>
+                    </a:p>
+                  </a:txBody>
+                  <a:tcPr marL="30246" marR="30246" marT="30246" marB="22684" anchor="ctr">
+                    <a:lnL w="9525" cap="flat" cmpd="sng" algn="ctr">
+                      <a:solidFill>
+                        <a:srgbClr val="999999"/>
+                      </a:solidFill>
+                      <a:prstDash val="solid"/>
+                      <a:round/>
+                      <a:headEnd type="none" w="med" len="med"/>
+                      <a:tailEnd type="none" w="med" len="med"/>
+                    </a:lnL>
+                    <a:lnR w="9525" cap="flat" cmpd="sng" algn="ctr">
+                      <a:solidFill>
+                        <a:srgbClr val="999999"/>
+                      </a:solidFill>
+                      <a:prstDash val="solid"/>
+                      <a:round/>
+                      <a:headEnd type="none" w="med" len="med"/>
+                      <a:tailEnd type="none" w="med" len="med"/>
+                    </a:lnR>
+                    <a:lnT w="9525" cap="flat" cmpd="sng" algn="ctr">
+                      <a:solidFill>
+                        <a:srgbClr val="999999"/>
+                      </a:solidFill>
+                      <a:prstDash val="solid"/>
+                      <a:round/>
+                      <a:headEnd type="none" w="med" len="med"/>
+                      <a:tailEnd type="none" w="med" len="med"/>
+                    </a:lnT>
+                    <a:lnB w="9525" cap="flat" cmpd="sng" algn="ctr">
+                      <a:solidFill>
+                        <a:srgbClr val="999999"/>
+                      </a:solidFill>
+                      <a:prstDash val="solid"/>
+                      <a:round/>
+                      <a:headEnd type="none" w="med" len="med"/>
+                      <a:tailEnd type="none" w="med" len="med"/>
+                    </a:lnB>
+                  </a:tcPr>
+                </a:tc>
+                <a:extLst>
+                  <a:ext uri="{0D108BD9-81ED-4DB2-BD59-A6C34878D82A}">
+                    <a16:rowId xmlns:a16="http://schemas.microsoft.com/office/drawing/2014/main" val="1348347559"/>
+                  </a:ext>
+                </a:extLst>
+              </a:tr>
+              <a:tr h="418197">
+                <a:tc>
+                  <a:txBody>
+                    <a:bodyPr/>
+                    <a:lstStyle/>
+                    <a:p>
+                      <a:pPr algn="l">
+                        <a:lnSpc>
+                          <a:spcPct val="130000"/>
+                        </a:lnSpc>
+                      </a:pPr>
+                      <a:r>
+                        <a:rPr lang="en-US" sz="2000" b="0" i="0" spc="0" dirty="0">
+                          <a:solidFill>
+                            <a:srgbClr val="333333"/>
+                          </a:solidFill>
+                          <a:effectLst/>
+                          <a:latin typeface="-apple-system"/>
+                        </a:rPr>
+                        <a:t>S3</a:t>
+                      </a:r>
+                      <a:endParaRPr lang="en-US" sz="2000" dirty="0">
+                        <a:effectLst/>
+                      </a:endParaRPr>
+                    </a:p>
+                  </a:txBody>
+                  <a:tcPr marL="30246" marR="30246" marT="30246" marB="22684" anchor="ctr">
+                    <a:lnL w="9525" cap="flat" cmpd="sng" algn="ctr">
+                      <a:solidFill>
+                        <a:srgbClr val="999999"/>
+                      </a:solidFill>
+                      <a:prstDash val="solid"/>
+                      <a:round/>
+                      <a:headEnd type="none" w="med" len="med"/>
+                      <a:tailEnd type="none" w="med" len="med"/>
+                    </a:lnL>
+                    <a:lnR w="9525" cap="flat" cmpd="sng" algn="ctr">
+                      <a:solidFill>
+                        <a:srgbClr val="999999"/>
+                      </a:solidFill>
+                      <a:prstDash val="solid"/>
+                      <a:round/>
+                      <a:headEnd type="none" w="med" len="med"/>
+                      <a:tailEnd type="none" w="med" len="med"/>
+                    </a:lnR>
+                    <a:lnT w="9525" cap="flat" cmpd="sng" algn="ctr">
+                      <a:solidFill>
+                        <a:srgbClr val="999999"/>
+                      </a:solidFill>
+                      <a:prstDash val="solid"/>
+                      <a:round/>
+                      <a:headEnd type="none" w="med" len="med"/>
+                      <a:tailEnd type="none" w="med" len="med"/>
+                    </a:lnT>
+                    <a:lnB w="9525" cap="flat" cmpd="sng" algn="ctr">
+                      <a:solidFill>
+                        <a:srgbClr val="999999"/>
+                      </a:solidFill>
+                      <a:prstDash val="solid"/>
+                      <a:round/>
+                      <a:headEnd type="none" w="med" len="med"/>
+                      <a:tailEnd type="none" w="med" len="med"/>
+                    </a:lnB>
+                  </a:tcPr>
+                </a:tc>
+                <a:tc>
+                  <a:txBody>
+                    <a:bodyPr/>
+                    <a:lstStyle/>
+                    <a:p>
+                      <a:pPr algn="r">
+                        <a:lnSpc>
+                          <a:spcPct val="100000"/>
+                        </a:lnSpc>
+                      </a:pPr>
+                      <a:r>
+                        <a:rPr lang="en-US" altLang="zh-CN" sz="2000" b="0" i="0" spc="0" dirty="0">
+                          <a:solidFill>
+                            <a:srgbClr val="FF0000"/>
+                          </a:solidFill>
+                          <a:effectLst/>
+                          <a:latin typeface="-apple-system"/>
+                        </a:rPr>
+                        <a:t>0.513305358</a:t>
+                      </a:r>
+                      <a:endParaRPr lang="zh-CN" altLang="en-US" sz="2000" dirty="0">
+                        <a:effectLst/>
+                      </a:endParaRPr>
+                    </a:p>
+                  </a:txBody>
+                  <a:tcPr marL="30246" marR="30246" marT="30246" marB="22684" anchor="ctr">
+                    <a:lnL w="9525" cap="flat" cmpd="sng" algn="ctr">
+                      <a:solidFill>
+                        <a:srgbClr val="999999"/>
+                      </a:solidFill>
+                      <a:prstDash val="solid"/>
+                      <a:round/>
+                      <a:headEnd type="none" w="med" len="med"/>
+                      <a:tailEnd type="none" w="med" len="med"/>
+                    </a:lnL>
+                    <a:lnR w="9525" cap="flat" cmpd="sng" algn="ctr">
+                      <a:solidFill>
+                        <a:srgbClr val="999999"/>
+                      </a:solidFill>
+                      <a:prstDash val="solid"/>
+                      <a:round/>
+                      <a:headEnd type="none" w="med" len="med"/>
+                      <a:tailEnd type="none" w="med" len="med"/>
+                    </a:lnR>
+                    <a:lnT w="9525" cap="flat" cmpd="sng" algn="ctr">
+                      <a:solidFill>
+                        <a:srgbClr val="999999"/>
+                      </a:solidFill>
+                      <a:prstDash val="solid"/>
+                      <a:round/>
+                      <a:headEnd type="none" w="med" len="med"/>
+                      <a:tailEnd type="none" w="med" len="med"/>
+                    </a:lnT>
+                    <a:lnB w="9525" cap="flat" cmpd="sng" algn="ctr">
+                      <a:solidFill>
+                        <a:srgbClr val="999999"/>
+                      </a:solidFill>
+                      <a:prstDash val="solid"/>
+                      <a:round/>
+                      <a:headEnd type="none" w="med" len="med"/>
+                      <a:tailEnd type="none" w="med" len="med"/>
+                    </a:lnB>
+                  </a:tcPr>
+                </a:tc>
+                <a:tc>
+                  <a:txBody>
+                    <a:bodyPr/>
+                    <a:lstStyle/>
+                    <a:p>
+                      <a:pPr algn="r">
+                        <a:lnSpc>
+                          <a:spcPct val="100000"/>
+                        </a:lnSpc>
+                      </a:pPr>
+                      <a:r>
+                        <a:rPr lang="en-US" altLang="zh-CN" sz="2000" b="0" i="0" spc="0" dirty="0">
+                          <a:solidFill>
+                            <a:srgbClr val="000000"/>
+                          </a:solidFill>
+                          <a:effectLst/>
+                          <a:latin typeface="-apple-system"/>
+                        </a:rPr>
+                        <a:t>-0.05184</a:t>
+                      </a:r>
+                      <a:endParaRPr lang="zh-CN" altLang="en-US" sz="2000" dirty="0">
+                        <a:effectLst/>
+                      </a:endParaRPr>
+                    </a:p>
+                  </a:txBody>
+                  <a:tcPr marL="30246" marR="30246" marT="30246" marB="22684" anchor="ctr">
+                    <a:lnL w="9525" cap="flat" cmpd="sng" algn="ctr">
+                      <a:solidFill>
+                        <a:srgbClr val="999999"/>
+                      </a:solidFill>
+                      <a:prstDash val="solid"/>
+                      <a:round/>
+                      <a:headEnd type="none" w="med" len="med"/>
+                      <a:tailEnd type="none" w="med" len="med"/>
+                    </a:lnL>
+                    <a:lnR w="9525" cap="flat" cmpd="sng" algn="ctr">
+                      <a:solidFill>
+                        <a:srgbClr val="999999"/>
+                      </a:solidFill>
+                      <a:prstDash val="solid"/>
+                      <a:round/>
+                      <a:headEnd type="none" w="med" len="med"/>
+                      <a:tailEnd type="none" w="med" len="med"/>
+                    </a:lnR>
+                    <a:lnT w="9525" cap="flat" cmpd="sng" algn="ctr">
+                      <a:solidFill>
+                        <a:srgbClr val="999999"/>
+                      </a:solidFill>
+                      <a:prstDash val="solid"/>
+                      <a:round/>
+                      <a:headEnd type="none" w="med" len="med"/>
+                      <a:tailEnd type="none" w="med" len="med"/>
+                    </a:lnT>
+                    <a:lnB w="9525" cap="flat" cmpd="sng" algn="ctr">
+                      <a:solidFill>
+                        <a:srgbClr val="999999"/>
+                      </a:solidFill>
+                      <a:prstDash val="solid"/>
+                      <a:round/>
+                      <a:headEnd type="none" w="med" len="med"/>
+                      <a:tailEnd type="none" w="med" len="med"/>
+                    </a:lnB>
+                  </a:tcPr>
+                </a:tc>
+                <a:tc>
+                  <a:txBody>
+                    <a:bodyPr/>
+                    <a:lstStyle/>
+                    <a:p>
+                      <a:pPr algn="r">
+                        <a:lnSpc>
+                          <a:spcPct val="100000"/>
+                        </a:lnSpc>
+                      </a:pPr>
+                      <a:endParaRPr lang="zh-CN" altLang="en-US" sz="2000" dirty="0">
+                        <a:effectLst/>
+                      </a:endParaRPr>
+                    </a:p>
+                  </a:txBody>
+                  <a:tcPr marL="30246" marR="30246" marT="30246" marB="22684" anchor="ctr">
+                    <a:lnL w="9525" cap="flat" cmpd="sng" algn="ctr">
+                      <a:solidFill>
+                        <a:srgbClr val="999999"/>
+                      </a:solidFill>
+                      <a:prstDash val="solid"/>
+                      <a:round/>
+                      <a:headEnd type="none" w="med" len="med"/>
+                      <a:tailEnd type="none" w="med" len="med"/>
+                    </a:lnL>
+                    <a:lnR w="9525" cap="flat" cmpd="sng" algn="ctr">
+                      <a:solidFill>
+                        <a:srgbClr val="999999"/>
+                      </a:solidFill>
+                      <a:prstDash val="solid"/>
+                      <a:round/>
+                      <a:headEnd type="none" w="med" len="med"/>
+                      <a:tailEnd type="none" w="med" len="med"/>
+                    </a:lnR>
+                    <a:lnT w="9525" cap="flat" cmpd="sng" algn="ctr">
+                      <a:solidFill>
+                        <a:srgbClr val="999999"/>
+                      </a:solidFill>
+                      <a:prstDash val="solid"/>
+                      <a:round/>
+                      <a:headEnd type="none" w="med" len="med"/>
+                      <a:tailEnd type="none" w="med" len="med"/>
+                    </a:lnT>
+                    <a:lnB w="9525" cap="flat" cmpd="sng" algn="ctr">
+                      <a:solidFill>
+                        <a:srgbClr val="999999"/>
+                      </a:solidFill>
+                      <a:prstDash val="solid"/>
+                      <a:round/>
+                      <a:headEnd type="none" w="med" len="med"/>
+                      <a:tailEnd type="none" w="med" len="med"/>
+                    </a:lnB>
+                  </a:tcPr>
+                </a:tc>
+                <a:extLst>
+                  <a:ext uri="{0D108BD9-81ED-4DB2-BD59-A6C34878D82A}">
+                    <a16:rowId xmlns:a16="http://schemas.microsoft.com/office/drawing/2014/main" val="2023224013"/>
+                  </a:ext>
+                </a:extLst>
+              </a:tr>
+              <a:tr h="418197">
+                <a:tc>
+                  <a:txBody>
+                    <a:bodyPr/>
+                    <a:lstStyle/>
+                    <a:p>
+                      <a:pPr algn="l">
+                        <a:lnSpc>
+                          <a:spcPct val="130000"/>
+                        </a:lnSpc>
+                      </a:pPr>
+                      <a:r>
+                        <a:rPr lang="en-US" sz="2000" b="0" i="0" spc="0" dirty="0">
+                          <a:solidFill>
+                            <a:srgbClr val="333333"/>
+                          </a:solidFill>
+                          <a:effectLst/>
+                          <a:latin typeface="-apple-system"/>
+                        </a:rPr>
+                        <a:t>S4</a:t>
+                      </a:r>
+                      <a:endParaRPr lang="en-US" sz="2000" dirty="0">
+                        <a:effectLst/>
+                      </a:endParaRPr>
+                    </a:p>
+                  </a:txBody>
+                  <a:tcPr marL="30246" marR="30246" marT="30246" marB="22684" anchor="ctr">
+                    <a:lnL w="9525" cap="flat" cmpd="sng" algn="ctr">
+                      <a:solidFill>
+                        <a:srgbClr val="999999"/>
+                      </a:solidFill>
+                      <a:prstDash val="solid"/>
+                      <a:round/>
+                      <a:headEnd type="none" w="med" len="med"/>
+                      <a:tailEnd type="none" w="med" len="med"/>
+                    </a:lnL>
+                    <a:lnR w="9525" cap="flat" cmpd="sng" algn="ctr">
+                      <a:solidFill>
+                        <a:srgbClr val="999999"/>
+                      </a:solidFill>
+                      <a:prstDash val="solid"/>
+                      <a:round/>
+                      <a:headEnd type="none" w="med" len="med"/>
+                      <a:tailEnd type="none" w="med" len="med"/>
+                    </a:lnR>
+                    <a:lnT w="9525" cap="flat" cmpd="sng" algn="ctr">
+                      <a:solidFill>
+                        <a:srgbClr val="999999"/>
+                      </a:solidFill>
+                      <a:prstDash val="solid"/>
+                      <a:round/>
+                      <a:headEnd type="none" w="med" len="med"/>
+                      <a:tailEnd type="none" w="med" len="med"/>
+                    </a:lnT>
+                    <a:lnB w="9525" cap="flat" cmpd="sng" algn="ctr">
+                      <a:solidFill>
+                        <a:srgbClr val="999999"/>
+                      </a:solidFill>
+                      <a:prstDash val="solid"/>
+                      <a:round/>
+                      <a:headEnd type="none" w="med" len="med"/>
+                      <a:tailEnd type="none" w="med" len="med"/>
+                    </a:lnB>
+                  </a:tcPr>
+                </a:tc>
+                <a:tc>
+                  <a:txBody>
+                    <a:bodyPr/>
+                    <a:lstStyle/>
+                    <a:p>
+                      <a:pPr algn="r">
+                        <a:lnSpc>
+                          <a:spcPct val="100000"/>
+                        </a:lnSpc>
+                      </a:pPr>
+                      <a:r>
+                        <a:rPr lang="en-US" altLang="zh-CN" sz="2000" b="0" i="0" spc="0" dirty="0">
+                          <a:solidFill>
+                            <a:srgbClr val="000000"/>
+                          </a:solidFill>
+                          <a:effectLst/>
+                          <a:latin typeface="-apple-system"/>
+                        </a:rPr>
+                        <a:t>-0.090521737</a:t>
+                      </a:r>
+                      <a:endParaRPr lang="zh-CN" altLang="en-US" sz="2000" dirty="0">
+                        <a:effectLst/>
+                      </a:endParaRPr>
+                    </a:p>
+                  </a:txBody>
+                  <a:tcPr marL="30246" marR="30246" marT="30246" marB="22684" anchor="ctr">
+                    <a:lnL w="9525" cap="flat" cmpd="sng" algn="ctr">
+                      <a:solidFill>
+                        <a:srgbClr val="999999"/>
+                      </a:solidFill>
+                      <a:prstDash val="solid"/>
+                      <a:round/>
+                      <a:headEnd type="none" w="med" len="med"/>
+                      <a:tailEnd type="none" w="med" len="med"/>
+                    </a:lnL>
+                    <a:lnR w="9525" cap="flat" cmpd="sng" algn="ctr">
+                      <a:solidFill>
+                        <a:srgbClr val="999999"/>
+                      </a:solidFill>
+                      <a:prstDash val="solid"/>
+                      <a:round/>
+                      <a:headEnd type="none" w="med" len="med"/>
+                      <a:tailEnd type="none" w="med" len="med"/>
+                    </a:lnR>
+                    <a:lnT w="9525" cap="flat" cmpd="sng" algn="ctr">
+                      <a:solidFill>
+                        <a:srgbClr val="999999"/>
+                      </a:solidFill>
+                      <a:prstDash val="solid"/>
+                      <a:round/>
+                      <a:headEnd type="none" w="med" len="med"/>
+                      <a:tailEnd type="none" w="med" len="med"/>
+                    </a:lnT>
+                    <a:lnB w="9525" cap="flat" cmpd="sng" algn="ctr">
+                      <a:solidFill>
+                        <a:srgbClr val="999999"/>
+                      </a:solidFill>
+                      <a:prstDash val="solid"/>
+                      <a:round/>
+                      <a:headEnd type="none" w="med" len="med"/>
+                      <a:tailEnd type="none" w="med" len="med"/>
+                    </a:lnB>
+                  </a:tcPr>
+                </a:tc>
+                <a:tc>
+                  <a:txBody>
+                    <a:bodyPr/>
+                    <a:lstStyle/>
+                    <a:p>
+                      <a:pPr algn="r">
+                        <a:lnSpc>
+                          <a:spcPct val="100000"/>
+                        </a:lnSpc>
+                      </a:pPr>
+                      <a:r>
+                        <a:rPr lang="en-US" altLang="zh-CN" sz="2000" b="0" i="0" spc="0" dirty="0">
+                          <a:solidFill>
+                            <a:srgbClr val="000000"/>
+                          </a:solidFill>
+                          <a:effectLst/>
+                          <a:latin typeface="-apple-system"/>
+                        </a:rPr>
+                        <a:t>-0.03795</a:t>
+                      </a:r>
+                      <a:endParaRPr lang="zh-CN" altLang="en-US" sz="2000" dirty="0">
+                        <a:effectLst/>
+                      </a:endParaRPr>
+                    </a:p>
+                  </a:txBody>
+                  <a:tcPr marL="30246" marR="30246" marT="30246" marB="22684" anchor="ctr">
+                    <a:lnL w="9525" cap="flat" cmpd="sng" algn="ctr">
+                      <a:solidFill>
+                        <a:srgbClr val="999999"/>
+                      </a:solidFill>
+                      <a:prstDash val="solid"/>
+                      <a:round/>
+                      <a:headEnd type="none" w="med" len="med"/>
+                      <a:tailEnd type="none" w="med" len="med"/>
+                    </a:lnL>
+                    <a:lnR w="9525" cap="flat" cmpd="sng" algn="ctr">
+                      <a:solidFill>
+                        <a:srgbClr val="999999"/>
+                      </a:solidFill>
+                      <a:prstDash val="solid"/>
+                      <a:round/>
+                      <a:headEnd type="none" w="med" len="med"/>
+                      <a:tailEnd type="none" w="med" len="med"/>
+                    </a:lnR>
+                    <a:lnT w="9525" cap="flat" cmpd="sng" algn="ctr">
+                      <a:solidFill>
+                        <a:srgbClr val="999999"/>
+                      </a:solidFill>
+                      <a:prstDash val="solid"/>
+                      <a:round/>
+                      <a:headEnd type="none" w="med" len="med"/>
+                      <a:tailEnd type="none" w="med" len="med"/>
+                    </a:lnT>
+                    <a:lnB w="9525" cap="flat" cmpd="sng" algn="ctr">
+                      <a:solidFill>
+                        <a:srgbClr val="999999"/>
+                      </a:solidFill>
+                      <a:prstDash val="solid"/>
+                      <a:round/>
+                      <a:headEnd type="none" w="med" len="med"/>
+                      <a:tailEnd type="none" w="med" len="med"/>
+                    </a:lnB>
+                  </a:tcPr>
+                </a:tc>
+                <a:tc>
+                  <a:txBody>
+                    <a:bodyPr/>
+                    <a:lstStyle/>
+                    <a:p>
+                      <a:pPr algn="r">
+                        <a:lnSpc>
+                          <a:spcPct val="100000"/>
+                        </a:lnSpc>
+                      </a:pPr>
+                      <a:endParaRPr lang="zh-CN" altLang="en-US" sz="2000" dirty="0">
+                        <a:effectLst/>
+                      </a:endParaRPr>
+                    </a:p>
+                  </a:txBody>
+                  <a:tcPr marL="30246" marR="30246" marT="30246" marB="22684" anchor="ctr">
+                    <a:lnL w="9525" cap="flat" cmpd="sng" algn="ctr">
+                      <a:solidFill>
+                        <a:srgbClr val="999999"/>
+                      </a:solidFill>
+                      <a:prstDash val="solid"/>
+                      <a:round/>
+                      <a:headEnd type="none" w="med" len="med"/>
+                      <a:tailEnd type="none" w="med" len="med"/>
+                    </a:lnL>
+                    <a:lnR w="9525" cap="flat" cmpd="sng" algn="ctr">
+                      <a:solidFill>
+                        <a:srgbClr val="999999"/>
+                      </a:solidFill>
+                      <a:prstDash val="solid"/>
+                      <a:round/>
+                      <a:headEnd type="none" w="med" len="med"/>
+                      <a:tailEnd type="none" w="med" len="med"/>
+                    </a:lnR>
+                    <a:lnT w="9525" cap="flat" cmpd="sng" algn="ctr">
+                      <a:solidFill>
+                        <a:srgbClr val="999999"/>
+                      </a:solidFill>
+                      <a:prstDash val="solid"/>
+                      <a:round/>
+                      <a:headEnd type="none" w="med" len="med"/>
+                      <a:tailEnd type="none" w="med" len="med"/>
+                    </a:lnT>
+                    <a:lnB w="9525" cap="flat" cmpd="sng" algn="ctr">
+                      <a:solidFill>
+                        <a:srgbClr val="999999"/>
+                      </a:solidFill>
+                      <a:prstDash val="solid"/>
+                      <a:round/>
+                      <a:headEnd type="none" w="med" len="med"/>
+                      <a:tailEnd type="none" w="med" len="med"/>
+                    </a:lnB>
+                  </a:tcPr>
+                </a:tc>
+                <a:extLst>
+                  <a:ext uri="{0D108BD9-81ED-4DB2-BD59-A6C34878D82A}">
+                    <a16:rowId xmlns:a16="http://schemas.microsoft.com/office/drawing/2014/main" val="3212223944"/>
+                  </a:ext>
+                </a:extLst>
+              </a:tr>
+              <a:tr h="418197">
+                <a:tc>
+                  <a:txBody>
+                    <a:bodyPr/>
+                    <a:lstStyle/>
+                    <a:p>
+                      <a:pPr algn="l">
+                        <a:lnSpc>
+                          <a:spcPct val="130000"/>
+                        </a:lnSpc>
+                      </a:pPr>
+                      <a:r>
+                        <a:rPr lang="en-US" sz="2000" b="0" i="0" spc="0" dirty="0">
+                          <a:solidFill>
+                            <a:srgbClr val="333333"/>
+                          </a:solidFill>
+                          <a:effectLst/>
+                          <a:latin typeface="-apple-system"/>
+                        </a:rPr>
+                        <a:t>S5</a:t>
+                      </a:r>
+                      <a:endParaRPr lang="en-US" sz="2000" dirty="0">
+                        <a:effectLst/>
+                      </a:endParaRPr>
+                    </a:p>
+                  </a:txBody>
+                  <a:tcPr marL="30246" marR="30246" marT="30246" marB="22684" anchor="ctr">
+                    <a:lnL w="9525" cap="flat" cmpd="sng" algn="ctr">
+                      <a:solidFill>
+                        <a:srgbClr val="999999"/>
+                      </a:solidFill>
+                      <a:prstDash val="solid"/>
+                      <a:round/>
+                      <a:headEnd type="none" w="med" len="med"/>
+                      <a:tailEnd type="none" w="med" len="med"/>
+                    </a:lnL>
+                    <a:lnR w="9525" cap="flat" cmpd="sng" algn="ctr">
+                      <a:solidFill>
+                        <a:srgbClr val="999999"/>
+                      </a:solidFill>
+                      <a:prstDash val="solid"/>
+                      <a:round/>
+                      <a:headEnd type="none" w="med" len="med"/>
+                      <a:tailEnd type="none" w="med" len="med"/>
+                    </a:lnR>
+                    <a:lnT w="9525" cap="flat" cmpd="sng" algn="ctr">
+                      <a:solidFill>
+                        <a:srgbClr val="999999"/>
+                      </a:solidFill>
+                      <a:prstDash val="solid"/>
+                      <a:round/>
+                      <a:headEnd type="none" w="med" len="med"/>
+                      <a:tailEnd type="none" w="med" len="med"/>
+                    </a:lnT>
+                    <a:lnB w="9525" cap="flat" cmpd="sng" algn="ctr">
+                      <a:solidFill>
+                        <a:srgbClr val="999999"/>
+                      </a:solidFill>
+                      <a:prstDash val="solid"/>
+                      <a:round/>
+                      <a:headEnd type="none" w="med" len="med"/>
+                      <a:tailEnd type="none" w="med" len="med"/>
+                    </a:lnB>
+                  </a:tcPr>
+                </a:tc>
+                <a:tc>
+                  <a:txBody>
+                    <a:bodyPr/>
+                    <a:lstStyle/>
+                    <a:p>
+                      <a:pPr algn="r">
+                        <a:lnSpc>
+                          <a:spcPct val="100000"/>
+                        </a:lnSpc>
+                      </a:pPr>
+                      <a:r>
+                        <a:rPr lang="en-US" altLang="zh-CN" sz="2000" b="0" i="0" spc="0" dirty="0">
+                          <a:solidFill>
+                            <a:srgbClr val="000000"/>
+                          </a:solidFill>
+                          <a:effectLst/>
+                          <a:latin typeface="-apple-system"/>
+                        </a:rPr>
+                        <a:t>-0.36217402</a:t>
+                      </a:r>
+                      <a:endParaRPr lang="zh-CN" altLang="en-US" sz="2000" dirty="0">
+                        <a:effectLst/>
+                      </a:endParaRPr>
+                    </a:p>
+                  </a:txBody>
+                  <a:tcPr marL="30246" marR="30246" marT="30246" marB="22684" anchor="ctr">
+                    <a:lnL w="9525" cap="flat" cmpd="sng" algn="ctr">
+                      <a:solidFill>
+                        <a:srgbClr val="999999"/>
+                      </a:solidFill>
+                      <a:prstDash val="solid"/>
+                      <a:round/>
+                      <a:headEnd type="none" w="med" len="med"/>
+                      <a:tailEnd type="none" w="med" len="med"/>
+                    </a:lnL>
+                    <a:lnR w="9525" cap="flat" cmpd="sng" algn="ctr">
+                      <a:solidFill>
+                        <a:srgbClr val="999999"/>
+                      </a:solidFill>
+                      <a:prstDash val="solid"/>
+                      <a:round/>
+                      <a:headEnd type="none" w="med" len="med"/>
+                      <a:tailEnd type="none" w="med" len="med"/>
+                    </a:lnR>
+                    <a:lnT w="9525" cap="flat" cmpd="sng" algn="ctr">
+                      <a:solidFill>
+                        <a:srgbClr val="999999"/>
+                      </a:solidFill>
+                      <a:prstDash val="solid"/>
+                      <a:round/>
+                      <a:headEnd type="none" w="med" len="med"/>
+                      <a:tailEnd type="none" w="med" len="med"/>
+                    </a:lnT>
+                    <a:lnB w="9525" cap="flat" cmpd="sng" algn="ctr">
+                      <a:solidFill>
+                        <a:srgbClr val="999999"/>
+                      </a:solidFill>
+                      <a:prstDash val="solid"/>
+                      <a:round/>
+                      <a:headEnd type="none" w="med" len="med"/>
+                      <a:tailEnd type="none" w="med" len="med"/>
+                    </a:lnB>
+                  </a:tcPr>
+                </a:tc>
+                <a:tc>
+                  <a:txBody>
+                    <a:bodyPr/>
+                    <a:lstStyle/>
+                    <a:p>
+                      <a:pPr algn="r">
+                        <a:lnSpc>
+                          <a:spcPct val="100000"/>
+                        </a:lnSpc>
+                      </a:pPr>
+                      <a:r>
+                        <a:rPr lang="en-US" altLang="zh-CN" sz="2000" b="0" i="0" spc="0" dirty="0">
+                          <a:solidFill>
+                            <a:srgbClr val="000000"/>
+                          </a:solidFill>
+                          <a:effectLst/>
+                          <a:latin typeface="-apple-system"/>
+                        </a:rPr>
+                        <a:t>-0.18668</a:t>
+                      </a:r>
+                      <a:endParaRPr lang="zh-CN" altLang="en-US" sz="2000" dirty="0">
+                        <a:effectLst/>
+                      </a:endParaRPr>
+                    </a:p>
+                  </a:txBody>
+                  <a:tcPr marL="30246" marR="30246" marT="30246" marB="22684" anchor="ctr">
+                    <a:lnL w="9525" cap="flat" cmpd="sng" algn="ctr">
+                      <a:solidFill>
+                        <a:srgbClr val="999999"/>
+                      </a:solidFill>
+                      <a:prstDash val="solid"/>
+                      <a:round/>
+                      <a:headEnd type="none" w="med" len="med"/>
+                      <a:tailEnd type="none" w="med" len="med"/>
+                    </a:lnL>
+                    <a:lnR w="9525" cap="flat" cmpd="sng" algn="ctr">
+                      <a:solidFill>
+                        <a:srgbClr val="999999"/>
+                      </a:solidFill>
+                      <a:prstDash val="solid"/>
+                      <a:round/>
+                      <a:headEnd type="none" w="med" len="med"/>
+                      <a:tailEnd type="none" w="med" len="med"/>
+                    </a:lnR>
+                    <a:lnT w="9525" cap="flat" cmpd="sng" algn="ctr">
+                      <a:solidFill>
+                        <a:srgbClr val="999999"/>
+                      </a:solidFill>
+                      <a:prstDash val="solid"/>
+                      <a:round/>
+                      <a:headEnd type="none" w="med" len="med"/>
+                      <a:tailEnd type="none" w="med" len="med"/>
+                    </a:lnT>
+                    <a:lnB w="9525" cap="flat" cmpd="sng" algn="ctr">
+                      <a:solidFill>
+                        <a:srgbClr val="999999"/>
+                      </a:solidFill>
+                      <a:prstDash val="solid"/>
+                      <a:round/>
+                      <a:headEnd type="none" w="med" len="med"/>
+                      <a:tailEnd type="none" w="med" len="med"/>
+                    </a:lnB>
+                  </a:tcPr>
+                </a:tc>
+                <a:tc>
+                  <a:txBody>
+                    <a:bodyPr/>
+                    <a:lstStyle/>
+                    <a:p>
+                      <a:pPr algn="r">
+                        <a:lnSpc>
+                          <a:spcPct val="100000"/>
+                        </a:lnSpc>
+                      </a:pPr>
+                      <a:endParaRPr lang="zh-CN" altLang="en-US" sz="2000" dirty="0">
+                        <a:effectLst/>
+                      </a:endParaRPr>
+                    </a:p>
+                  </a:txBody>
+                  <a:tcPr marL="30246" marR="30246" marT="30246" marB="22684" anchor="ctr">
+                    <a:lnL w="9525" cap="flat" cmpd="sng" algn="ctr">
+                      <a:solidFill>
+                        <a:srgbClr val="999999"/>
+                      </a:solidFill>
+                      <a:prstDash val="solid"/>
+                      <a:round/>
+                      <a:headEnd type="none" w="med" len="med"/>
+                      <a:tailEnd type="none" w="med" len="med"/>
+                    </a:lnL>
+                    <a:lnR w="9525" cap="flat" cmpd="sng" algn="ctr">
+                      <a:solidFill>
+                        <a:srgbClr val="999999"/>
+                      </a:solidFill>
+                      <a:prstDash val="solid"/>
+                      <a:round/>
+                      <a:headEnd type="none" w="med" len="med"/>
+                      <a:tailEnd type="none" w="med" len="med"/>
+                    </a:lnR>
+                    <a:lnT w="9525" cap="flat" cmpd="sng" algn="ctr">
+                      <a:solidFill>
+                        <a:srgbClr val="999999"/>
+                      </a:solidFill>
+                      <a:prstDash val="solid"/>
+                      <a:round/>
+                      <a:headEnd type="none" w="med" len="med"/>
+                      <a:tailEnd type="none" w="med" len="med"/>
+                    </a:lnT>
+                    <a:lnB w="9525" cap="flat" cmpd="sng" algn="ctr">
+                      <a:solidFill>
+                        <a:srgbClr val="999999"/>
+                      </a:solidFill>
+                      <a:prstDash val="solid"/>
+                      <a:round/>
+                      <a:headEnd type="none" w="med" len="med"/>
+                      <a:tailEnd type="none" w="med" len="med"/>
+                    </a:lnB>
+                  </a:tcPr>
+                </a:tc>
+                <a:extLst>
+                  <a:ext uri="{0D108BD9-81ED-4DB2-BD59-A6C34878D82A}">
+                    <a16:rowId xmlns:a16="http://schemas.microsoft.com/office/drawing/2014/main" val="1260585467"/>
+                  </a:ext>
+                </a:extLst>
+              </a:tr>
+              <a:tr h="418197">
+                <a:tc>
+                  <a:txBody>
+                    <a:bodyPr/>
+                    <a:lstStyle/>
+                    <a:p>
+                      <a:pPr algn="l">
+                        <a:lnSpc>
+                          <a:spcPct val="130000"/>
+                        </a:lnSpc>
+                      </a:pPr>
+                      <a:r>
+                        <a:rPr lang="en-US" sz="2000" b="0" i="0" spc="0" dirty="0">
+                          <a:solidFill>
+                            <a:srgbClr val="333333"/>
+                          </a:solidFill>
+                          <a:effectLst/>
+                          <a:latin typeface="-apple-system"/>
+                        </a:rPr>
+                        <a:t>S6</a:t>
+                      </a:r>
+                      <a:endParaRPr lang="en-US" sz="2000" dirty="0">
+                        <a:effectLst/>
+                      </a:endParaRPr>
+                    </a:p>
+                  </a:txBody>
+                  <a:tcPr marL="30246" marR="30246" marT="30246" marB="22684" anchor="ctr">
+                    <a:lnL w="9525" cap="flat" cmpd="sng" algn="ctr">
+                      <a:solidFill>
+                        <a:srgbClr val="999999"/>
+                      </a:solidFill>
+                      <a:prstDash val="solid"/>
+                      <a:round/>
+                      <a:headEnd type="none" w="med" len="med"/>
+                      <a:tailEnd type="none" w="med" len="med"/>
+                    </a:lnL>
+                    <a:lnR w="9525" cap="flat" cmpd="sng" algn="ctr">
+                      <a:solidFill>
+                        <a:srgbClr val="999999"/>
+                      </a:solidFill>
+                      <a:prstDash val="solid"/>
+                      <a:round/>
+                      <a:headEnd type="none" w="med" len="med"/>
+                      <a:tailEnd type="none" w="med" len="med"/>
+                    </a:lnR>
+                    <a:lnT w="9525" cap="flat" cmpd="sng" algn="ctr">
+                      <a:solidFill>
+                        <a:srgbClr val="999999"/>
+                      </a:solidFill>
+                      <a:prstDash val="solid"/>
+                      <a:round/>
+                      <a:headEnd type="none" w="med" len="med"/>
+                      <a:tailEnd type="none" w="med" len="med"/>
+                    </a:lnT>
+                    <a:lnB w="9525" cap="flat" cmpd="sng" algn="ctr">
+                      <a:solidFill>
+                        <a:srgbClr val="999999"/>
+                      </a:solidFill>
+                      <a:prstDash val="solid"/>
+                      <a:round/>
+                      <a:headEnd type="none" w="med" len="med"/>
+                      <a:tailEnd type="none" w="med" len="med"/>
+                    </a:lnB>
+                  </a:tcPr>
+                </a:tc>
+                <a:tc>
+                  <a:txBody>
+                    <a:bodyPr/>
+                    <a:lstStyle/>
+                    <a:p>
+                      <a:pPr algn="r">
+                        <a:lnSpc>
+                          <a:spcPct val="100000"/>
+                        </a:lnSpc>
+                      </a:pPr>
+                      <a:r>
+                        <a:rPr lang="en-US" altLang="zh-CN" sz="2000" b="0" i="0" spc="0" dirty="0">
+                          <a:solidFill>
+                            <a:srgbClr val="000000"/>
+                          </a:solidFill>
+                          <a:effectLst/>
+                          <a:latin typeface="-apple-system"/>
+                        </a:rPr>
+                        <a:t>0.194706082</a:t>
+                      </a:r>
+                      <a:endParaRPr lang="zh-CN" altLang="en-US" sz="2000" dirty="0">
+                        <a:effectLst/>
+                      </a:endParaRPr>
+                    </a:p>
+                  </a:txBody>
+                  <a:tcPr marL="30246" marR="30246" marT="30246" marB="22684" anchor="ctr">
+                    <a:lnL w="9525" cap="flat" cmpd="sng" algn="ctr">
+                      <a:solidFill>
+                        <a:srgbClr val="999999"/>
+                      </a:solidFill>
+                      <a:prstDash val="solid"/>
+                      <a:round/>
+                      <a:headEnd type="none" w="med" len="med"/>
+                      <a:tailEnd type="none" w="med" len="med"/>
+                    </a:lnL>
+                    <a:lnR w="9525" cap="flat" cmpd="sng" algn="ctr">
+                      <a:solidFill>
+                        <a:srgbClr val="999999"/>
+                      </a:solidFill>
+                      <a:prstDash val="solid"/>
+                      <a:round/>
+                      <a:headEnd type="none" w="med" len="med"/>
+                      <a:tailEnd type="none" w="med" len="med"/>
+                    </a:lnR>
+                    <a:lnT w="9525" cap="flat" cmpd="sng" algn="ctr">
+                      <a:solidFill>
+                        <a:srgbClr val="999999"/>
+                      </a:solidFill>
+                      <a:prstDash val="solid"/>
+                      <a:round/>
+                      <a:headEnd type="none" w="med" len="med"/>
+                      <a:tailEnd type="none" w="med" len="med"/>
+                    </a:lnT>
+                    <a:lnB w="9525" cap="flat" cmpd="sng" algn="ctr">
+                      <a:solidFill>
+                        <a:srgbClr val="999999"/>
+                      </a:solidFill>
+                      <a:prstDash val="solid"/>
+                      <a:round/>
+                      <a:headEnd type="none" w="med" len="med"/>
+                      <a:tailEnd type="none" w="med" len="med"/>
+                    </a:lnB>
+                  </a:tcPr>
+                </a:tc>
+                <a:tc>
+                  <a:txBody>
+                    <a:bodyPr/>
+                    <a:lstStyle/>
+                    <a:p>
+                      <a:pPr algn="r">
+                        <a:lnSpc>
+                          <a:spcPct val="100000"/>
+                        </a:lnSpc>
+                      </a:pPr>
+                      <a:r>
+                        <a:rPr lang="en-US" altLang="zh-CN" sz="2000" b="0" i="0" spc="0" dirty="0">
+                          <a:solidFill>
+                            <a:srgbClr val="000000"/>
+                          </a:solidFill>
+                          <a:effectLst/>
+                          <a:latin typeface="-apple-system"/>
+                        </a:rPr>
+                        <a:t>-0.18261</a:t>
+                      </a:r>
+                      <a:endParaRPr lang="zh-CN" altLang="en-US" sz="2000" dirty="0">
+                        <a:effectLst/>
+                      </a:endParaRPr>
+                    </a:p>
+                  </a:txBody>
+                  <a:tcPr marL="30246" marR="30246" marT="30246" marB="22684" anchor="ctr">
+                    <a:lnL w="9525" cap="flat" cmpd="sng" algn="ctr">
+                      <a:solidFill>
+                        <a:srgbClr val="999999"/>
+                      </a:solidFill>
+                      <a:prstDash val="solid"/>
+                      <a:round/>
+                      <a:headEnd type="none" w="med" len="med"/>
+                      <a:tailEnd type="none" w="med" len="med"/>
+                    </a:lnL>
+                    <a:lnR w="9525" cap="flat" cmpd="sng" algn="ctr">
+                      <a:solidFill>
+                        <a:srgbClr val="999999"/>
+                      </a:solidFill>
+                      <a:prstDash val="solid"/>
+                      <a:round/>
+                      <a:headEnd type="none" w="med" len="med"/>
+                      <a:tailEnd type="none" w="med" len="med"/>
+                    </a:lnR>
+                    <a:lnT w="9525" cap="flat" cmpd="sng" algn="ctr">
+                      <a:solidFill>
+                        <a:srgbClr val="999999"/>
+                      </a:solidFill>
+                      <a:prstDash val="solid"/>
+                      <a:round/>
+                      <a:headEnd type="none" w="med" len="med"/>
+                      <a:tailEnd type="none" w="med" len="med"/>
+                    </a:lnT>
+                    <a:lnB w="9525" cap="flat" cmpd="sng" algn="ctr">
+                      <a:solidFill>
+                        <a:srgbClr val="999999"/>
+                      </a:solidFill>
+                      <a:prstDash val="solid"/>
+                      <a:round/>
+                      <a:headEnd type="none" w="med" len="med"/>
+                      <a:tailEnd type="none" w="med" len="med"/>
+                    </a:lnB>
+                  </a:tcPr>
+                </a:tc>
+                <a:tc>
+                  <a:txBody>
+                    <a:bodyPr/>
+                    <a:lstStyle/>
+                    <a:p>
+                      <a:pPr algn="r">
+                        <a:lnSpc>
+                          <a:spcPct val="100000"/>
+                        </a:lnSpc>
+                      </a:pPr>
+                      <a:endParaRPr lang="zh-CN" altLang="en-US" sz="2000" dirty="0">
+                        <a:effectLst/>
+                      </a:endParaRPr>
+                    </a:p>
+                  </a:txBody>
+                  <a:tcPr marL="30246" marR="30246" marT="30246" marB="22684" anchor="ctr">
+                    <a:lnL w="9525" cap="flat" cmpd="sng" algn="ctr">
+                      <a:solidFill>
+                        <a:srgbClr val="999999"/>
+                      </a:solidFill>
+                      <a:prstDash val="solid"/>
+                      <a:round/>
+                      <a:headEnd type="none" w="med" len="med"/>
+                      <a:tailEnd type="none" w="med" len="med"/>
+                    </a:lnL>
+                    <a:lnR w="9525" cap="flat" cmpd="sng" algn="ctr">
+                      <a:solidFill>
+                        <a:srgbClr val="999999"/>
+                      </a:solidFill>
+                      <a:prstDash val="solid"/>
+                      <a:round/>
+                      <a:headEnd type="none" w="med" len="med"/>
+                      <a:tailEnd type="none" w="med" len="med"/>
+                    </a:lnR>
+                    <a:lnT w="9525" cap="flat" cmpd="sng" algn="ctr">
+                      <a:solidFill>
+                        <a:srgbClr val="999999"/>
+                      </a:solidFill>
+                      <a:prstDash val="solid"/>
+                      <a:round/>
+                      <a:headEnd type="none" w="med" len="med"/>
+                      <a:tailEnd type="none" w="med" len="med"/>
+                    </a:lnT>
+                    <a:lnB w="9525" cap="flat" cmpd="sng" algn="ctr">
+                      <a:solidFill>
+                        <a:srgbClr val="999999"/>
+                      </a:solidFill>
+                      <a:prstDash val="solid"/>
+                      <a:round/>
+                      <a:headEnd type="none" w="med" len="med"/>
+                      <a:tailEnd type="none" w="med" len="med"/>
+                    </a:lnB>
+                  </a:tcPr>
+                </a:tc>
+                <a:extLst>
+                  <a:ext uri="{0D108BD9-81ED-4DB2-BD59-A6C34878D82A}">
+                    <a16:rowId xmlns:a16="http://schemas.microsoft.com/office/drawing/2014/main" val="537477213"/>
+                  </a:ext>
+                </a:extLst>
+              </a:tr>
+              <a:tr h="418197">
+                <a:tc>
+                  <a:txBody>
+                    <a:bodyPr/>
+                    <a:lstStyle/>
+                    <a:p>
+                      <a:pPr algn="l">
+                        <a:lnSpc>
+                          <a:spcPct val="130000"/>
+                        </a:lnSpc>
+                      </a:pPr>
+                      <a:r>
+                        <a:rPr lang="en-US" sz="2000" b="0" i="0" spc="0" dirty="0">
+                          <a:solidFill>
+                            <a:srgbClr val="333333"/>
+                          </a:solidFill>
+                          <a:effectLst/>
+                          <a:latin typeface="-apple-system"/>
+                        </a:rPr>
+                        <a:t>S7</a:t>
+                      </a:r>
+                      <a:endParaRPr lang="en-US" sz="2000" dirty="0">
+                        <a:effectLst/>
+                      </a:endParaRPr>
+                    </a:p>
+                  </a:txBody>
+                  <a:tcPr marL="30246" marR="30246" marT="30246" marB="22684" anchor="ctr">
+                    <a:lnL w="9525" cap="flat" cmpd="sng" algn="ctr">
+                      <a:solidFill>
+                        <a:srgbClr val="999999"/>
+                      </a:solidFill>
+                      <a:prstDash val="solid"/>
+                      <a:round/>
+                      <a:headEnd type="none" w="med" len="med"/>
+                      <a:tailEnd type="none" w="med" len="med"/>
+                    </a:lnL>
+                    <a:lnR w="9525" cap="flat" cmpd="sng" algn="ctr">
+                      <a:solidFill>
+                        <a:srgbClr val="999999"/>
+                      </a:solidFill>
+                      <a:prstDash val="solid"/>
+                      <a:round/>
+                      <a:headEnd type="none" w="med" len="med"/>
+                      <a:tailEnd type="none" w="med" len="med"/>
+                    </a:lnR>
+                    <a:lnT w="9525" cap="flat" cmpd="sng" algn="ctr">
+                      <a:solidFill>
+                        <a:srgbClr val="999999"/>
+                      </a:solidFill>
+                      <a:prstDash val="solid"/>
+                      <a:round/>
+                      <a:headEnd type="none" w="med" len="med"/>
+                      <a:tailEnd type="none" w="med" len="med"/>
+                    </a:lnT>
+                    <a:lnB w="9525" cap="flat" cmpd="sng" algn="ctr">
+                      <a:solidFill>
+                        <a:srgbClr val="999999"/>
+                      </a:solidFill>
+                      <a:prstDash val="solid"/>
+                      <a:round/>
+                      <a:headEnd type="none" w="med" len="med"/>
+                      <a:tailEnd type="none" w="med" len="med"/>
+                    </a:lnB>
+                  </a:tcPr>
+                </a:tc>
+                <a:tc>
+                  <a:txBody>
+                    <a:bodyPr/>
+                    <a:lstStyle/>
+                    <a:p>
+                      <a:pPr algn="r">
+                        <a:lnSpc>
+                          <a:spcPct val="100000"/>
+                        </a:lnSpc>
+                      </a:pPr>
+                      <a:r>
+                        <a:rPr lang="en-US" altLang="zh-CN" sz="2000" b="0" i="0" spc="0" dirty="0">
+                          <a:solidFill>
+                            <a:srgbClr val="000000"/>
+                          </a:solidFill>
+                          <a:effectLst/>
+                          <a:latin typeface="-apple-system"/>
+                        </a:rPr>
+                        <a:t>-0.2073635</a:t>
+                      </a:r>
+                      <a:endParaRPr lang="zh-CN" altLang="en-US" sz="2000" dirty="0">
+                        <a:effectLst/>
+                      </a:endParaRPr>
+                    </a:p>
+                  </a:txBody>
+                  <a:tcPr marL="30246" marR="30246" marT="30246" marB="22684" anchor="ctr">
+                    <a:lnL w="9525" cap="flat" cmpd="sng" algn="ctr">
+                      <a:solidFill>
+                        <a:srgbClr val="999999"/>
+                      </a:solidFill>
+                      <a:prstDash val="solid"/>
+                      <a:round/>
+                      <a:headEnd type="none" w="med" len="med"/>
+                      <a:tailEnd type="none" w="med" len="med"/>
+                    </a:lnL>
+                    <a:lnR w="9525" cap="flat" cmpd="sng" algn="ctr">
+                      <a:solidFill>
+                        <a:srgbClr val="999999"/>
+                      </a:solidFill>
+                      <a:prstDash val="solid"/>
+                      <a:round/>
+                      <a:headEnd type="none" w="med" len="med"/>
+                      <a:tailEnd type="none" w="med" len="med"/>
+                    </a:lnR>
+                    <a:lnT w="9525" cap="flat" cmpd="sng" algn="ctr">
+                      <a:solidFill>
+                        <a:srgbClr val="999999"/>
+                      </a:solidFill>
+                      <a:prstDash val="solid"/>
+                      <a:round/>
+                      <a:headEnd type="none" w="med" len="med"/>
+                      <a:tailEnd type="none" w="med" len="med"/>
+                    </a:lnT>
+                    <a:lnB w="9525" cap="flat" cmpd="sng" algn="ctr">
+                      <a:solidFill>
+                        <a:srgbClr val="999999"/>
+                      </a:solidFill>
+                      <a:prstDash val="solid"/>
+                      <a:round/>
+                      <a:headEnd type="none" w="med" len="med"/>
+                      <a:tailEnd type="none" w="med" len="med"/>
+                    </a:lnB>
+                  </a:tcPr>
+                </a:tc>
+                <a:tc>
+                  <a:txBody>
+                    <a:bodyPr/>
+                    <a:lstStyle/>
+                    <a:p>
+                      <a:pPr algn="r">
+                        <a:lnSpc>
+                          <a:spcPct val="100000"/>
+                        </a:lnSpc>
+                      </a:pPr>
+                      <a:r>
+                        <a:rPr lang="en-US" altLang="zh-CN" sz="2000" b="0" i="0" spc="0" dirty="0">
+                          <a:solidFill>
+                            <a:srgbClr val="000000"/>
+                          </a:solidFill>
+                          <a:effectLst/>
+                          <a:latin typeface="-apple-system"/>
+                        </a:rPr>
+                        <a:t>0.019703</a:t>
+                      </a:r>
+                      <a:endParaRPr lang="zh-CN" altLang="en-US" sz="2000" dirty="0">
+                        <a:effectLst/>
+                      </a:endParaRPr>
+                    </a:p>
+                  </a:txBody>
+                  <a:tcPr marL="30246" marR="30246" marT="30246" marB="22684" anchor="ctr">
+                    <a:lnL w="9525" cap="flat" cmpd="sng" algn="ctr">
+                      <a:solidFill>
+                        <a:srgbClr val="999999"/>
+                      </a:solidFill>
+                      <a:prstDash val="solid"/>
+                      <a:round/>
+                      <a:headEnd type="none" w="med" len="med"/>
+                      <a:tailEnd type="none" w="med" len="med"/>
+                    </a:lnL>
+                    <a:lnR w="9525" cap="flat" cmpd="sng" algn="ctr">
+                      <a:solidFill>
+                        <a:srgbClr val="999999"/>
+                      </a:solidFill>
+                      <a:prstDash val="solid"/>
+                      <a:round/>
+                      <a:headEnd type="none" w="med" len="med"/>
+                      <a:tailEnd type="none" w="med" len="med"/>
+                    </a:lnR>
+                    <a:lnT w="9525" cap="flat" cmpd="sng" algn="ctr">
+                      <a:solidFill>
+                        <a:srgbClr val="999999"/>
+                      </a:solidFill>
+                      <a:prstDash val="solid"/>
+                      <a:round/>
+                      <a:headEnd type="none" w="med" len="med"/>
+                      <a:tailEnd type="none" w="med" len="med"/>
+                    </a:lnT>
+                    <a:lnB w="9525" cap="flat" cmpd="sng" algn="ctr">
+                      <a:solidFill>
+                        <a:srgbClr val="999999"/>
+                      </a:solidFill>
+                      <a:prstDash val="solid"/>
+                      <a:round/>
+                      <a:headEnd type="none" w="med" len="med"/>
+                      <a:tailEnd type="none" w="med" len="med"/>
+                    </a:lnB>
+                  </a:tcPr>
+                </a:tc>
+                <a:tc>
+                  <a:txBody>
+                    <a:bodyPr/>
+                    <a:lstStyle/>
+                    <a:p>
+                      <a:pPr algn="r">
+                        <a:lnSpc>
+                          <a:spcPct val="100000"/>
+                        </a:lnSpc>
+                      </a:pPr>
+                      <a:endParaRPr lang="zh-CN" altLang="en-US" sz="2000" dirty="0">
+                        <a:effectLst/>
+                      </a:endParaRPr>
+                    </a:p>
+                  </a:txBody>
+                  <a:tcPr marL="30246" marR="30246" marT="30246" marB="22684" anchor="ctr">
+                    <a:lnL w="9525" cap="flat" cmpd="sng" algn="ctr">
+                      <a:solidFill>
+                        <a:srgbClr val="999999"/>
+                      </a:solidFill>
+                      <a:prstDash val="solid"/>
+                      <a:round/>
+                      <a:headEnd type="none" w="med" len="med"/>
+                      <a:tailEnd type="none" w="med" len="med"/>
+                    </a:lnL>
+                    <a:lnR w="9525" cap="flat" cmpd="sng" algn="ctr">
+                      <a:solidFill>
+                        <a:srgbClr val="999999"/>
+                      </a:solidFill>
+                      <a:prstDash val="solid"/>
+                      <a:round/>
+                      <a:headEnd type="none" w="med" len="med"/>
+                      <a:tailEnd type="none" w="med" len="med"/>
+                    </a:lnR>
+                    <a:lnT w="9525" cap="flat" cmpd="sng" algn="ctr">
+                      <a:solidFill>
+                        <a:srgbClr val="999999"/>
+                      </a:solidFill>
+                      <a:prstDash val="solid"/>
+                      <a:round/>
+                      <a:headEnd type="none" w="med" len="med"/>
+                      <a:tailEnd type="none" w="med" len="med"/>
+                    </a:lnT>
+                    <a:lnB w="9525" cap="flat" cmpd="sng" algn="ctr">
+                      <a:solidFill>
+                        <a:srgbClr val="999999"/>
+                      </a:solidFill>
+                      <a:prstDash val="solid"/>
+                      <a:round/>
+                      <a:headEnd type="none" w="med" len="med"/>
+                      <a:tailEnd type="none" w="med" len="med"/>
+                    </a:lnB>
+                  </a:tcPr>
+                </a:tc>
+                <a:extLst>
+                  <a:ext uri="{0D108BD9-81ED-4DB2-BD59-A6C34878D82A}">
+                    <a16:rowId xmlns:a16="http://schemas.microsoft.com/office/drawing/2014/main" val="3482235934"/>
+                  </a:ext>
+                </a:extLst>
+              </a:tr>
+              <a:tr h="418197">
+                <a:tc>
+                  <a:txBody>
+                    <a:bodyPr/>
+                    <a:lstStyle/>
+                    <a:p>
+                      <a:pPr algn="l">
+                        <a:lnSpc>
+                          <a:spcPct val="130000"/>
+                        </a:lnSpc>
+                      </a:pPr>
+                      <a:r>
+                        <a:rPr lang="en-US" sz="2000" b="0" i="0" spc="0" dirty="0">
+                          <a:solidFill>
+                            <a:srgbClr val="333333"/>
+                          </a:solidFill>
+                          <a:effectLst/>
+                          <a:latin typeface="-apple-system"/>
+                        </a:rPr>
+                        <a:t>S8</a:t>
+                      </a:r>
+                      <a:endParaRPr lang="en-US" sz="2000" dirty="0">
+                        <a:effectLst/>
+                      </a:endParaRPr>
+                    </a:p>
+                  </a:txBody>
+                  <a:tcPr marL="30246" marR="30246" marT="30246" marB="22684" anchor="ctr">
+                    <a:lnL w="9525" cap="flat" cmpd="sng" algn="ctr">
+                      <a:solidFill>
+                        <a:srgbClr val="999999"/>
+                      </a:solidFill>
+                      <a:prstDash val="solid"/>
+                      <a:round/>
+                      <a:headEnd type="none" w="med" len="med"/>
+                      <a:tailEnd type="none" w="med" len="med"/>
+                    </a:lnL>
+                    <a:lnR w="9525" cap="flat" cmpd="sng" algn="ctr">
+                      <a:solidFill>
+                        <a:srgbClr val="999999"/>
+                      </a:solidFill>
+                      <a:prstDash val="solid"/>
+                      <a:round/>
+                      <a:headEnd type="none" w="med" len="med"/>
+                      <a:tailEnd type="none" w="med" len="med"/>
+                    </a:lnR>
+                    <a:lnT w="9525" cap="flat" cmpd="sng" algn="ctr">
+                      <a:solidFill>
+                        <a:srgbClr val="999999"/>
+                      </a:solidFill>
+                      <a:prstDash val="solid"/>
+                      <a:round/>
+                      <a:headEnd type="none" w="med" len="med"/>
+                      <a:tailEnd type="none" w="med" len="med"/>
+                    </a:lnT>
+                    <a:lnB w="9525" cap="flat" cmpd="sng" algn="ctr">
+                      <a:solidFill>
+                        <a:srgbClr val="999999"/>
+                      </a:solidFill>
+                      <a:prstDash val="solid"/>
+                      <a:round/>
+                      <a:headEnd type="none" w="med" len="med"/>
+                      <a:tailEnd type="none" w="med" len="med"/>
+                    </a:lnB>
+                  </a:tcPr>
+                </a:tc>
+                <a:tc>
+                  <a:txBody>
+                    <a:bodyPr/>
+                    <a:lstStyle/>
+                    <a:p>
+                      <a:pPr algn="r">
+                        <a:lnSpc>
+                          <a:spcPct val="100000"/>
+                        </a:lnSpc>
+                      </a:pPr>
+                      <a:r>
+                        <a:rPr lang="en-US" altLang="zh-CN" sz="2000" b="0" i="0" spc="0" dirty="0">
+                          <a:solidFill>
+                            <a:srgbClr val="000000"/>
+                          </a:solidFill>
+                          <a:effectLst/>
+                          <a:latin typeface="-apple-system"/>
+                        </a:rPr>
+                        <a:t>0.171127667</a:t>
+                      </a:r>
+                      <a:endParaRPr lang="zh-CN" altLang="en-US" sz="2000" dirty="0">
+                        <a:effectLst/>
+                      </a:endParaRPr>
+                    </a:p>
+                  </a:txBody>
+                  <a:tcPr marL="30246" marR="30246" marT="30246" marB="22684" anchor="ctr">
+                    <a:lnL w="9525" cap="flat" cmpd="sng" algn="ctr">
+                      <a:solidFill>
+                        <a:srgbClr val="999999"/>
+                      </a:solidFill>
+                      <a:prstDash val="solid"/>
+                      <a:round/>
+                      <a:headEnd type="none" w="med" len="med"/>
+                      <a:tailEnd type="none" w="med" len="med"/>
+                    </a:lnL>
+                    <a:lnR w="9525" cap="flat" cmpd="sng" algn="ctr">
+                      <a:solidFill>
+                        <a:srgbClr val="999999"/>
+                      </a:solidFill>
+                      <a:prstDash val="solid"/>
+                      <a:round/>
+                      <a:headEnd type="none" w="med" len="med"/>
+                      <a:tailEnd type="none" w="med" len="med"/>
+                    </a:lnR>
+                    <a:lnT w="9525" cap="flat" cmpd="sng" algn="ctr">
+                      <a:solidFill>
+                        <a:srgbClr val="999999"/>
+                      </a:solidFill>
+                      <a:prstDash val="solid"/>
+                      <a:round/>
+                      <a:headEnd type="none" w="med" len="med"/>
+                      <a:tailEnd type="none" w="med" len="med"/>
+                    </a:lnT>
+                    <a:lnB w="9525" cap="flat" cmpd="sng" algn="ctr">
+                      <a:solidFill>
+                        <a:srgbClr val="999999"/>
+                      </a:solidFill>
+                      <a:prstDash val="solid"/>
+                      <a:round/>
+                      <a:headEnd type="none" w="med" len="med"/>
+                      <a:tailEnd type="none" w="med" len="med"/>
+                    </a:lnB>
+                  </a:tcPr>
+                </a:tc>
+                <a:tc>
+                  <a:txBody>
+                    <a:bodyPr/>
+                    <a:lstStyle/>
+                    <a:p>
+                      <a:pPr algn="r">
+                        <a:lnSpc>
+                          <a:spcPct val="100000"/>
+                        </a:lnSpc>
+                      </a:pPr>
+                      <a:r>
+                        <a:rPr lang="en-US" altLang="zh-CN" sz="2000" b="0" i="0" spc="0" dirty="0">
+                          <a:solidFill>
+                            <a:srgbClr val="000000"/>
+                          </a:solidFill>
+                          <a:effectLst/>
+                          <a:latin typeface="-apple-system"/>
+                        </a:rPr>
+                        <a:t>0.113001</a:t>
+                      </a:r>
+                      <a:endParaRPr lang="zh-CN" altLang="en-US" sz="2000" dirty="0">
+                        <a:effectLst/>
+                      </a:endParaRPr>
+                    </a:p>
+                  </a:txBody>
+                  <a:tcPr marL="30246" marR="30246" marT="30246" marB="22684" anchor="ctr">
+                    <a:lnL w="9525" cap="flat" cmpd="sng" algn="ctr">
+                      <a:solidFill>
+                        <a:srgbClr val="999999"/>
+                      </a:solidFill>
+                      <a:prstDash val="solid"/>
+                      <a:round/>
+                      <a:headEnd type="none" w="med" len="med"/>
+                      <a:tailEnd type="none" w="med" len="med"/>
+                    </a:lnL>
+                    <a:lnR w="9525" cap="flat" cmpd="sng" algn="ctr">
+                      <a:solidFill>
+                        <a:srgbClr val="999999"/>
+                      </a:solidFill>
+                      <a:prstDash val="solid"/>
+                      <a:round/>
+                      <a:headEnd type="none" w="med" len="med"/>
+                      <a:tailEnd type="none" w="med" len="med"/>
+                    </a:lnR>
+                    <a:lnT w="9525" cap="flat" cmpd="sng" algn="ctr">
+                      <a:solidFill>
+                        <a:srgbClr val="999999"/>
+                      </a:solidFill>
+                      <a:prstDash val="solid"/>
+                      <a:round/>
+                      <a:headEnd type="none" w="med" len="med"/>
+                      <a:tailEnd type="none" w="med" len="med"/>
+                    </a:lnT>
+                    <a:lnB w="9525" cap="flat" cmpd="sng" algn="ctr">
+                      <a:solidFill>
+                        <a:srgbClr val="999999"/>
+                      </a:solidFill>
+                      <a:prstDash val="solid"/>
+                      <a:round/>
+                      <a:headEnd type="none" w="med" len="med"/>
+                      <a:tailEnd type="none" w="med" len="med"/>
+                    </a:lnB>
+                  </a:tcPr>
+                </a:tc>
+                <a:tc>
+                  <a:txBody>
+                    <a:bodyPr/>
+                    <a:lstStyle/>
+                    <a:p>
+                      <a:pPr algn="r">
+                        <a:lnSpc>
+                          <a:spcPct val="100000"/>
+                        </a:lnSpc>
+                      </a:pPr>
+                      <a:endParaRPr lang="zh-CN" altLang="en-US" sz="2000" dirty="0">
+                        <a:effectLst/>
+                      </a:endParaRPr>
+                    </a:p>
+                  </a:txBody>
+                  <a:tcPr marL="30246" marR="30246" marT="30246" marB="22684" anchor="ctr">
+                    <a:lnL w="9525" cap="flat" cmpd="sng" algn="ctr">
+                      <a:solidFill>
+                        <a:srgbClr val="999999"/>
+                      </a:solidFill>
+                      <a:prstDash val="solid"/>
+                      <a:round/>
+                      <a:headEnd type="none" w="med" len="med"/>
+                      <a:tailEnd type="none" w="med" len="med"/>
+                    </a:lnL>
+                    <a:lnR w="9525" cap="flat" cmpd="sng" algn="ctr">
+                      <a:solidFill>
+                        <a:srgbClr val="999999"/>
+                      </a:solidFill>
+                      <a:prstDash val="solid"/>
+                      <a:round/>
+                      <a:headEnd type="none" w="med" len="med"/>
+                      <a:tailEnd type="none" w="med" len="med"/>
+                    </a:lnR>
+                    <a:lnT w="9525" cap="flat" cmpd="sng" algn="ctr">
+                      <a:solidFill>
+                        <a:srgbClr val="999999"/>
+                      </a:solidFill>
+                      <a:prstDash val="solid"/>
+                      <a:round/>
+                      <a:headEnd type="none" w="med" len="med"/>
+                      <a:tailEnd type="none" w="med" len="med"/>
+                    </a:lnT>
+                    <a:lnB w="9525" cap="flat" cmpd="sng" algn="ctr">
+                      <a:solidFill>
+                        <a:srgbClr val="999999"/>
+                      </a:solidFill>
+                      <a:prstDash val="solid"/>
+                      <a:round/>
+                      <a:headEnd type="none" w="med" len="med"/>
+                      <a:tailEnd type="none" w="med" len="med"/>
+                    </a:lnB>
+                  </a:tcPr>
+                </a:tc>
+                <a:extLst>
+                  <a:ext uri="{0D108BD9-81ED-4DB2-BD59-A6C34878D82A}">
+                    <a16:rowId xmlns:a16="http://schemas.microsoft.com/office/drawing/2014/main" val="33963750"/>
+                  </a:ext>
+                </a:extLst>
+              </a:tr>
+              <a:tr h="418197">
+                <a:tc>
+                  <a:txBody>
+                    <a:bodyPr/>
+                    <a:lstStyle/>
+                    <a:p>
+                      <a:pPr algn="l">
+                        <a:lnSpc>
+                          <a:spcPct val="130000"/>
+                        </a:lnSpc>
+                      </a:pPr>
+                      <a:r>
+                        <a:rPr lang="en-US" sz="2000" b="0" i="0" spc="0" dirty="0">
+                          <a:solidFill>
+                            <a:srgbClr val="333333"/>
+                          </a:solidFill>
+                          <a:effectLst/>
+                          <a:latin typeface="-apple-system"/>
+                        </a:rPr>
+                        <a:t>S9</a:t>
+                      </a:r>
+                      <a:endParaRPr lang="en-US" sz="2000" dirty="0">
+                        <a:effectLst/>
+                      </a:endParaRPr>
+                    </a:p>
+                  </a:txBody>
+                  <a:tcPr marL="30246" marR="30246" marT="30246" marB="22684" anchor="ctr">
+                    <a:lnL w="9525" cap="flat" cmpd="sng" algn="ctr">
+                      <a:solidFill>
+                        <a:srgbClr val="999999"/>
+                      </a:solidFill>
+                      <a:prstDash val="solid"/>
+                      <a:round/>
+                      <a:headEnd type="none" w="med" len="med"/>
+                      <a:tailEnd type="none" w="med" len="med"/>
+                    </a:lnL>
+                    <a:lnR w="9525" cap="flat" cmpd="sng" algn="ctr">
+                      <a:solidFill>
+                        <a:srgbClr val="999999"/>
+                      </a:solidFill>
+                      <a:prstDash val="solid"/>
+                      <a:round/>
+                      <a:headEnd type="none" w="med" len="med"/>
+                      <a:tailEnd type="none" w="med" len="med"/>
+                    </a:lnR>
+                    <a:lnT w="9525" cap="flat" cmpd="sng" algn="ctr">
+                      <a:solidFill>
+                        <a:srgbClr val="999999"/>
+                      </a:solidFill>
+                      <a:prstDash val="solid"/>
+                      <a:round/>
+                      <a:headEnd type="none" w="med" len="med"/>
+                      <a:tailEnd type="none" w="med" len="med"/>
+                    </a:lnT>
+                    <a:lnB w="9525" cap="flat" cmpd="sng" algn="ctr">
+                      <a:solidFill>
+                        <a:srgbClr val="999999"/>
+                      </a:solidFill>
+                      <a:prstDash val="solid"/>
+                      <a:round/>
+                      <a:headEnd type="none" w="med" len="med"/>
+                      <a:tailEnd type="none" w="med" len="med"/>
+                    </a:lnB>
+                  </a:tcPr>
+                </a:tc>
+                <a:tc>
+                  <a:txBody>
+                    <a:bodyPr/>
+                    <a:lstStyle/>
+                    <a:p>
+                      <a:pPr algn="r">
+                        <a:lnSpc>
+                          <a:spcPct val="100000"/>
+                        </a:lnSpc>
+                      </a:pPr>
+                      <a:r>
+                        <a:rPr lang="en-US" altLang="zh-CN" sz="2000" b="0" i="0" spc="0" dirty="0">
+                          <a:solidFill>
+                            <a:srgbClr val="FF0000"/>
+                          </a:solidFill>
+                          <a:effectLst/>
+                          <a:latin typeface="-apple-system"/>
+                        </a:rPr>
+                        <a:t>0.42483937</a:t>
+                      </a:r>
+                      <a:endParaRPr lang="zh-CN" altLang="en-US" sz="2000" dirty="0">
+                        <a:effectLst/>
+                      </a:endParaRPr>
+                    </a:p>
+                  </a:txBody>
+                  <a:tcPr marL="30246" marR="30246" marT="30246" marB="22684" anchor="ctr">
+                    <a:lnL w="9525" cap="flat" cmpd="sng" algn="ctr">
+                      <a:solidFill>
+                        <a:srgbClr val="999999"/>
+                      </a:solidFill>
+                      <a:prstDash val="solid"/>
+                      <a:round/>
+                      <a:headEnd type="none" w="med" len="med"/>
+                      <a:tailEnd type="none" w="med" len="med"/>
+                    </a:lnL>
+                    <a:lnR w="9525" cap="flat" cmpd="sng" algn="ctr">
+                      <a:solidFill>
+                        <a:srgbClr val="999999"/>
+                      </a:solidFill>
+                      <a:prstDash val="solid"/>
+                      <a:round/>
+                      <a:headEnd type="none" w="med" len="med"/>
+                      <a:tailEnd type="none" w="med" len="med"/>
+                    </a:lnR>
+                    <a:lnT w="9525" cap="flat" cmpd="sng" algn="ctr">
+                      <a:solidFill>
+                        <a:srgbClr val="999999"/>
+                      </a:solidFill>
+                      <a:prstDash val="solid"/>
+                      <a:round/>
+                      <a:headEnd type="none" w="med" len="med"/>
+                      <a:tailEnd type="none" w="med" len="med"/>
+                    </a:lnT>
+                    <a:lnB w="9525" cap="flat" cmpd="sng" algn="ctr">
+                      <a:solidFill>
+                        <a:srgbClr val="999999"/>
+                      </a:solidFill>
+                      <a:prstDash val="solid"/>
+                      <a:round/>
+                      <a:headEnd type="none" w="med" len="med"/>
+                      <a:tailEnd type="none" w="med" len="med"/>
+                    </a:lnB>
+                  </a:tcPr>
+                </a:tc>
+                <a:tc>
+                  <a:txBody>
+                    <a:bodyPr/>
+                    <a:lstStyle/>
+                    <a:p>
+                      <a:pPr algn="r">
+                        <a:lnSpc>
+                          <a:spcPct val="100000"/>
+                        </a:lnSpc>
+                      </a:pPr>
+                      <a:r>
+                        <a:rPr lang="en-US" altLang="zh-CN" sz="2000" b="0" i="0" spc="0" dirty="0">
+                          <a:solidFill>
+                            <a:srgbClr val="000000"/>
+                          </a:solidFill>
+                          <a:effectLst/>
+                          <a:latin typeface="-apple-system"/>
+                        </a:rPr>
+                        <a:t>0.212219</a:t>
+                      </a:r>
+                      <a:endParaRPr lang="zh-CN" altLang="en-US" sz="2000" dirty="0">
+                        <a:effectLst/>
+                      </a:endParaRPr>
+                    </a:p>
+                  </a:txBody>
+                  <a:tcPr marL="30246" marR="30246" marT="30246" marB="22684" anchor="ctr">
+                    <a:lnL w="9525" cap="flat" cmpd="sng" algn="ctr">
+                      <a:solidFill>
+                        <a:srgbClr val="999999"/>
+                      </a:solidFill>
+                      <a:prstDash val="solid"/>
+                      <a:round/>
+                      <a:headEnd type="none" w="med" len="med"/>
+                      <a:tailEnd type="none" w="med" len="med"/>
+                    </a:lnL>
+                    <a:lnR w="9525" cap="flat" cmpd="sng" algn="ctr">
+                      <a:solidFill>
+                        <a:srgbClr val="999999"/>
+                      </a:solidFill>
+                      <a:prstDash val="solid"/>
+                      <a:round/>
+                      <a:headEnd type="none" w="med" len="med"/>
+                      <a:tailEnd type="none" w="med" len="med"/>
+                    </a:lnR>
+                    <a:lnT w="9525" cap="flat" cmpd="sng" algn="ctr">
+                      <a:solidFill>
+                        <a:srgbClr val="999999"/>
+                      </a:solidFill>
+                      <a:prstDash val="solid"/>
+                      <a:round/>
+                      <a:headEnd type="none" w="med" len="med"/>
+                      <a:tailEnd type="none" w="med" len="med"/>
+                    </a:lnT>
+                    <a:lnB w="9525" cap="flat" cmpd="sng" algn="ctr">
+                      <a:solidFill>
+                        <a:srgbClr val="999999"/>
+                      </a:solidFill>
+                      <a:prstDash val="solid"/>
+                      <a:round/>
+                      <a:headEnd type="none" w="med" len="med"/>
+                      <a:tailEnd type="none" w="med" len="med"/>
+                    </a:lnB>
+                  </a:tcPr>
+                </a:tc>
+                <a:tc>
+                  <a:txBody>
+                    <a:bodyPr/>
+                    <a:lstStyle/>
+                    <a:p>
+                      <a:pPr algn="r">
+                        <a:lnSpc>
+                          <a:spcPct val="100000"/>
+                        </a:lnSpc>
+                      </a:pPr>
+                      <a:endParaRPr lang="zh-CN" altLang="en-US" sz="2000" dirty="0">
+                        <a:effectLst/>
+                      </a:endParaRPr>
+                    </a:p>
+                  </a:txBody>
+                  <a:tcPr marL="30246" marR="30246" marT="30246" marB="22684" anchor="ctr">
+                    <a:lnL w="9525" cap="flat" cmpd="sng" algn="ctr">
+                      <a:solidFill>
+                        <a:srgbClr val="999999"/>
+                      </a:solidFill>
+                      <a:prstDash val="solid"/>
+                      <a:round/>
+                      <a:headEnd type="none" w="med" len="med"/>
+                      <a:tailEnd type="none" w="med" len="med"/>
+                    </a:lnL>
+                    <a:lnR w="9525" cap="flat" cmpd="sng" algn="ctr">
+                      <a:solidFill>
+                        <a:srgbClr val="999999"/>
+                      </a:solidFill>
+                      <a:prstDash val="solid"/>
+                      <a:round/>
+                      <a:headEnd type="none" w="med" len="med"/>
+                      <a:tailEnd type="none" w="med" len="med"/>
+                    </a:lnR>
+                    <a:lnT w="9525" cap="flat" cmpd="sng" algn="ctr">
+                      <a:solidFill>
+                        <a:srgbClr val="999999"/>
+                      </a:solidFill>
+                      <a:prstDash val="solid"/>
+                      <a:round/>
+                      <a:headEnd type="none" w="med" len="med"/>
+                      <a:tailEnd type="none" w="med" len="med"/>
+                    </a:lnT>
+                    <a:lnB w="9525" cap="flat" cmpd="sng" algn="ctr">
+                      <a:solidFill>
+                        <a:srgbClr val="999999"/>
+                      </a:solidFill>
+                      <a:prstDash val="solid"/>
+                      <a:round/>
+                      <a:headEnd type="none" w="med" len="med"/>
+                      <a:tailEnd type="none" w="med" len="med"/>
+                    </a:lnB>
+                  </a:tcPr>
+                </a:tc>
+                <a:extLst>
+                  <a:ext uri="{0D108BD9-81ED-4DB2-BD59-A6C34878D82A}">
+                    <a16:rowId xmlns:a16="http://schemas.microsoft.com/office/drawing/2014/main" val="283885649"/>
+                  </a:ext>
+                </a:extLst>
+              </a:tr>
+              <a:tr h="418197">
+                <a:tc>
+                  <a:txBody>
+                    <a:bodyPr/>
+                    <a:lstStyle/>
+                    <a:p>
+                      <a:pPr algn="l">
+                        <a:lnSpc>
+                          <a:spcPct val="130000"/>
+                        </a:lnSpc>
+                      </a:pPr>
+                      <a:r>
+                        <a:rPr lang="en-US" sz="2000" b="0" i="0" spc="0" dirty="0">
+                          <a:solidFill>
+                            <a:srgbClr val="333333"/>
+                          </a:solidFill>
+                          <a:effectLst/>
+                          <a:latin typeface="-apple-system"/>
+                        </a:rPr>
+                        <a:t>S10</a:t>
+                      </a:r>
+                      <a:endParaRPr lang="en-US" sz="2000" dirty="0">
+                        <a:effectLst/>
+                      </a:endParaRPr>
+                    </a:p>
+                  </a:txBody>
+                  <a:tcPr marL="30246" marR="30246" marT="30246" marB="22684" anchor="ctr">
+                    <a:lnL w="9525" cap="flat" cmpd="sng" algn="ctr">
+                      <a:solidFill>
+                        <a:srgbClr val="999999"/>
+                      </a:solidFill>
+                      <a:prstDash val="solid"/>
+                      <a:round/>
+                      <a:headEnd type="none" w="med" len="med"/>
+                      <a:tailEnd type="none" w="med" len="med"/>
+                    </a:lnL>
+                    <a:lnR w="9525" cap="flat" cmpd="sng" algn="ctr">
+                      <a:solidFill>
+                        <a:srgbClr val="999999"/>
+                      </a:solidFill>
+                      <a:prstDash val="solid"/>
+                      <a:round/>
+                      <a:headEnd type="none" w="med" len="med"/>
+                      <a:tailEnd type="none" w="med" len="med"/>
+                    </a:lnR>
+                    <a:lnT w="9525" cap="flat" cmpd="sng" algn="ctr">
+                      <a:solidFill>
+                        <a:srgbClr val="999999"/>
+                      </a:solidFill>
+                      <a:prstDash val="solid"/>
+                      <a:round/>
+                      <a:headEnd type="none" w="med" len="med"/>
+                      <a:tailEnd type="none" w="med" len="med"/>
+                    </a:lnT>
+                    <a:lnB w="9525" cap="flat" cmpd="sng" algn="ctr">
+                      <a:solidFill>
+                        <a:srgbClr val="999999"/>
+                      </a:solidFill>
+                      <a:prstDash val="solid"/>
+                      <a:round/>
+                      <a:headEnd type="none" w="med" len="med"/>
+                      <a:tailEnd type="none" w="med" len="med"/>
+                    </a:lnB>
+                  </a:tcPr>
+                </a:tc>
+                <a:tc>
+                  <a:txBody>
+                    <a:bodyPr/>
+                    <a:lstStyle/>
+                    <a:p>
+                      <a:pPr algn="r">
+                        <a:lnSpc>
+                          <a:spcPct val="100000"/>
+                        </a:lnSpc>
+                      </a:pPr>
+                      <a:r>
+                        <a:rPr lang="en-US" altLang="zh-CN" sz="2000" b="0" i="0" spc="0" dirty="0">
+                          <a:solidFill>
+                            <a:srgbClr val="000000"/>
+                          </a:solidFill>
+                          <a:effectLst/>
+                          <a:latin typeface="-apple-system"/>
+                        </a:rPr>
+                        <a:t>-0.243015977</a:t>
+                      </a:r>
+                      <a:endParaRPr lang="zh-CN" altLang="en-US" sz="2000" dirty="0">
+                        <a:effectLst/>
+                      </a:endParaRPr>
+                    </a:p>
+                  </a:txBody>
+                  <a:tcPr marL="30246" marR="30246" marT="30246" marB="22684" anchor="ctr">
+                    <a:lnL w="9525" cap="flat" cmpd="sng" algn="ctr">
+                      <a:solidFill>
+                        <a:srgbClr val="999999"/>
+                      </a:solidFill>
+                      <a:prstDash val="solid"/>
+                      <a:round/>
+                      <a:headEnd type="none" w="med" len="med"/>
+                      <a:tailEnd type="none" w="med" len="med"/>
+                    </a:lnL>
+                    <a:lnR w="9525" cap="flat" cmpd="sng" algn="ctr">
+                      <a:solidFill>
+                        <a:srgbClr val="999999"/>
+                      </a:solidFill>
+                      <a:prstDash val="solid"/>
+                      <a:round/>
+                      <a:headEnd type="none" w="med" len="med"/>
+                      <a:tailEnd type="none" w="med" len="med"/>
+                    </a:lnR>
+                    <a:lnT w="9525" cap="flat" cmpd="sng" algn="ctr">
+                      <a:solidFill>
+                        <a:srgbClr val="999999"/>
+                      </a:solidFill>
+                      <a:prstDash val="solid"/>
+                      <a:round/>
+                      <a:headEnd type="none" w="med" len="med"/>
+                      <a:tailEnd type="none" w="med" len="med"/>
+                    </a:lnT>
+                    <a:lnB w="9525" cap="flat" cmpd="sng" algn="ctr">
+                      <a:solidFill>
+                        <a:srgbClr val="999999"/>
+                      </a:solidFill>
+                      <a:prstDash val="solid"/>
+                      <a:round/>
+                      <a:headEnd type="none" w="med" len="med"/>
+                      <a:tailEnd type="none" w="med" len="med"/>
+                    </a:lnB>
+                  </a:tcPr>
+                </a:tc>
+                <a:tc>
+                  <a:txBody>
+                    <a:bodyPr/>
+                    <a:lstStyle/>
+                    <a:p>
+                      <a:pPr algn="r">
+                        <a:lnSpc>
+                          <a:spcPct val="100000"/>
+                        </a:lnSpc>
+                      </a:pPr>
+                      <a:r>
+                        <a:rPr lang="en-US" altLang="zh-CN" sz="2000" b="0" i="0" spc="0" dirty="0">
+                          <a:solidFill>
+                            <a:srgbClr val="4CC2EE"/>
+                          </a:solidFill>
+                          <a:effectLst/>
+                          <a:latin typeface="-apple-system"/>
+                        </a:rPr>
+                        <a:t>-0.4155</a:t>
+                      </a:r>
+                      <a:endParaRPr lang="zh-CN" altLang="en-US" sz="2000" dirty="0">
+                        <a:effectLst/>
+                      </a:endParaRPr>
+                    </a:p>
+                  </a:txBody>
+                  <a:tcPr marL="30246" marR="30246" marT="30246" marB="22684" anchor="ctr">
+                    <a:lnL w="9525" cap="flat" cmpd="sng" algn="ctr">
+                      <a:solidFill>
+                        <a:srgbClr val="999999"/>
+                      </a:solidFill>
+                      <a:prstDash val="solid"/>
+                      <a:round/>
+                      <a:headEnd type="none" w="med" len="med"/>
+                      <a:tailEnd type="none" w="med" len="med"/>
+                    </a:lnL>
+                    <a:lnR w="9525" cap="flat" cmpd="sng" algn="ctr">
+                      <a:solidFill>
+                        <a:srgbClr val="999999"/>
+                      </a:solidFill>
+                      <a:prstDash val="solid"/>
+                      <a:round/>
+                      <a:headEnd type="none" w="med" len="med"/>
+                      <a:tailEnd type="none" w="med" len="med"/>
+                    </a:lnR>
+                    <a:lnT w="9525" cap="flat" cmpd="sng" algn="ctr">
+                      <a:solidFill>
+                        <a:srgbClr val="999999"/>
+                      </a:solidFill>
+                      <a:prstDash val="solid"/>
+                      <a:round/>
+                      <a:headEnd type="none" w="med" len="med"/>
+                      <a:tailEnd type="none" w="med" len="med"/>
+                    </a:lnT>
+                    <a:lnB w="9525" cap="flat" cmpd="sng" algn="ctr">
+                      <a:solidFill>
+                        <a:srgbClr val="999999"/>
+                      </a:solidFill>
+                      <a:prstDash val="solid"/>
+                      <a:round/>
+                      <a:headEnd type="none" w="med" len="med"/>
+                      <a:tailEnd type="none" w="med" len="med"/>
+                    </a:lnB>
+                  </a:tcPr>
+                </a:tc>
+                <a:tc>
+                  <a:txBody>
+                    <a:bodyPr/>
+                    <a:lstStyle/>
+                    <a:p>
+                      <a:pPr algn="r">
+                        <a:lnSpc>
+                          <a:spcPct val="100000"/>
+                        </a:lnSpc>
+                      </a:pPr>
+                      <a:endParaRPr lang="zh-CN" altLang="en-US" sz="2000" dirty="0">
+                        <a:effectLst/>
+                      </a:endParaRPr>
+                    </a:p>
+                  </a:txBody>
+                  <a:tcPr marL="30246" marR="30246" marT="30246" marB="22684" anchor="ctr">
+                    <a:lnL w="9525" cap="flat" cmpd="sng" algn="ctr">
+                      <a:solidFill>
+                        <a:srgbClr val="999999"/>
+                      </a:solidFill>
+                      <a:prstDash val="solid"/>
+                      <a:round/>
+                      <a:headEnd type="none" w="med" len="med"/>
+                      <a:tailEnd type="none" w="med" len="med"/>
+                    </a:lnL>
+                    <a:lnR w="9525" cap="flat" cmpd="sng" algn="ctr">
+                      <a:solidFill>
+                        <a:srgbClr val="999999"/>
+                      </a:solidFill>
+                      <a:prstDash val="solid"/>
+                      <a:round/>
+                      <a:headEnd type="none" w="med" len="med"/>
+                      <a:tailEnd type="none" w="med" len="med"/>
+                    </a:lnR>
+                    <a:lnT w="9525" cap="flat" cmpd="sng" algn="ctr">
+                      <a:solidFill>
+                        <a:srgbClr val="999999"/>
+                      </a:solidFill>
+                      <a:prstDash val="solid"/>
+                      <a:round/>
+                      <a:headEnd type="none" w="med" len="med"/>
+                      <a:tailEnd type="none" w="med" len="med"/>
+                    </a:lnT>
+                    <a:lnB w="9525" cap="flat" cmpd="sng" algn="ctr">
+                      <a:solidFill>
+                        <a:srgbClr val="999999"/>
+                      </a:solidFill>
+                      <a:prstDash val="solid"/>
+                      <a:round/>
+                      <a:headEnd type="none" w="med" len="med"/>
+                      <a:tailEnd type="none" w="med" len="med"/>
+                    </a:lnB>
+                  </a:tcPr>
+                </a:tc>
+                <a:extLst>
+                  <a:ext uri="{0D108BD9-81ED-4DB2-BD59-A6C34878D82A}">
+                    <a16:rowId xmlns:a16="http://schemas.microsoft.com/office/drawing/2014/main" val="3436195504"/>
+                  </a:ext>
+                </a:extLst>
+              </a:tr>
+            </a:tbl>
+          </a:graphicData>
+        </a:graphic>
+      </p:graphicFrame>
+    </p:spTree>
+    <p:extLst>
+      <p:ext uri="{BB962C8B-B14F-4D97-AF65-F5344CB8AC3E}">
+        <p14:creationId xmlns:p14="http://schemas.microsoft.com/office/powerpoint/2010/main" val="4008599720"/>
+      </p:ext>
+    </p:extLst>
+  </p:cSld>
+  <p:clrMapOvr>
+    <a:masterClrMapping/>
+  </p:clrMapOvr>
+</p:sld>
+</file>
+
+<file path=ppt/slides/slide18.xml><?xml version="1.0" encoding="utf-8"?>
 <p:sld xmlns:a="http://schemas.openxmlformats.org/drawingml/2006/main" xmlns:r="http://schemas.openxmlformats.org/officeDocument/2006/relationships" xmlns:p="http://schemas.openxmlformats.org/presentationml/2006/main">
   <p:cSld>
     <p:spTree>
@@ -11730,7 +17037,7 @@
 </p:sld>
 </file>
 
-<file path=ppt/slides/slide17.xml><?xml version="1.0" encoding="utf-8"?>
+<file path=ppt/slides/slide19.xml><?xml version="1.0" encoding="utf-8"?>
 <p:sld xmlns:a="http://schemas.openxmlformats.org/drawingml/2006/main" xmlns:r="http://schemas.openxmlformats.org/officeDocument/2006/relationships" xmlns:p="http://schemas.openxmlformats.org/presentationml/2006/main">
   <p:cSld>
     <p:spTree>
@@ -20289,270 +25596,6 @@
 </p:sld>
 </file>
 
-<file path=ppt/slides/slide18.xml><?xml version="1.0" encoding="utf-8"?>
-<p:sld xmlns:a="http://schemas.openxmlformats.org/drawingml/2006/main" xmlns:r="http://schemas.openxmlformats.org/officeDocument/2006/relationships" xmlns:p="http://schemas.openxmlformats.org/presentationml/2006/main">
-  <p:cSld>
-    <p:spTree>
-      <p:nvGrpSpPr>
-        <p:cNvPr id="1" name=""/>
-        <p:cNvGrpSpPr/>
-        <p:nvPr/>
-      </p:nvGrpSpPr>
-      <p:grpSpPr>
-        <a:xfrm>
-          <a:off x="0" y="0"/>
-          <a:ext cx="0" cy="0"/>
-          <a:chOff x="0" y="0"/>
-          <a:chExt cx="0" cy="0"/>
-        </a:xfrm>
-      </p:grpSpPr>
-      <p:sp>
-        <p:nvSpPr>
-          <p:cNvPr id="2" name="标题 1">
-            <a:extLst>
-              <a:ext uri="{FF2B5EF4-FFF2-40B4-BE49-F238E27FC236}">
-                <a16:creationId xmlns:a16="http://schemas.microsoft.com/office/drawing/2014/main" id="{CBE93997-5BA1-4860-AB87-129CA3D5F385}"/>
-              </a:ext>
-            </a:extLst>
-          </p:cNvPr>
-          <p:cNvSpPr>
-            <a:spLocks noGrp="1"/>
-          </p:cNvSpPr>
-          <p:nvPr>
-            <p:ph type="title"/>
-          </p:nvPr>
-        </p:nvSpPr>
-        <p:spPr/>
-        <p:txBody>
-          <a:bodyPr/>
-          <a:lstStyle/>
-          <a:p>
-            <a:r>
-              <a:rPr lang="zh-CN" altLang="en-US" dirty="0"/>
-              <a:t>存在疑问</a:t>
-            </a:r>
-          </a:p>
-        </p:txBody>
-      </p:sp>
-      <p:sp>
-        <p:nvSpPr>
-          <p:cNvPr id="3" name="内容占位符 2">
-            <a:extLst>
-              <a:ext uri="{FF2B5EF4-FFF2-40B4-BE49-F238E27FC236}">
-                <a16:creationId xmlns:a16="http://schemas.microsoft.com/office/drawing/2014/main" id="{401B19B8-C71C-49AD-ABC2-60AA872356B6}"/>
-              </a:ext>
-            </a:extLst>
-          </p:cNvPr>
-          <p:cNvSpPr>
-            <a:spLocks noGrp="1"/>
-          </p:cNvSpPr>
-          <p:nvPr>
-            <p:ph idx="1"/>
-          </p:nvPr>
-        </p:nvSpPr>
-        <p:spPr>
-          <a:xfrm>
-            <a:off x="838200" y="2038689"/>
-            <a:ext cx="10515600" cy="4351338"/>
-          </a:xfrm>
-        </p:spPr>
-        <p:txBody>
-          <a:bodyPr/>
-          <a:lstStyle/>
-          <a:p>
-            <a:pPr>
-              <a:buFont typeface="Wingdings" panose="05000000000000000000" pitchFamily="2" charset="2"/>
-              <a:buChar char="Ø"/>
-            </a:pPr>
-            <a:r>
-              <a:rPr lang="zh-CN" altLang="en-US" dirty="0"/>
-              <a:t>对于每天一个的</a:t>
-            </a:r>
-            <a:r>
-              <a:rPr lang="en-US" altLang="zh-CN" dirty="0" err="1"/>
-              <a:t>cio</a:t>
-            </a:r>
-            <a:r>
-              <a:rPr lang="zh-CN" altLang="en-US" dirty="0"/>
-              <a:t>数据，是否能和所有空间点上的降水量都相关，或者相关度很高。</a:t>
-            </a:r>
-            <a:endParaRPr lang="en-US" altLang="zh-CN" dirty="0"/>
-          </a:p>
-          <a:p>
-            <a:pPr>
-              <a:buFont typeface="Wingdings" panose="05000000000000000000" pitchFamily="2" charset="2"/>
-              <a:buChar char="Ø"/>
-            </a:pPr>
-            <a:r>
-              <a:rPr lang="zh-CN" altLang="en-US" dirty="0"/>
-              <a:t>因为第一个问题，所以，我认为有些点是不可预测的。</a:t>
-            </a:r>
-            <a:endParaRPr lang="en-US" altLang="zh-CN" dirty="0"/>
-          </a:p>
-          <a:p>
-            <a:pPr>
-              <a:buFont typeface="Wingdings" panose="05000000000000000000" pitchFamily="2" charset="2"/>
-              <a:buChar char="Ø"/>
-            </a:pPr>
-            <a:r>
-              <a:rPr lang="zh-CN" altLang="en-US" dirty="0"/>
-              <a:t>降水量数据过小，我认为会影响预测</a:t>
-            </a:r>
-            <a:endParaRPr lang="en-US" altLang="zh-CN" dirty="0"/>
-          </a:p>
-          <a:p>
-            <a:pPr>
-              <a:buFont typeface="Wingdings" panose="05000000000000000000" pitchFamily="2" charset="2"/>
-              <a:buChar char="Ø"/>
-            </a:pPr>
-            <a:r>
-              <a:rPr lang="zh-CN" altLang="en-US" dirty="0"/>
-              <a:t>在空间点中，存在很多点，连续几十天，甚至几年都没有降水，我认为这种点没有预测的必要</a:t>
-            </a:r>
-            <a:endParaRPr lang="en-US" altLang="zh-CN" dirty="0"/>
-          </a:p>
-          <a:p>
-            <a:pPr>
-              <a:buFont typeface="Wingdings" panose="05000000000000000000" pitchFamily="2" charset="2"/>
-              <a:buChar char="Ø"/>
-            </a:pPr>
-            <a:r>
-              <a:rPr lang="zh-CN" altLang="en-US" dirty="0"/>
-              <a:t>对于数据，和模型，请问老师们有什么好的建议吗？</a:t>
-            </a:r>
-          </a:p>
-        </p:txBody>
-      </p:sp>
-    </p:spTree>
-    <p:extLst>
-      <p:ext uri="{BB962C8B-B14F-4D97-AF65-F5344CB8AC3E}">
-        <p14:creationId xmlns:p14="http://schemas.microsoft.com/office/powerpoint/2010/main" val="1919309"/>
-      </p:ext>
-    </p:extLst>
-  </p:cSld>
-  <p:clrMapOvr>
-    <a:masterClrMapping/>
-  </p:clrMapOvr>
-</p:sld>
-</file>
-
-<file path=ppt/slides/slide19.xml><?xml version="1.0" encoding="utf-8"?>
-<p:sld xmlns:a="http://schemas.openxmlformats.org/drawingml/2006/main" xmlns:r="http://schemas.openxmlformats.org/officeDocument/2006/relationships" xmlns:p="http://schemas.openxmlformats.org/presentationml/2006/main">
-  <p:cSld>
-    <p:spTree>
-      <p:nvGrpSpPr>
-        <p:cNvPr id="1" name=""/>
-        <p:cNvGrpSpPr/>
-        <p:nvPr/>
-      </p:nvGrpSpPr>
-      <p:grpSpPr>
-        <a:xfrm>
-          <a:off x="0" y="0"/>
-          <a:ext cx="0" cy="0"/>
-          <a:chOff x="0" y="0"/>
-          <a:chExt cx="0" cy="0"/>
-        </a:xfrm>
-      </p:grpSpPr>
-      <p:sp>
-        <p:nvSpPr>
-          <p:cNvPr id="2" name="标题 1">
-            <a:extLst>
-              <a:ext uri="{FF2B5EF4-FFF2-40B4-BE49-F238E27FC236}">
-                <a16:creationId xmlns:a16="http://schemas.microsoft.com/office/drawing/2014/main" id="{651F13E7-1BCA-4C8A-8265-A9607AAC2190}"/>
-              </a:ext>
-            </a:extLst>
-          </p:cNvPr>
-          <p:cNvSpPr>
-            <a:spLocks noGrp="1"/>
-          </p:cNvSpPr>
-          <p:nvPr>
-            <p:ph type="title"/>
-          </p:nvPr>
-        </p:nvSpPr>
-        <p:spPr/>
-        <p:txBody>
-          <a:bodyPr/>
-          <a:lstStyle/>
-          <a:p>
-            <a:r>
-              <a:rPr lang="zh-CN" altLang="en-US" dirty="0"/>
-              <a:t>实验中的疑问</a:t>
-            </a:r>
-          </a:p>
-        </p:txBody>
-      </p:sp>
-      <p:sp>
-        <p:nvSpPr>
-          <p:cNvPr id="3" name="内容占位符 2">
-            <a:extLst>
-              <a:ext uri="{FF2B5EF4-FFF2-40B4-BE49-F238E27FC236}">
-                <a16:creationId xmlns:a16="http://schemas.microsoft.com/office/drawing/2014/main" id="{9205A5D6-DEBF-4EC0-8060-DD67C79F61B5}"/>
-              </a:ext>
-            </a:extLst>
-          </p:cNvPr>
-          <p:cNvSpPr>
-            <a:spLocks noGrp="1"/>
-          </p:cNvSpPr>
-          <p:nvPr>
-            <p:ph idx="1"/>
-          </p:nvPr>
-        </p:nvSpPr>
-        <p:spPr/>
-        <p:txBody>
-          <a:bodyPr/>
-          <a:lstStyle/>
-          <a:p>
-            <a:pPr>
-              <a:buFont typeface="Wingdings" panose="05000000000000000000" pitchFamily="2" charset="2"/>
-              <a:buChar char="Ø"/>
-            </a:pPr>
-            <a:r>
-              <a:rPr lang="zh-CN" altLang="en-US" dirty="0"/>
-              <a:t>很多点预测出来是高的负相关</a:t>
-            </a:r>
-            <a:endParaRPr lang="en-US" altLang="zh-CN" dirty="0"/>
-          </a:p>
-          <a:p>
-            <a:pPr>
-              <a:buFont typeface="Wingdings" panose="05000000000000000000" pitchFamily="2" charset="2"/>
-              <a:buChar char="Ø"/>
-            </a:pPr>
-            <a:r>
-              <a:rPr lang="zh-CN" altLang="en-US" dirty="0"/>
-              <a:t>输入输出都是</a:t>
-            </a:r>
-            <a:r>
-              <a:rPr lang="en-US" altLang="zh-CN" dirty="0"/>
-              <a:t>[0,1]</a:t>
-            </a:r>
-            <a:r>
-              <a:rPr lang="zh-CN" altLang="en-US" dirty="0"/>
-              <a:t>归一化的值，为什么预测出来有负值</a:t>
-            </a:r>
-            <a:endParaRPr lang="en-US" altLang="zh-CN" dirty="0"/>
-          </a:p>
-          <a:p>
-            <a:pPr>
-              <a:buFont typeface="Wingdings" panose="05000000000000000000" pitchFamily="2" charset="2"/>
-              <a:buChar char="Ø"/>
-            </a:pPr>
-            <a:endParaRPr lang="zh-CN" altLang="en-US" dirty="0"/>
-          </a:p>
-        </p:txBody>
-      </p:sp>
-    </p:spTree>
-    <p:extLst>
-      <p:ext uri="{BB962C8B-B14F-4D97-AF65-F5344CB8AC3E}">
-        <p14:creationId xmlns:p14="http://schemas.microsoft.com/office/powerpoint/2010/main" val="3574947753"/>
-      </p:ext>
-    </p:extLst>
-  </p:cSld>
-  <p:clrMapOvr>
-    <a:masterClrMapping/>
-  </p:clrMapOvr>
-</p:sld>
-</file>
-
 <file path=ppt/slides/slide2.xml><?xml version="1.0" encoding="utf-8"?>
 <p:sld xmlns:a="http://schemas.openxmlformats.org/drawingml/2006/main" xmlns:r="http://schemas.openxmlformats.org/officeDocument/2006/relationships" xmlns:p="http://schemas.openxmlformats.org/presentationml/2006/main">
   <p:cSld>
@@ -20824,6 +25867,1382 @@
 </file>
 
 <file path=ppt/slides/slide20.xml><?xml version="1.0" encoding="utf-8"?>
+<p:sld xmlns:a="http://schemas.openxmlformats.org/drawingml/2006/main" xmlns:r="http://schemas.openxmlformats.org/officeDocument/2006/relationships" xmlns:p="http://schemas.openxmlformats.org/presentationml/2006/main">
+  <p:cSld>
+    <p:spTree>
+      <p:nvGrpSpPr>
+        <p:cNvPr id="1" name=""/>
+        <p:cNvGrpSpPr/>
+        <p:nvPr/>
+      </p:nvGrpSpPr>
+      <p:grpSpPr>
+        <a:xfrm>
+          <a:off x="0" y="0"/>
+          <a:ext cx="0" cy="0"/>
+          <a:chOff x="0" y="0"/>
+          <a:chExt cx="0" cy="0"/>
+        </a:xfrm>
+      </p:grpSpPr>
+      <p:sp>
+        <p:nvSpPr>
+          <p:cNvPr id="2" name="标题 1">
+            <a:extLst>
+              <a:ext uri="{FF2B5EF4-FFF2-40B4-BE49-F238E27FC236}">
+                <a16:creationId xmlns:a16="http://schemas.microsoft.com/office/drawing/2014/main" id="{FF9A5B25-5BD0-4968-9AF5-C2754C5B0249}"/>
+              </a:ext>
+            </a:extLst>
+          </p:cNvPr>
+          <p:cNvSpPr>
+            <a:spLocks noGrp="1"/>
+          </p:cNvSpPr>
+          <p:nvPr>
+            <p:ph type="title"/>
+          </p:nvPr>
+        </p:nvSpPr>
+        <p:spPr/>
+        <p:txBody>
+          <a:bodyPr/>
+          <a:lstStyle/>
+          <a:p>
+            <a:r>
+              <a:rPr lang="zh-CN" altLang="en-US" dirty="0"/>
+              <a:t>附加</a:t>
+            </a:r>
+          </a:p>
+        </p:txBody>
+      </p:sp>
+      <p:sp>
+        <p:nvSpPr>
+          <p:cNvPr id="3" name="内容占位符 2">
+            <a:extLst>
+              <a:ext uri="{FF2B5EF4-FFF2-40B4-BE49-F238E27FC236}">
+                <a16:creationId xmlns:a16="http://schemas.microsoft.com/office/drawing/2014/main" id="{ACEA5577-606A-4AFD-B50B-DC7FCEC09EFC}"/>
+              </a:ext>
+            </a:extLst>
+          </p:cNvPr>
+          <p:cNvSpPr>
+            <a:spLocks noGrp="1"/>
+          </p:cNvSpPr>
+          <p:nvPr>
+            <p:ph idx="1"/>
+          </p:nvPr>
+        </p:nvSpPr>
+        <p:spPr>
+          <a:xfrm>
+            <a:off x="838200" y="1825625"/>
+            <a:ext cx="10515600" cy="4351338"/>
+          </a:xfrm>
+        </p:spPr>
+        <p:txBody>
+          <a:bodyPr/>
+          <a:lstStyle/>
+          <a:p>
+            <a:r>
+              <a:rPr lang="zh-CN" altLang="en-US" dirty="0"/>
+              <a:t>数据处理</a:t>
+            </a:r>
+            <a:endParaRPr lang="en-US" altLang="zh-CN" dirty="0"/>
+          </a:p>
+          <a:p>
+            <a:endParaRPr lang="zh-CN" altLang="en-US" dirty="0"/>
+          </a:p>
+        </p:txBody>
+      </p:sp>
+      <p:pic>
+        <p:nvPicPr>
+          <p:cNvPr id="1026" name="Picture 2">
+            <a:extLst>
+              <a:ext uri="{FF2B5EF4-FFF2-40B4-BE49-F238E27FC236}">
+                <a16:creationId xmlns:a16="http://schemas.microsoft.com/office/drawing/2014/main" id="{4ADDFFE2-826D-4937-85D4-C88CB2D677E5}"/>
+              </a:ext>
+            </a:extLst>
+          </p:cNvPr>
+          <p:cNvPicPr>
+            <a:picLocks noChangeAspect="1" noChangeArrowheads="1"/>
+          </p:cNvPicPr>
+          <p:nvPr/>
+        </p:nvPicPr>
+        <p:blipFill>
+          <a:blip r:embed="rId2">
+            <a:extLst>
+              <a:ext uri="{28A0092B-C50C-407E-A947-70E740481C1C}">
+                <a14:useLocalDpi xmlns:a14="http://schemas.microsoft.com/office/drawing/2010/main" val="0"/>
+              </a:ext>
+            </a:extLst>
+          </a:blip>
+          <a:srcRect/>
+          <a:stretch>
+            <a:fillRect/>
+          </a:stretch>
+        </p:blipFill>
+        <p:spPr bwMode="auto">
+          <a:xfrm>
+            <a:off x="234131" y="2528327"/>
+            <a:ext cx="5329127" cy="3648635"/>
+          </a:xfrm>
+          <a:prstGeom prst="rect">
+            <a:avLst/>
+          </a:prstGeom>
+          <a:noFill/>
+          <a:extLst>
+            <a:ext uri="{909E8E84-426E-40DD-AFC4-6F175D3DCCD1}">
+              <a14:hiddenFill xmlns:a14="http://schemas.microsoft.com/office/drawing/2010/main">
+                <a:solidFill>
+                  <a:srgbClr val="FFFFFF"/>
+                </a:solidFill>
+              </a14:hiddenFill>
+            </a:ext>
+          </a:extLst>
+        </p:spPr>
+      </p:pic>
+      <p:pic>
+        <p:nvPicPr>
+          <p:cNvPr id="1028" name="Picture 4">
+            <a:extLst>
+              <a:ext uri="{FF2B5EF4-FFF2-40B4-BE49-F238E27FC236}">
+                <a16:creationId xmlns:a16="http://schemas.microsoft.com/office/drawing/2014/main" id="{D8A7BB95-3600-4DA9-98B4-C5C46ECB028A}"/>
+              </a:ext>
+            </a:extLst>
+          </p:cNvPr>
+          <p:cNvPicPr>
+            <a:picLocks noChangeAspect="1" noChangeArrowheads="1"/>
+          </p:cNvPicPr>
+          <p:nvPr/>
+        </p:nvPicPr>
+        <p:blipFill>
+          <a:blip r:embed="rId3">
+            <a:extLst>
+              <a:ext uri="{28A0092B-C50C-407E-A947-70E740481C1C}">
+                <a14:useLocalDpi xmlns:a14="http://schemas.microsoft.com/office/drawing/2010/main" val="0"/>
+              </a:ext>
+            </a:extLst>
+          </a:blip>
+          <a:srcRect/>
+          <a:stretch>
+            <a:fillRect/>
+          </a:stretch>
+        </p:blipFill>
+        <p:spPr bwMode="auto">
+          <a:xfrm>
+            <a:off x="5563258" y="2528328"/>
+            <a:ext cx="5790542" cy="3964547"/>
+          </a:xfrm>
+          <a:prstGeom prst="rect">
+            <a:avLst/>
+          </a:prstGeom>
+          <a:noFill/>
+          <a:extLst>
+            <a:ext uri="{909E8E84-426E-40DD-AFC4-6F175D3DCCD1}">
+              <a14:hiddenFill xmlns:a14="http://schemas.microsoft.com/office/drawing/2010/main">
+                <a:solidFill>
+                  <a:srgbClr val="FFFFFF"/>
+                </a:solidFill>
+              </a14:hiddenFill>
+            </a:ext>
+          </a:extLst>
+        </p:spPr>
+      </p:pic>
+    </p:spTree>
+    <p:extLst>
+      <p:ext uri="{BB962C8B-B14F-4D97-AF65-F5344CB8AC3E}">
+        <p14:creationId xmlns:p14="http://schemas.microsoft.com/office/powerpoint/2010/main" val="313243148"/>
+      </p:ext>
+    </p:extLst>
+  </p:cSld>
+  <p:clrMapOvr>
+    <a:masterClrMapping/>
+  </p:clrMapOvr>
+</p:sld>
+</file>
+
+<file path=ppt/slides/slide21.xml><?xml version="1.0" encoding="utf-8"?>
+<p:sld xmlns:a="http://schemas.openxmlformats.org/drawingml/2006/main" xmlns:r="http://schemas.openxmlformats.org/officeDocument/2006/relationships" xmlns:p="http://schemas.openxmlformats.org/presentationml/2006/main">
+  <p:cSld>
+    <p:spTree>
+      <p:nvGrpSpPr>
+        <p:cNvPr id="1" name=""/>
+        <p:cNvGrpSpPr/>
+        <p:nvPr/>
+      </p:nvGrpSpPr>
+      <p:grpSpPr>
+        <a:xfrm>
+          <a:off x="0" y="0"/>
+          <a:ext cx="0" cy="0"/>
+          <a:chOff x="0" y="0"/>
+          <a:chExt cx="0" cy="0"/>
+        </a:xfrm>
+      </p:grpSpPr>
+      <p:sp>
+        <p:nvSpPr>
+          <p:cNvPr id="2" name="标题 1">
+            <a:extLst>
+              <a:ext uri="{FF2B5EF4-FFF2-40B4-BE49-F238E27FC236}">
+                <a16:creationId xmlns:a16="http://schemas.microsoft.com/office/drawing/2014/main" id="{FF9A5B25-5BD0-4968-9AF5-C2754C5B0249}"/>
+              </a:ext>
+            </a:extLst>
+          </p:cNvPr>
+          <p:cNvSpPr>
+            <a:spLocks noGrp="1"/>
+          </p:cNvSpPr>
+          <p:nvPr>
+            <p:ph type="title"/>
+          </p:nvPr>
+        </p:nvSpPr>
+        <p:spPr/>
+        <p:txBody>
+          <a:bodyPr/>
+          <a:lstStyle/>
+          <a:p>
+            <a:r>
+              <a:rPr lang="zh-CN" altLang="en-US" dirty="0"/>
+              <a:t>附加</a:t>
+            </a:r>
+          </a:p>
+        </p:txBody>
+      </p:sp>
+      <p:sp>
+        <p:nvSpPr>
+          <p:cNvPr id="3" name="内容占位符 2">
+            <a:extLst>
+              <a:ext uri="{FF2B5EF4-FFF2-40B4-BE49-F238E27FC236}">
+                <a16:creationId xmlns:a16="http://schemas.microsoft.com/office/drawing/2014/main" id="{ACEA5577-606A-4AFD-B50B-DC7FCEC09EFC}"/>
+              </a:ext>
+            </a:extLst>
+          </p:cNvPr>
+          <p:cNvSpPr>
+            <a:spLocks noGrp="1"/>
+          </p:cNvSpPr>
+          <p:nvPr>
+            <p:ph idx="1"/>
+          </p:nvPr>
+        </p:nvSpPr>
+        <p:spPr>
+          <a:xfrm>
+            <a:off x="838200" y="1825625"/>
+            <a:ext cx="10515600" cy="4351338"/>
+          </a:xfrm>
+        </p:spPr>
+        <p:txBody>
+          <a:bodyPr/>
+          <a:lstStyle/>
+          <a:p>
+            <a:r>
+              <a:rPr lang="zh-CN" altLang="en-US" dirty="0"/>
+              <a:t>结果</a:t>
+            </a:r>
+            <a:endParaRPr lang="en-US" altLang="zh-CN" dirty="0"/>
+          </a:p>
+          <a:p>
+            <a:endParaRPr lang="zh-CN" altLang="en-US" dirty="0"/>
+          </a:p>
+        </p:txBody>
+      </p:sp>
+      <p:pic>
+        <p:nvPicPr>
+          <p:cNvPr id="2050" name="Picture 2">
+            <a:extLst>
+              <a:ext uri="{FF2B5EF4-FFF2-40B4-BE49-F238E27FC236}">
+                <a16:creationId xmlns:a16="http://schemas.microsoft.com/office/drawing/2014/main" id="{C5C9063D-D0A1-4132-817D-4D6F1A49E42F}"/>
+              </a:ext>
+            </a:extLst>
+          </p:cNvPr>
+          <p:cNvPicPr>
+            <a:picLocks noChangeAspect="1" noChangeArrowheads="1"/>
+          </p:cNvPicPr>
+          <p:nvPr/>
+        </p:nvPicPr>
+        <p:blipFill>
+          <a:blip r:embed="rId2">
+            <a:extLst>
+              <a:ext uri="{28A0092B-C50C-407E-A947-70E740481C1C}">
+                <a14:useLocalDpi xmlns:a14="http://schemas.microsoft.com/office/drawing/2010/main" val="0"/>
+              </a:ext>
+            </a:extLst>
+          </a:blip>
+          <a:srcRect/>
+          <a:stretch>
+            <a:fillRect/>
+          </a:stretch>
+        </p:blipFill>
+        <p:spPr bwMode="auto">
+          <a:xfrm>
+            <a:off x="81364" y="1825624"/>
+            <a:ext cx="6014636" cy="4117975"/>
+          </a:xfrm>
+          <a:prstGeom prst="rect">
+            <a:avLst/>
+          </a:prstGeom>
+          <a:noFill/>
+          <a:extLst>
+            <a:ext uri="{909E8E84-426E-40DD-AFC4-6F175D3DCCD1}">
+              <a14:hiddenFill xmlns:a14="http://schemas.microsoft.com/office/drawing/2010/main">
+                <a:solidFill>
+                  <a:srgbClr val="FFFFFF"/>
+                </a:solidFill>
+              </a14:hiddenFill>
+            </a:ext>
+          </a:extLst>
+        </p:spPr>
+      </p:pic>
+      <p:pic>
+        <p:nvPicPr>
+          <p:cNvPr id="7" name="Picture 2">
+            <a:extLst>
+              <a:ext uri="{FF2B5EF4-FFF2-40B4-BE49-F238E27FC236}">
+                <a16:creationId xmlns:a16="http://schemas.microsoft.com/office/drawing/2014/main" id="{29E96789-5E7B-4123-A8AE-49EEDB59B5B5}"/>
+              </a:ext>
+            </a:extLst>
+          </p:cNvPr>
+          <p:cNvPicPr>
+            <a:picLocks noChangeAspect="1" noChangeArrowheads="1"/>
+          </p:cNvPicPr>
+          <p:nvPr/>
+        </p:nvPicPr>
+        <p:blipFill>
+          <a:blip r:embed="rId3">
+            <a:extLst>
+              <a:ext uri="{28A0092B-C50C-407E-A947-70E740481C1C}">
+                <a14:useLocalDpi xmlns:a14="http://schemas.microsoft.com/office/drawing/2010/main" val="0"/>
+              </a:ext>
+            </a:extLst>
+          </a:blip>
+          <a:srcRect/>
+          <a:stretch>
+            <a:fillRect/>
+          </a:stretch>
+        </p:blipFill>
+        <p:spPr bwMode="auto">
+          <a:xfrm>
+            <a:off x="6096000" y="1825625"/>
+            <a:ext cx="6014636" cy="4117975"/>
+          </a:xfrm>
+          <a:prstGeom prst="rect">
+            <a:avLst/>
+          </a:prstGeom>
+          <a:noFill/>
+          <a:extLst>
+            <a:ext uri="{909E8E84-426E-40DD-AFC4-6F175D3DCCD1}">
+              <a14:hiddenFill xmlns:a14="http://schemas.microsoft.com/office/drawing/2010/main">
+                <a:solidFill>
+                  <a:srgbClr val="FFFFFF"/>
+                </a:solidFill>
+              </a14:hiddenFill>
+            </a:ext>
+          </a:extLst>
+        </p:spPr>
+      </p:pic>
+    </p:spTree>
+    <p:extLst>
+      <p:ext uri="{BB962C8B-B14F-4D97-AF65-F5344CB8AC3E}">
+        <p14:creationId xmlns:p14="http://schemas.microsoft.com/office/powerpoint/2010/main" val="2384197014"/>
+      </p:ext>
+    </p:extLst>
+  </p:cSld>
+  <p:clrMapOvr>
+    <a:masterClrMapping/>
+  </p:clrMapOvr>
+</p:sld>
+</file>
+
+<file path=ppt/slides/slide22.xml><?xml version="1.0" encoding="utf-8"?>
+<p:sld xmlns:a="http://schemas.openxmlformats.org/drawingml/2006/main" xmlns:r="http://schemas.openxmlformats.org/officeDocument/2006/relationships" xmlns:p="http://schemas.openxmlformats.org/presentationml/2006/main">
+  <p:cSld>
+    <p:spTree>
+      <p:nvGrpSpPr>
+        <p:cNvPr id="1" name=""/>
+        <p:cNvGrpSpPr/>
+        <p:nvPr/>
+      </p:nvGrpSpPr>
+      <p:grpSpPr>
+        <a:xfrm>
+          <a:off x="0" y="0"/>
+          <a:ext cx="0" cy="0"/>
+          <a:chOff x="0" y="0"/>
+          <a:chExt cx="0" cy="0"/>
+        </a:xfrm>
+      </p:grpSpPr>
+      <p:sp>
+        <p:nvSpPr>
+          <p:cNvPr id="2" name="标题 1">
+            <a:extLst>
+              <a:ext uri="{FF2B5EF4-FFF2-40B4-BE49-F238E27FC236}">
+                <a16:creationId xmlns:a16="http://schemas.microsoft.com/office/drawing/2014/main" id="{BCD2ACE7-7C8D-4EFF-8EEC-859F90F85B24}"/>
+              </a:ext>
+            </a:extLst>
+          </p:cNvPr>
+          <p:cNvSpPr>
+            <a:spLocks noGrp="1"/>
+          </p:cNvSpPr>
+          <p:nvPr>
+            <p:ph type="title"/>
+          </p:nvPr>
+        </p:nvSpPr>
+        <p:spPr/>
+        <p:txBody>
+          <a:bodyPr/>
+          <a:lstStyle/>
+          <a:p>
+            <a:r>
+              <a:rPr lang="zh-CN" altLang="en-US" dirty="0"/>
+              <a:t>结果分析</a:t>
+            </a:r>
+          </a:p>
+        </p:txBody>
+      </p:sp>
+      <p:pic>
+        <p:nvPicPr>
+          <p:cNvPr id="5" name="内容占位符 4">
+            <a:extLst>
+              <a:ext uri="{FF2B5EF4-FFF2-40B4-BE49-F238E27FC236}">
+                <a16:creationId xmlns:a16="http://schemas.microsoft.com/office/drawing/2014/main" id="{4693DA98-E49A-4D46-A841-887438F619D9}"/>
+              </a:ext>
+            </a:extLst>
+          </p:cNvPr>
+          <p:cNvPicPr>
+            <a:picLocks noGrp="1" noChangeAspect="1"/>
+          </p:cNvPicPr>
+          <p:nvPr>
+            <p:ph idx="1"/>
+          </p:nvPr>
+        </p:nvPicPr>
+        <p:blipFill>
+          <a:blip r:embed="rId2">
+            <a:extLst>
+              <a:ext uri="{28A0092B-C50C-407E-A947-70E740481C1C}">
+                <a14:useLocalDpi xmlns:a14="http://schemas.microsoft.com/office/drawing/2010/main" val="0"/>
+              </a:ext>
+            </a:extLst>
+          </a:blip>
+          <a:stretch>
+            <a:fillRect/>
+          </a:stretch>
+        </p:blipFill>
+        <p:spPr>
+          <a:xfrm>
+            <a:off x="838200" y="2345597"/>
+            <a:ext cx="4725477" cy="3150318"/>
+          </a:xfrm>
+        </p:spPr>
+      </p:pic>
+      <p:pic>
+        <p:nvPicPr>
+          <p:cNvPr id="7" name="图片 6">
+            <a:extLst>
+              <a:ext uri="{FF2B5EF4-FFF2-40B4-BE49-F238E27FC236}">
+                <a16:creationId xmlns:a16="http://schemas.microsoft.com/office/drawing/2014/main" id="{AE886AC3-BD1A-42F8-AAC9-A6F6C0FF75B3}"/>
+              </a:ext>
+            </a:extLst>
+          </p:cNvPr>
+          <p:cNvPicPr>
+            <a:picLocks noChangeAspect="1"/>
+          </p:cNvPicPr>
+          <p:nvPr/>
+        </p:nvPicPr>
+        <p:blipFill>
+          <a:blip r:embed="rId3">
+            <a:extLst>
+              <a:ext uri="{28A0092B-C50C-407E-A947-70E740481C1C}">
+                <a14:useLocalDpi xmlns:a14="http://schemas.microsoft.com/office/drawing/2010/main" val="0"/>
+              </a:ext>
+            </a:extLst>
+          </a:blip>
+          <a:stretch>
+            <a:fillRect/>
+          </a:stretch>
+        </p:blipFill>
+        <p:spPr>
+          <a:xfrm>
+            <a:off x="6383098" y="2345597"/>
+            <a:ext cx="4725477" cy="3150318"/>
+          </a:xfrm>
+          <a:prstGeom prst="rect">
+            <a:avLst/>
+          </a:prstGeom>
+        </p:spPr>
+      </p:pic>
+      <p:sp>
+        <p:nvSpPr>
+          <p:cNvPr id="8" name="矩形 7">
+            <a:extLst>
+              <a:ext uri="{FF2B5EF4-FFF2-40B4-BE49-F238E27FC236}">
+                <a16:creationId xmlns:a16="http://schemas.microsoft.com/office/drawing/2014/main" id="{9253C0FB-076C-4985-AFAE-B6D42DC64034}"/>
+              </a:ext>
+            </a:extLst>
+          </p:cNvPr>
+          <p:cNvSpPr/>
+          <p:nvPr/>
+        </p:nvSpPr>
+        <p:spPr>
+          <a:xfrm>
+            <a:off x="2047417" y="5781492"/>
+            <a:ext cx="3004349" cy="461665"/>
+          </a:xfrm>
+          <a:prstGeom prst="rect">
+            <a:avLst/>
+          </a:prstGeom>
+        </p:spPr>
+        <p:txBody>
+          <a:bodyPr wrap="none">
+            <a:spAutoFit/>
+          </a:bodyPr>
+          <a:lstStyle/>
+          <a:p>
+            <a:r>
+              <a:rPr lang="zh-CN" altLang="en-US" sz="2400" dirty="0"/>
+              <a:t>0.5403956613047615</a:t>
+            </a:r>
+          </a:p>
+        </p:txBody>
+      </p:sp>
+      <p:sp>
+        <p:nvSpPr>
+          <p:cNvPr id="9" name="矩形 8">
+            <a:extLst>
+              <a:ext uri="{FF2B5EF4-FFF2-40B4-BE49-F238E27FC236}">
+                <a16:creationId xmlns:a16="http://schemas.microsoft.com/office/drawing/2014/main" id="{BE7B6FF4-DE29-4676-8BA5-5BE761FFFE55}"/>
+              </a:ext>
+            </a:extLst>
+          </p:cNvPr>
+          <p:cNvSpPr/>
+          <p:nvPr/>
+        </p:nvSpPr>
+        <p:spPr>
+          <a:xfrm>
+            <a:off x="7927293" y="5799523"/>
+            <a:ext cx="3004349" cy="461665"/>
+          </a:xfrm>
+          <a:prstGeom prst="rect">
+            <a:avLst/>
+          </a:prstGeom>
+        </p:spPr>
+        <p:txBody>
+          <a:bodyPr wrap="none">
+            <a:spAutoFit/>
+          </a:bodyPr>
+          <a:lstStyle/>
+          <a:p>
+            <a:r>
+              <a:rPr lang="zh-CN" altLang="en-US" sz="2400" dirty="0"/>
+              <a:t>0.2358102224603758</a:t>
+            </a:r>
+          </a:p>
+        </p:txBody>
+      </p:sp>
+    </p:spTree>
+    <p:extLst>
+      <p:ext uri="{BB962C8B-B14F-4D97-AF65-F5344CB8AC3E}">
+        <p14:creationId xmlns:p14="http://schemas.microsoft.com/office/powerpoint/2010/main" val="2467867990"/>
+      </p:ext>
+    </p:extLst>
+  </p:cSld>
+  <p:clrMapOvr>
+    <a:masterClrMapping/>
+  </p:clrMapOvr>
+</p:sld>
+</file>
+
+<file path=ppt/slides/slide23.xml><?xml version="1.0" encoding="utf-8"?>
+<p:sld xmlns:a="http://schemas.openxmlformats.org/drawingml/2006/main" xmlns:r="http://schemas.openxmlformats.org/officeDocument/2006/relationships" xmlns:p="http://schemas.openxmlformats.org/presentationml/2006/main">
+  <p:cSld>
+    <p:spTree>
+      <p:nvGrpSpPr>
+        <p:cNvPr id="1" name=""/>
+        <p:cNvGrpSpPr/>
+        <p:nvPr/>
+      </p:nvGrpSpPr>
+      <p:grpSpPr>
+        <a:xfrm>
+          <a:off x="0" y="0"/>
+          <a:ext cx="0" cy="0"/>
+          <a:chOff x="0" y="0"/>
+          <a:chExt cx="0" cy="0"/>
+        </a:xfrm>
+      </p:grpSpPr>
+      <p:sp>
+        <p:nvSpPr>
+          <p:cNvPr id="2" name="标题 1">
+            <a:extLst>
+              <a:ext uri="{FF2B5EF4-FFF2-40B4-BE49-F238E27FC236}">
+                <a16:creationId xmlns:a16="http://schemas.microsoft.com/office/drawing/2014/main" id="{BCD2ACE7-7C8D-4EFF-8EEC-859F90F85B24}"/>
+              </a:ext>
+            </a:extLst>
+          </p:cNvPr>
+          <p:cNvSpPr>
+            <a:spLocks noGrp="1"/>
+          </p:cNvSpPr>
+          <p:nvPr>
+            <p:ph type="title"/>
+          </p:nvPr>
+        </p:nvSpPr>
+        <p:spPr/>
+        <p:txBody>
+          <a:bodyPr/>
+          <a:lstStyle/>
+          <a:p>
+            <a:r>
+              <a:rPr lang="zh-CN" altLang="en-US" dirty="0"/>
+              <a:t>结果分析</a:t>
+            </a:r>
+          </a:p>
+        </p:txBody>
+      </p:sp>
+      <p:pic>
+        <p:nvPicPr>
+          <p:cNvPr id="8" name="内容占位符 7">
+            <a:extLst>
+              <a:ext uri="{FF2B5EF4-FFF2-40B4-BE49-F238E27FC236}">
+                <a16:creationId xmlns:a16="http://schemas.microsoft.com/office/drawing/2014/main" id="{B396870F-7F0C-4A24-BA08-261B2F90A00C}"/>
+              </a:ext>
+            </a:extLst>
+          </p:cNvPr>
+          <p:cNvPicPr>
+            <a:picLocks noGrp="1" noChangeAspect="1"/>
+          </p:cNvPicPr>
+          <p:nvPr>
+            <p:ph idx="1"/>
+          </p:nvPr>
+        </p:nvPicPr>
+        <p:blipFill>
+          <a:blip r:embed="rId2">
+            <a:extLst>
+              <a:ext uri="{28A0092B-C50C-407E-A947-70E740481C1C}">
+                <a14:useLocalDpi xmlns:a14="http://schemas.microsoft.com/office/drawing/2010/main" val="0"/>
+              </a:ext>
+            </a:extLst>
+          </a:blip>
+          <a:stretch>
+            <a:fillRect/>
+          </a:stretch>
+        </p:blipFill>
+        <p:spPr>
+          <a:xfrm>
+            <a:off x="1084368" y="1934403"/>
+            <a:ext cx="4725477" cy="3150318"/>
+          </a:xfrm>
+        </p:spPr>
+      </p:pic>
+      <p:pic>
+        <p:nvPicPr>
+          <p:cNvPr id="10" name="图片 9">
+            <a:extLst>
+              <a:ext uri="{FF2B5EF4-FFF2-40B4-BE49-F238E27FC236}">
+                <a16:creationId xmlns:a16="http://schemas.microsoft.com/office/drawing/2014/main" id="{FE8268B0-2654-4C2E-BA22-9138AB46D4EB}"/>
+              </a:ext>
+            </a:extLst>
+          </p:cNvPr>
+          <p:cNvPicPr>
+            <a:picLocks noChangeAspect="1"/>
+          </p:cNvPicPr>
+          <p:nvPr/>
+        </p:nvPicPr>
+        <p:blipFill>
+          <a:blip r:embed="rId3">
+            <a:extLst>
+              <a:ext uri="{28A0092B-C50C-407E-A947-70E740481C1C}">
+                <a14:useLocalDpi xmlns:a14="http://schemas.microsoft.com/office/drawing/2010/main" val="0"/>
+              </a:ext>
+            </a:extLst>
+          </a:blip>
+          <a:stretch>
+            <a:fillRect/>
+          </a:stretch>
+        </p:blipFill>
+        <p:spPr>
+          <a:xfrm>
+            <a:off x="6093537" y="1934403"/>
+            <a:ext cx="4877911" cy="3150318"/>
+          </a:xfrm>
+          <a:prstGeom prst="rect">
+            <a:avLst/>
+          </a:prstGeom>
+        </p:spPr>
+      </p:pic>
+      <p:sp>
+        <p:nvSpPr>
+          <p:cNvPr id="11" name="Rectangle 1">
+            <a:extLst>
+              <a:ext uri="{FF2B5EF4-FFF2-40B4-BE49-F238E27FC236}">
+                <a16:creationId xmlns:a16="http://schemas.microsoft.com/office/drawing/2014/main" id="{B347B57B-DA7F-42CE-9430-C5E80A65741D}"/>
+              </a:ext>
+            </a:extLst>
+          </p:cNvPr>
+          <p:cNvSpPr>
+            <a:spLocks noChangeArrowheads="1"/>
+          </p:cNvSpPr>
+          <p:nvPr/>
+        </p:nvSpPr>
+        <p:spPr bwMode="auto">
+          <a:xfrm>
+            <a:off x="1910281" y="5328436"/>
+            <a:ext cx="3530851" cy="369332"/>
+          </a:xfrm>
+          <a:prstGeom prst="rect">
+            <a:avLst/>
+          </a:prstGeom>
+          <a:solidFill>
+            <a:srgbClr val="FFFFFF"/>
+          </a:solidFill>
+          <a:ln>
+            <a:noFill/>
+          </a:ln>
+          <a:effectLst/>
+          <a:extLst>
+            <a:ext uri="{91240B29-F687-4F45-9708-019B960494DF}">
+              <a14:hiddenLine xmlns:a14="http://schemas.microsoft.com/office/drawing/2010/main" w="9525">
+                <a:solidFill>
+                  <a:schemeClr val="tx1"/>
+                </a:solidFill>
+                <a:miter lim="800000"/>
+                <a:headEnd/>
+                <a:tailEnd/>
+              </a14:hiddenLine>
+            </a:ext>
+            <a:ext uri="{AF507438-7753-43E0-B8FC-AC1667EBCBE1}">
+              <a14:hiddenEffects xmlns:a14="http://schemas.microsoft.com/office/drawing/2010/main">
+                <a:effectLst>
+                  <a:outerShdw dist="35921" dir="2700000" algn="ctr" rotWithShape="0">
+                    <a:schemeClr val="bg2"/>
+                  </a:outerShdw>
+                </a:effectLst>
+              </a14:hiddenEffects>
+            </a:ext>
+          </a:extLst>
+        </p:spPr>
+        <p:txBody>
+          <a:bodyPr vert="horz" wrap="square" lIns="0" tIns="0" rIns="0" bIns="0" numCol="1" anchor="ctr" anchorCtr="0" compatLnSpc="1">
+            <a:prstTxWarp prst="textNoShape">
+              <a:avLst/>
+            </a:prstTxWarp>
+            <a:spAutoFit/>
+          </a:bodyPr>
+          <a:lstStyle/>
+          <a:p>
+            <a:pPr marL="0" marR="0" lvl="0" indent="0" algn="l" defTabSz="914400" rtl="0" eaLnBrk="0" fontAlgn="base" latinLnBrk="0" hangingPunct="0">
+              <a:lnSpc>
+                <a:spcPct val="100000"/>
+              </a:lnSpc>
+              <a:spcBef>
+                <a:spcPct val="0"/>
+              </a:spcBef>
+              <a:spcAft>
+                <a:spcPct val="0"/>
+              </a:spcAft>
+              <a:buClrTx/>
+              <a:buSzTx/>
+              <a:buFontTx/>
+              <a:buNone/>
+              <a:tabLst/>
+            </a:pPr>
+            <a:r>
+              <a:rPr kumimoji="0" lang="zh-CN" altLang="zh-CN" sz="2400" b="0" i="0" u="none" strike="noStrike" cap="none" normalizeH="0" baseline="0" dirty="0">
+                <a:ln>
+                  <a:noFill/>
+                </a:ln>
+                <a:solidFill>
+                  <a:srgbClr val="000000"/>
+                </a:solidFill>
+                <a:effectLst/>
+                <a:ea typeface="Courier New" panose="02070309020205020404" pitchFamily="49" charset="0"/>
+              </a:rPr>
+              <a:t>0.004483495862727628</a:t>
+            </a:r>
+            <a:r>
+              <a:rPr kumimoji="0" lang="zh-CN" altLang="zh-CN" sz="2400" b="0" i="0" u="none" strike="noStrike" cap="none" normalizeH="0" baseline="0" dirty="0">
+                <a:ln>
+                  <a:noFill/>
+                </a:ln>
+                <a:solidFill>
+                  <a:schemeClr val="tx1"/>
+                </a:solidFill>
+                <a:effectLst/>
+              </a:rPr>
+              <a:t> </a:t>
+            </a:r>
+          </a:p>
+        </p:txBody>
+      </p:sp>
+      <p:sp>
+        <p:nvSpPr>
+          <p:cNvPr id="12" name="Rectangle 2">
+            <a:extLst>
+              <a:ext uri="{FF2B5EF4-FFF2-40B4-BE49-F238E27FC236}">
+                <a16:creationId xmlns:a16="http://schemas.microsoft.com/office/drawing/2014/main" id="{F08CD983-AFF0-4756-AA88-53F5053A1C85}"/>
+              </a:ext>
+            </a:extLst>
+          </p:cNvPr>
+          <p:cNvSpPr>
+            <a:spLocks noChangeArrowheads="1"/>
+          </p:cNvSpPr>
+          <p:nvPr/>
+        </p:nvSpPr>
+        <p:spPr bwMode="auto">
+          <a:xfrm>
+            <a:off x="-1032095" y="232367"/>
+            <a:ext cx="21355472" cy="153888"/>
+          </a:xfrm>
+          <a:prstGeom prst="rect">
+            <a:avLst/>
+          </a:prstGeom>
+          <a:solidFill>
+            <a:srgbClr val="FFFFFF"/>
+          </a:solidFill>
+          <a:ln>
+            <a:noFill/>
+          </a:ln>
+          <a:effectLst/>
+          <a:extLst>
+            <a:ext uri="{91240B29-F687-4F45-9708-019B960494DF}">
+              <a14:hiddenLine xmlns:a14="http://schemas.microsoft.com/office/drawing/2010/main" w="9525">
+                <a:solidFill>
+                  <a:schemeClr val="tx1"/>
+                </a:solidFill>
+                <a:miter lim="800000"/>
+                <a:headEnd/>
+                <a:tailEnd/>
+              </a14:hiddenLine>
+            </a:ext>
+            <a:ext uri="{AF507438-7753-43E0-B8FC-AC1667EBCBE1}">
+              <a14:hiddenEffects xmlns:a14="http://schemas.microsoft.com/office/drawing/2010/main">
+                <a:effectLst>
+                  <a:outerShdw dist="35921" dir="2700000" algn="ctr" rotWithShape="0">
+                    <a:schemeClr val="bg2"/>
+                  </a:outerShdw>
+                </a:effectLst>
+              </a14:hiddenEffects>
+            </a:ext>
+          </a:extLst>
+        </p:spPr>
+        <p:txBody>
+          <a:bodyPr vert="horz" wrap="square" lIns="0" tIns="0" rIns="0" bIns="0" numCol="1" anchor="ctr" anchorCtr="0" compatLnSpc="1">
+            <a:prstTxWarp prst="textNoShape">
+              <a:avLst/>
+            </a:prstTxWarp>
+            <a:spAutoFit/>
+          </a:bodyPr>
+          <a:lstStyle/>
+          <a:p>
+            <a:pPr marL="0" marR="0" lvl="0" indent="0" algn="l" defTabSz="914400" rtl="0" eaLnBrk="0" fontAlgn="base" latinLnBrk="0" hangingPunct="0">
+              <a:lnSpc>
+                <a:spcPct val="100000"/>
+              </a:lnSpc>
+              <a:spcBef>
+                <a:spcPct val="0"/>
+              </a:spcBef>
+              <a:spcAft>
+                <a:spcPct val="0"/>
+              </a:spcAft>
+              <a:buClrTx/>
+              <a:buSzTx/>
+              <a:buFontTx/>
+              <a:buNone/>
+              <a:tabLst/>
+            </a:pPr>
+            <a:r>
+              <a:rPr kumimoji="0" lang="zh-CN" altLang="zh-CN" sz="1000" b="0" i="0" u="none" strike="noStrike" cap="none" normalizeH="0" baseline="0" dirty="0">
+                <a:ln>
+                  <a:noFill/>
+                </a:ln>
+                <a:solidFill>
+                  <a:srgbClr val="000000"/>
+                </a:solidFill>
+                <a:effectLst/>
+                <a:latin typeface="Courier New" panose="02070309020205020404" pitchFamily="49" charset="0"/>
+                <a:cs typeface="Courier New" panose="02070309020205020404" pitchFamily="49" charset="0"/>
+              </a:rPr>
+              <a:t>-0.03128930978803778</a:t>
+            </a:r>
+            <a:r>
+              <a:rPr kumimoji="0" lang="zh-CN" altLang="zh-CN" sz="800" b="0" i="0" u="none" strike="noStrike" cap="none" normalizeH="0" baseline="0" dirty="0">
+                <a:ln>
+                  <a:noFill/>
+                </a:ln>
+                <a:solidFill>
+                  <a:schemeClr val="tx1"/>
+                </a:solidFill>
+                <a:effectLst/>
+              </a:rPr>
+              <a:t> </a:t>
+            </a:r>
+            <a:endParaRPr kumimoji="0" lang="zh-CN" altLang="zh-CN" sz="1800" b="0" i="0" u="none" strike="noStrike" cap="none" normalizeH="0" baseline="0" dirty="0">
+              <a:ln>
+                <a:noFill/>
+              </a:ln>
+              <a:solidFill>
+                <a:schemeClr val="tx1"/>
+              </a:solidFill>
+              <a:effectLst/>
+              <a:latin typeface="Arial" panose="020B0604020202020204" pitchFamily="34" charset="0"/>
+            </a:endParaRPr>
+          </a:p>
+        </p:txBody>
+      </p:sp>
+      <p:sp>
+        <p:nvSpPr>
+          <p:cNvPr id="13" name="Rectangle 3">
+            <a:extLst>
+              <a:ext uri="{FF2B5EF4-FFF2-40B4-BE49-F238E27FC236}">
+                <a16:creationId xmlns:a16="http://schemas.microsoft.com/office/drawing/2014/main" id="{AA19899C-AA38-4345-80B6-527533225B6B}"/>
+              </a:ext>
+            </a:extLst>
+          </p:cNvPr>
+          <p:cNvSpPr>
+            <a:spLocks noChangeArrowheads="1"/>
+          </p:cNvSpPr>
+          <p:nvPr/>
+        </p:nvSpPr>
+        <p:spPr bwMode="auto">
+          <a:xfrm>
+            <a:off x="7327272" y="5328436"/>
+            <a:ext cx="3316585" cy="369332"/>
+          </a:xfrm>
+          <a:prstGeom prst="rect">
+            <a:avLst/>
+          </a:prstGeom>
+          <a:solidFill>
+            <a:srgbClr val="FFFFFF"/>
+          </a:solidFill>
+          <a:ln>
+            <a:noFill/>
+          </a:ln>
+          <a:effectLst/>
+          <a:extLst>
+            <a:ext uri="{91240B29-F687-4F45-9708-019B960494DF}">
+              <a14:hiddenLine xmlns:a14="http://schemas.microsoft.com/office/drawing/2010/main" w="9525">
+                <a:solidFill>
+                  <a:schemeClr val="tx1"/>
+                </a:solidFill>
+                <a:miter lim="800000"/>
+                <a:headEnd/>
+                <a:tailEnd/>
+              </a14:hiddenLine>
+            </a:ext>
+            <a:ext uri="{AF507438-7753-43E0-B8FC-AC1667EBCBE1}">
+              <a14:hiddenEffects xmlns:a14="http://schemas.microsoft.com/office/drawing/2010/main">
+                <a:effectLst>
+                  <a:outerShdw dist="35921" dir="2700000" algn="ctr" rotWithShape="0">
+                    <a:schemeClr val="bg2"/>
+                  </a:outerShdw>
+                </a:effectLst>
+              </a14:hiddenEffects>
+            </a:ext>
+          </a:extLst>
+        </p:spPr>
+        <p:txBody>
+          <a:bodyPr vert="horz" wrap="square" lIns="0" tIns="0" rIns="0" bIns="0" numCol="1" anchor="ctr" anchorCtr="0" compatLnSpc="1">
+            <a:prstTxWarp prst="textNoShape">
+              <a:avLst/>
+            </a:prstTxWarp>
+            <a:spAutoFit/>
+          </a:bodyPr>
+          <a:lstStyle/>
+          <a:p>
+            <a:pPr marL="0" marR="0" lvl="0" indent="0" algn="l" defTabSz="914400" rtl="0" eaLnBrk="0" fontAlgn="base" latinLnBrk="0" hangingPunct="0">
+              <a:lnSpc>
+                <a:spcPct val="100000"/>
+              </a:lnSpc>
+              <a:spcBef>
+                <a:spcPct val="0"/>
+              </a:spcBef>
+              <a:spcAft>
+                <a:spcPct val="0"/>
+              </a:spcAft>
+              <a:buClrTx/>
+              <a:buSzTx/>
+              <a:buFontTx/>
+              <a:buNone/>
+              <a:tabLst/>
+            </a:pPr>
+            <a:r>
+              <a:rPr kumimoji="0" lang="zh-CN" altLang="zh-CN" sz="2400" b="0" i="0" u="none" strike="noStrike" cap="none" normalizeH="0" baseline="0" dirty="0">
+                <a:ln>
+                  <a:noFill/>
+                </a:ln>
+                <a:solidFill>
+                  <a:srgbClr val="000000"/>
+                </a:solidFill>
+                <a:effectLst/>
+                <a:cs typeface="Courier New" panose="02070309020205020404" pitchFamily="49" charset="0"/>
+              </a:rPr>
+              <a:t>-0.03128930978803778</a:t>
+            </a:r>
+            <a:r>
+              <a:rPr kumimoji="0" lang="zh-CN" altLang="zh-CN" sz="2400" b="0" i="0" u="none" strike="noStrike" cap="none" normalizeH="0" baseline="0" dirty="0">
+                <a:ln>
+                  <a:noFill/>
+                </a:ln>
+                <a:solidFill>
+                  <a:schemeClr val="tx1"/>
+                </a:solidFill>
+                <a:effectLst/>
+              </a:rPr>
+              <a:t> </a:t>
+            </a:r>
+          </a:p>
+        </p:txBody>
+      </p:sp>
+      <p:sp>
+        <p:nvSpPr>
+          <p:cNvPr id="14" name="文本框 13">
+            <a:extLst>
+              <a:ext uri="{FF2B5EF4-FFF2-40B4-BE49-F238E27FC236}">
+                <a16:creationId xmlns:a16="http://schemas.microsoft.com/office/drawing/2014/main" id="{8F93A8B1-B068-4CE3-BECA-7E958A7B3180}"/>
+              </a:ext>
+            </a:extLst>
+          </p:cNvPr>
+          <p:cNvSpPr txBox="1"/>
+          <p:nvPr/>
+        </p:nvSpPr>
+        <p:spPr>
+          <a:xfrm>
+            <a:off x="1822976" y="6047714"/>
+            <a:ext cx="8541121" cy="369332"/>
+          </a:xfrm>
+          <a:prstGeom prst="rect">
+            <a:avLst/>
+          </a:prstGeom>
+          <a:noFill/>
+        </p:spPr>
+        <p:txBody>
+          <a:bodyPr wrap="none" rtlCol="0">
+            <a:spAutoFit/>
+          </a:bodyPr>
+          <a:lstStyle/>
+          <a:p>
+            <a:r>
+              <a:rPr lang="zh-CN" altLang="en-US" dirty="0"/>
+              <a:t>预测的结果和数据存在一定的关系，有的数据有利于预测，有的数据，会影响预测</a:t>
+            </a:r>
+          </a:p>
+        </p:txBody>
+      </p:sp>
+    </p:spTree>
+    <p:extLst>
+      <p:ext uri="{BB962C8B-B14F-4D97-AF65-F5344CB8AC3E}">
+        <p14:creationId xmlns:p14="http://schemas.microsoft.com/office/powerpoint/2010/main" val="629259367"/>
+      </p:ext>
+    </p:extLst>
+  </p:cSld>
+  <p:clrMapOvr>
+    <a:masterClrMapping/>
+  </p:clrMapOvr>
+</p:sld>
+</file>
+
+<file path=ppt/slides/slide24.xml><?xml version="1.0" encoding="utf-8"?>
+<p:sld xmlns:a="http://schemas.openxmlformats.org/drawingml/2006/main" xmlns:r="http://schemas.openxmlformats.org/officeDocument/2006/relationships" xmlns:p="http://schemas.openxmlformats.org/presentationml/2006/main">
+  <p:cSld>
+    <p:spTree>
+      <p:nvGrpSpPr>
+        <p:cNvPr id="1" name=""/>
+        <p:cNvGrpSpPr/>
+        <p:nvPr/>
+      </p:nvGrpSpPr>
+      <p:grpSpPr>
+        <a:xfrm>
+          <a:off x="0" y="0"/>
+          <a:ext cx="0" cy="0"/>
+          <a:chOff x="0" y="0"/>
+          <a:chExt cx="0" cy="0"/>
+        </a:xfrm>
+      </p:grpSpPr>
+      <p:sp>
+        <p:nvSpPr>
+          <p:cNvPr id="2" name="标题 1">
+            <a:extLst>
+              <a:ext uri="{FF2B5EF4-FFF2-40B4-BE49-F238E27FC236}">
+                <a16:creationId xmlns:a16="http://schemas.microsoft.com/office/drawing/2014/main" id="{3609DE8A-558A-44BB-AB30-C807F505F971}"/>
+              </a:ext>
+            </a:extLst>
+          </p:cNvPr>
+          <p:cNvSpPr>
+            <a:spLocks noGrp="1"/>
+          </p:cNvSpPr>
+          <p:nvPr>
+            <p:ph type="title"/>
+          </p:nvPr>
+        </p:nvSpPr>
+        <p:spPr/>
+        <p:txBody>
+          <a:bodyPr/>
+          <a:lstStyle/>
+          <a:p>
+            <a:r>
+              <a:rPr lang="zh-CN" altLang="en-US" dirty="0"/>
+              <a:t>存在疑问</a:t>
+            </a:r>
+            <a:endParaRPr lang="zh-CN" altLang="en-US" b="1" dirty="0"/>
+          </a:p>
+        </p:txBody>
+      </p:sp>
+      <p:pic>
+        <p:nvPicPr>
+          <p:cNvPr id="5" name="内容占位符 4">
+            <a:extLst>
+              <a:ext uri="{FF2B5EF4-FFF2-40B4-BE49-F238E27FC236}">
+                <a16:creationId xmlns:a16="http://schemas.microsoft.com/office/drawing/2014/main" id="{784FF20B-0C61-42CF-8EFA-ADE1C3BCE1C0}"/>
+              </a:ext>
+            </a:extLst>
+          </p:cNvPr>
+          <p:cNvPicPr>
+            <a:picLocks noGrp="1" noChangeAspect="1"/>
+          </p:cNvPicPr>
+          <p:nvPr>
+            <p:ph idx="1"/>
+          </p:nvPr>
+        </p:nvPicPr>
+        <p:blipFill>
+          <a:blip r:embed="rId2">
+            <a:extLst>
+              <a:ext uri="{28A0092B-C50C-407E-A947-70E740481C1C}">
+                <a14:useLocalDpi xmlns:a14="http://schemas.microsoft.com/office/drawing/2010/main" val="0"/>
+              </a:ext>
+            </a:extLst>
+          </a:blip>
+          <a:stretch>
+            <a:fillRect/>
+          </a:stretch>
+        </p:blipFill>
+        <p:spPr>
+          <a:xfrm>
+            <a:off x="628709" y="1690688"/>
+            <a:ext cx="5467290" cy="3644860"/>
+          </a:xfrm>
+        </p:spPr>
+      </p:pic>
+      <p:sp>
+        <p:nvSpPr>
+          <p:cNvPr id="6" name="矩形 5">
+            <a:extLst>
+              <a:ext uri="{FF2B5EF4-FFF2-40B4-BE49-F238E27FC236}">
+                <a16:creationId xmlns:a16="http://schemas.microsoft.com/office/drawing/2014/main" id="{4FF5BE10-98DF-43AB-A120-3E05850AA3C1}"/>
+              </a:ext>
+            </a:extLst>
+          </p:cNvPr>
+          <p:cNvSpPr/>
+          <p:nvPr/>
+        </p:nvSpPr>
+        <p:spPr>
+          <a:xfrm>
+            <a:off x="1963063" y="5761198"/>
+            <a:ext cx="2428870" cy="369332"/>
+          </a:xfrm>
+          <a:prstGeom prst="rect">
+            <a:avLst/>
+          </a:prstGeom>
+        </p:spPr>
+        <p:txBody>
+          <a:bodyPr wrap="none">
+            <a:spAutoFit/>
+          </a:bodyPr>
+          <a:lstStyle/>
+          <a:p>
+            <a:r>
+              <a:rPr lang="zh-CN" altLang="en-US" dirty="0"/>
+              <a:t>0.13384086399242973</a:t>
+            </a:r>
+          </a:p>
+        </p:txBody>
+      </p:sp>
+      <p:sp>
+        <p:nvSpPr>
+          <p:cNvPr id="7" name="文本框 6">
+            <a:extLst>
+              <a:ext uri="{FF2B5EF4-FFF2-40B4-BE49-F238E27FC236}">
+                <a16:creationId xmlns:a16="http://schemas.microsoft.com/office/drawing/2014/main" id="{35BFF6E6-06E1-4CD0-B5CE-BD66C4D7883A}"/>
+              </a:ext>
+            </a:extLst>
+          </p:cNvPr>
+          <p:cNvSpPr txBox="1"/>
+          <p:nvPr/>
+        </p:nvSpPr>
+        <p:spPr>
+          <a:xfrm>
+            <a:off x="6611045" y="2543622"/>
+            <a:ext cx="4952246" cy="1938992"/>
+          </a:xfrm>
+          <a:prstGeom prst="rect">
+            <a:avLst/>
+          </a:prstGeom>
+          <a:noFill/>
+        </p:spPr>
+        <p:txBody>
+          <a:bodyPr wrap="square" rtlCol="0">
+            <a:spAutoFit/>
+          </a:bodyPr>
+          <a:lstStyle/>
+          <a:p>
+            <a:r>
+              <a:rPr lang="zh-CN" altLang="en-US" sz="2400" dirty="0"/>
+              <a:t>看图中，基本将数据的趋势预测的差不多了，该高的高，该低的低，算出来皮尔森系数却很小，那么</a:t>
+            </a:r>
+            <a:endParaRPr lang="en-US" altLang="zh-CN" sz="2400" dirty="0"/>
+          </a:p>
+          <a:p>
+            <a:r>
+              <a:rPr lang="zh-CN" altLang="en-US" sz="2400" dirty="0"/>
+              <a:t>在这个问题中，单纯的用皮尔森系数衡量真的有效吗？</a:t>
+            </a:r>
+          </a:p>
+        </p:txBody>
+      </p:sp>
+    </p:spTree>
+    <p:extLst>
+      <p:ext uri="{BB962C8B-B14F-4D97-AF65-F5344CB8AC3E}">
+        <p14:creationId xmlns:p14="http://schemas.microsoft.com/office/powerpoint/2010/main" val="1785904651"/>
+      </p:ext>
+    </p:extLst>
+  </p:cSld>
+  <p:clrMapOvr>
+    <a:masterClrMapping/>
+  </p:clrMapOvr>
+</p:sld>
+</file>
+
+<file path=ppt/slides/slide25.xml><?xml version="1.0" encoding="utf-8"?>
+<p:sld xmlns:a="http://schemas.openxmlformats.org/drawingml/2006/main" xmlns:r="http://schemas.openxmlformats.org/officeDocument/2006/relationships" xmlns:p="http://schemas.openxmlformats.org/presentationml/2006/main">
+  <p:cSld>
+    <p:spTree>
+      <p:nvGrpSpPr>
+        <p:cNvPr id="1" name=""/>
+        <p:cNvGrpSpPr/>
+        <p:nvPr/>
+      </p:nvGrpSpPr>
+      <p:grpSpPr>
+        <a:xfrm>
+          <a:off x="0" y="0"/>
+          <a:ext cx="0" cy="0"/>
+          <a:chOff x="0" y="0"/>
+          <a:chExt cx="0" cy="0"/>
+        </a:xfrm>
+      </p:grpSpPr>
+      <p:sp>
+        <p:nvSpPr>
+          <p:cNvPr id="2" name="标题 1">
+            <a:extLst>
+              <a:ext uri="{FF2B5EF4-FFF2-40B4-BE49-F238E27FC236}">
+                <a16:creationId xmlns:a16="http://schemas.microsoft.com/office/drawing/2014/main" id="{CBE93997-5BA1-4860-AB87-129CA3D5F385}"/>
+              </a:ext>
+            </a:extLst>
+          </p:cNvPr>
+          <p:cNvSpPr>
+            <a:spLocks noGrp="1"/>
+          </p:cNvSpPr>
+          <p:nvPr>
+            <p:ph type="title"/>
+          </p:nvPr>
+        </p:nvSpPr>
+        <p:spPr/>
+        <p:txBody>
+          <a:bodyPr/>
+          <a:lstStyle/>
+          <a:p>
+            <a:r>
+              <a:rPr lang="zh-CN" altLang="en-US" dirty="0"/>
+              <a:t>存在疑问</a:t>
+            </a:r>
+          </a:p>
+        </p:txBody>
+      </p:sp>
+      <p:sp>
+        <p:nvSpPr>
+          <p:cNvPr id="3" name="内容占位符 2">
+            <a:extLst>
+              <a:ext uri="{FF2B5EF4-FFF2-40B4-BE49-F238E27FC236}">
+                <a16:creationId xmlns:a16="http://schemas.microsoft.com/office/drawing/2014/main" id="{401B19B8-C71C-49AD-ABC2-60AA872356B6}"/>
+              </a:ext>
+            </a:extLst>
+          </p:cNvPr>
+          <p:cNvSpPr>
+            <a:spLocks noGrp="1"/>
+          </p:cNvSpPr>
+          <p:nvPr>
+            <p:ph idx="1"/>
+          </p:nvPr>
+        </p:nvSpPr>
+        <p:spPr>
+          <a:xfrm>
+            <a:off x="838200" y="2038689"/>
+            <a:ext cx="10515600" cy="4351338"/>
+          </a:xfrm>
+        </p:spPr>
+        <p:txBody>
+          <a:bodyPr/>
+          <a:lstStyle/>
+          <a:p>
+            <a:pPr>
+              <a:buFont typeface="Wingdings" panose="05000000000000000000" pitchFamily="2" charset="2"/>
+              <a:buChar char="Ø"/>
+            </a:pPr>
+            <a:r>
+              <a:rPr lang="zh-CN" altLang="en-US" dirty="0"/>
+              <a:t>对于每天一个的</a:t>
+            </a:r>
+            <a:r>
+              <a:rPr lang="en-US" altLang="zh-CN" dirty="0" err="1"/>
+              <a:t>cio</a:t>
+            </a:r>
+            <a:r>
+              <a:rPr lang="zh-CN" altLang="en-US" dirty="0"/>
+              <a:t>数据，是否能和所有空间点上的降水量都相关，或者相关度很高。</a:t>
+            </a:r>
+            <a:endParaRPr lang="en-US" altLang="zh-CN" dirty="0"/>
+          </a:p>
+          <a:p>
+            <a:pPr>
+              <a:buFont typeface="Wingdings" panose="05000000000000000000" pitchFamily="2" charset="2"/>
+              <a:buChar char="Ø"/>
+            </a:pPr>
+            <a:r>
+              <a:rPr lang="zh-CN" altLang="en-US" dirty="0"/>
+              <a:t>有些点是不可预测的。</a:t>
+            </a:r>
+            <a:endParaRPr lang="en-US" altLang="zh-CN" dirty="0"/>
+          </a:p>
+          <a:p>
+            <a:pPr>
+              <a:buFont typeface="Wingdings" panose="05000000000000000000" pitchFamily="2" charset="2"/>
+              <a:buChar char="Ø"/>
+            </a:pPr>
+            <a:r>
+              <a:rPr lang="zh-CN" altLang="en-US" dirty="0"/>
+              <a:t>降水量数据过小，我认为会影响预测。</a:t>
+            </a:r>
+            <a:endParaRPr lang="en-US" altLang="zh-CN" dirty="0"/>
+          </a:p>
+          <a:p>
+            <a:pPr>
+              <a:buFont typeface="Wingdings" panose="05000000000000000000" pitchFamily="2" charset="2"/>
+              <a:buChar char="Ø"/>
+            </a:pPr>
+            <a:r>
+              <a:rPr lang="zh-CN" altLang="en-US" dirty="0"/>
+              <a:t>对于数据，和模型，请问老师们有什么好的建议吗？</a:t>
+            </a:r>
+            <a:endParaRPr lang="en-US" altLang="zh-CN" dirty="0"/>
+          </a:p>
+          <a:p>
+            <a:pPr>
+              <a:buFont typeface="Wingdings" panose="05000000000000000000" pitchFamily="2" charset="2"/>
+              <a:buChar char="Ø"/>
+            </a:pPr>
+            <a:endParaRPr lang="zh-CN" altLang="en-US" dirty="0"/>
+          </a:p>
+        </p:txBody>
+      </p:sp>
+    </p:spTree>
+    <p:extLst>
+      <p:ext uri="{BB962C8B-B14F-4D97-AF65-F5344CB8AC3E}">
+        <p14:creationId xmlns:p14="http://schemas.microsoft.com/office/powerpoint/2010/main" val="1919309"/>
+      </p:ext>
+    </p:extLst>
+  </p:cSld>
+  <p:clrMapOvr>
+    <a:masterClrMapping/>
+  </p:clrMapOvr>
+</p:sld>
+</file>
+
+<file path=ppt/slides/slide26.xml><?xml version="1.0" encoding="utf-8"?>
 <p:sld xmlns:a="http://schemas.openxmlformats.org/drawingml/2006/main" xmlns:r="http://schemas.openxmlformats.org/officeDocument/2006/relationships" xmlns:p="http://schemas.openxmlformats.org/presentationml/2006/main">
   <p:cSld>
     <p:spTree>
@@ -21016,24 +27435,64 @@
               <a:rPr lang="zh-CN" altLang="en-US" sz="2400" dirty="0"/>
               <a:t>、降水量数据，该数据为，每天每个空间点上各一个数据。该数据是有关降水量的数据。</a:t>
             </a:r>
-            <a:r>
-              <a:rPr lang="zh-CN" altLang="en-US" sz="2400" dirty="0">
-                <a:solidFill>
-                  <a:srgbClr val="FF0000"/>
-                </a:solidFill>
-              </a:rPr>
-              <a:t>说一下有多少空间点，年份。</a:t>
-            </a:r>
-            <a:endParaRPr lang="en-US" altLang="zh-CN" sz="2400" dirty="0">
-              <a:solidFill>
-                <a:srgbClr val="FF0000"/>
-              </a:solidFill>
-            </a:endParaRPr>
+            <a:endParaRPr lang="en-US" altLang="zh-CN" sz="2400" dirty="0"/>
           </a:p>
           <a:p>
             <a:pPr marL="0" indent="0">
               <a:buNone/>
             </a:pPr>
+            <a:r>
+              <a:rPr lang="en-US" altLang="zh-CN" sz="2400" dirty="0"/>
+              <a:t>3</a:t>
+            </a:r>
+            <a:r>
+              <a:rPr lang="zh-CN" altLang="en-US" sz="2400" dirty="0"/>
+              <a:t>、数据取得是</a:t>
+            </a:r>
+            <a:r>
+              <a:rPr lang="en-US" altLang="zh-CN" sz="2400" dirty="0" err="1"/>
+              <a:t>cio</a:t>
+            </a:r>
+            <a:r>
+              <a:rPr lang="zh-CN" altLang="en-US" sz="2400" dirty="0"/>
+              <a:t>数据和降水量数据的交集区域，纬度范围</a:t>
+            </a:r>
+            <a:r>
+              <a:rPr lang="en-US" altLang="zh-CN" sz="2400" dirty="0">
+                <a:solidFill>
+                  <a:srgbClr val="FF0000"/>
+                </a:solidFill>
+              </a:rPr>
+              <a:t>[-20,20]</a:t>
+            </a:r>
+            <a:r>
+              <a:rPr lang="zh-CN" altLang="en-US" sz="2400" dirty="0"/>
+              <a:t>，经度范围</a:t>
+            </a:r>
+            <a:r>
+              <a:rPr lang="en-US" altLang="zh-CN" sz="2400" dirty="0">
+                <a:solidFill>
+                  <a:srgbClr val="FF0000"/>
+                </a:solidFill>
+              </a:rPr>
+              <a:t>[40,120]</a:t>
+            </a:r>
+            <a:r>
+              <a:rPr lang="zh-CN" altLang="en-US" sz="2400" dirty="0"/>
+              <a:t>，故得</a:t>
+            </a:r>
+            <a:r>
+              <a:rPr lang="en-US" altLang="zh-CN" sz="2400" dirty="0">
+                <a:solidFill>
+                  <a:srgbClr val="FF0000"/>
+                </a:solidFill>
+              </a:rPr>
+              <a:t>22X43</a:t>
+            </a:r>
+            <a:r>
+              <a:rPr lang="zh-CN" altLang="en-US" sz="2400" dirty="0"/>
+              <a:t>的区域。</a:t>
+            </a:r>
             <a:endParaRPr lang="en-US" altLang="zh-CN" sz="2400" dirty="0"/>
           </a:p>
           <a:p>

--- a/summary.pptx
+++ b/summary.pptx
@@ -29,8 +29,10 @@
     <p:sldId id="282" r:id="rId23"/>
     <p:sldId id="283" r:id="rId24"/>
     <p:sldId id="284" r:id="rId25"/>
-    <p:sldId id="267" r:id="rId26"/>
-    <p:sldId id="269" r:id="rId27"/>
+    <p:sldId id="288" r:id="rId26"/>
+    <p:sldId id="287" r:id="rId27"/>
+    <p:sldId id="267" r:id="rId28"/>
+    <p:sldId id="269" r:id="rId29"/>
   </p:sldIdLst>
   <p:sldSz cx="12192000" cy="6858000"/>
   <p:notesSz cx="6858000" cy="9144000"/>
@@ -284,7 +286,7 @@
           <a:p>
             <a:fld id="{9DFEC174-7334-4B6F-8F0A-ADA55B68EF9D}" type="datetimeFigureOut">
               <a:rPr lang="zh-CN" altLang="en-US" smtClean="0"/>
-              <a:t>2020/11/27</a:t>
+              <a:t>2020/12/18</a:t>
             </a:fld>
             <a:endParaRPr lang="zh-CN" altLang="en-US"/>
           </a:p>
@@ -482,7 +484,7 @@
           <a:p>
             <a:fld id="{9DFEC174-7334-4B6F-8F0A-ADA55B68EF9D}" type="datetimeFigureOut">
               <a:rPr lang="zh-CN" altLang="en-US" smtClean="0"/>
-              <a:t>2020/11/27</a:t>
+              <a:t>2020/12/18</a:t>
             </a:fld>
             <a:endParaRPr lang="zh-CN" altLang="en-US"/>
           </a:p>
@@ -690,7 +692,7 @@
           <a:p>
             <a:fld id="{9DFEC174-7334-4B6F-8F0A-ADA55B68EF9D}" type="datetimeFigureOut">
               <a:rPr lang="zh-CN" altLang="en-US" smtClean="0"/>
-              <a:t>2020/11/27</a:t>
+              <a:t>2020/12/18</a:t>
             </a:fld>
             <a:endParaRPr lang="zh-CN" altLang="en-US"/>
           </a:p>
@@ -888,7 +890,7 @@
           <a:p>
             <a:fld id="{9DFEC174-7334-4B6F-8F0A-ADA55B68EF9D}" type="datetimeFigureOut">
               <a:rPr lang="zh-CN" altLang="en-US" smtClean="0"/>
-              <a:t>2020/11/27</a:t>
+              <a:t>2020/12/18</a:t>
             </a:fld>
             <a:endParaRPr lang="zh-CN" altLang="en-US"/>
           </a:p>
@@ -1163,7 +1165,7 @@
           <a:p>
             <a:fld id="{9DFEC174-7334-4B6F-8F0A-ADA55B68EF9D}" type="datetimeFigureOut">
               <a:rPr lang="zh-CN" altLang="en-US" smtClean="0"/>
-              <a:t>2020/11/27</a:t>
+              <a:t>2020/12/18</a:t>
             </a:fld>
             <a:endParaRPr lang="zh-CN" altLang="en-US"/>
           </a:p>
@@ -1428,7 +1430,7 @@
           <a:p>
             <a:fld id="{9DFEC174-7334-4B6F-8F0A-ADA55B68EF9D}" type="datetimeFigureOut">
               <a:rPr lang="zh-CN" altLang="en-US" smtClean="0"/>
-              <a:t>2020/11/27</a:t>
+              <a:t>2020/12/18</a:t>
             </a:fld>
             <a:endParaRPr lang="zh-CN" altLang="en-US"/>
           </a:p>
@@ -1840,7 +1842,7 @@
           <a:p>
             <a:fld id="{9DFEC174-7334-4B6F-8F0A-ADA55B68EF9D}" type="datetimeFigureOut">
               <a:rPr lang="zh-CN" altLang="en-US" smtClean="0"/>
-              <a:t>2020/11/27</a:t>
+              <a:t>2020/12/18</a:t>
             </a:fld>
             <a:endParaRPr lang="zh-CN" altLang="en-US"/>
           </a:p>
@@ -1981,7 +1983,7 @@
           <a:p>
             <a:fld id="{9DFEC174-7334-4B6F-8F0A-ADA55B68EF9D}" type="datetimeFigureOut">
               <a:rPr lang="zh-CN" altLang="en-US" smtClean="0"/>
-              <a:t>2020/11/27</a:t>
+              <a:t>2020/12/18</a:t>
             </a:fld>
             <a:endParaRPr lang="zh-CN" altLang="en-US"/>
           </a:p>
@@ -2094,7 +2096,7 @@
           <a:p>
             <a:fld id="{9DFEC174-7334-4B6F-8F0A-ADA55B68EF9D}" type="datetimeFigureOut">
               <a:rPr lang="zh-CN" altLang="en-US" smtClean="0"/>
-              <a:t>2020/11/27</a:t>
+              <a:t>2020/12/18</a:t>
             </a:fld>
             <a:endParaRPr lang="zh-CN" altLang="en-US"/>
           </a:p>
@@ -2405,7 +2407,7 @@
           <a:p>
             <a:fld id="{9DFEC174-7334-4B6F-8F0A-ADA55B68EF9D}" type="datetimeFigureOut">
               <a:rPr lang="zh-CN" altLang="en-US" smtClean="0"/>
-              <a:t>2020/11/27</a:t>
+              <a:t>2020/12/18</a:t>
             </a:fld>
             <a:endParaRPr lang="zh-CN" altLang="en-US"/>
           </a:p>
@@ -2693,7 +2695,7 @@
           <a:p>
             <a:fld id="{9DFEC174-7334-4B6F-8F0A-ADA55B68EF9D}" type="datetimeFigureOut">
               <a:rPr lang="zh-CN" altLang="en-US" smtClean="0"/>
-              <a:t>2020/11/27</a:t>
+              <a:t>2020/12/18</a:t>
             </a:fld>
             <a:endParaRPr lang="zh-CN" altLang="en-US"/>
           </a:p>
@@ -2934,7 +2936,7 @@
           <a:p>
             <a:fld id="{9DFEC174-7334-4B6F-8F0A-ADA55B68EF9D}" type="datetimeFigureOut">
               <a:rPr lang="zh-CN" altLang="en-US" smtClean="0"/>
-              <a:t>2020/11/27</a:t>
+              <a:t>2020/12/18</a:t>
             </a:fld>
             <a:endParaRPr lang="zh-CN" altLang="en-US"/>
           </a:p>
@@ -13885,14 +13887,14 @@
           <p:nvPr>
             <p:extLst>
               <p:ext uri="{D42A27DB-BD31-4B8C-83A1-F6EECF244321}">
-                <p14:modId xmlns:p14="http://schemas.microsoft.com/office/powerpoint/2010/main" val="4020655984"/>
+                <p14:modId xmlns:p14="http://schemas.microsoft.com/office/powerpoint/2010/main" val="832162897"/>
               </p:ext>
             </p:extLst>
           </p:nvPr>
         </p:nvGraphicFramePr>
         <p:xfrm>
-          <a:off x="2245259" y="1683946"/>
-          <a:ext cx="7170346" cy="4681496"/>
+          <a:off x="3581690" y="1690688"/>
+          <a:ext cx="5305843" cy="4681496"/>
         </p:xfrm>
         <a:graphic>
           <a:graphicData uri="http://schemas.openxmlformats.org/drawingml/2006/table">
@@ -13920,13 +13922,6 @@
                     </a:ext>
                   </a:extLst>
                 </a:gridCol>
-                <a:gridCol w="1864503">
-                  <a:extLst>
-                    <a:ext uri="{9D8B030D-6E8A-4147-A177-3AD203B41FA5}">
-                      <a16:colId xmlns:a16="http://schemas.microsoft.com/office/drawing/2014/main" val="3509127299"/>
-                    </a:ext>
-                  </a:extLst>
-                </a:gridCol>
               </a:tblGrid>
               <a:tr h="418197">
                 <a:tc>
@@ -14106,92 +14101,6 @@
                           <a:latin typeface="-apple-system"/>
                         </a:rPr>
                         <a:t>60</a:t>
-                      </a:r>
-                      <a:r>
-                        <a:rPr lang="zh-CN" altLang="en-US" sz="2000" b="0" i="0" spc="0" dirty="0">
-                          <a:solidFill>
-                            <a:srgbClr val="333333"/>
-                          </a:solidFill>
-                          <a:effectLst/>
-                          <a:latin typeface="-apple-system"/>
-                        </a:rPr>
-                        <a:t>个神经元</a:t>
-                      </a:r>
-                      <a:endParaRPr lang="zh-CN" altLang="en-US" sz="2000" dirty="0">
-                        <a:effectLst/>
-                      </a:endParaRPr>
-                    </a:p>
-                  </a:txBody>
-                  <a:tcPr marL="30246" marR="30246" marT="30246" marB="22684" anchor="ctr">
-                    <a:lnL w="9525" cap="flat" cmpd="sng" algn="ctr">
-                      <a:solidFill>
-                        <a:srgbClr val="999999"/>
-                      </a:solidFill>
-                      <a:prstDash val="solid"/>
-                      <a:round/>
-                      <a:headEnd type="none" w="med" len="med"/>
-                      <a:tailEnd type="none" w="med" len="med"/>
-                    </a:lnL>
-                    <a:lnR w="9525" cap="flat" cmpd="sng" algn="ctr">
-                      <a:solidFill>
-                        <a:srgbClr val="999999"/>
-                      </a:solidFill>
-                      <a:prstDash val="solid"/>
-                      <a:round/>
-                      <a:headEnd type="none" w="med" len="med"/>
-                      <a:tailEnd type="none" w="med" len="med"/>
-                    </a:lnR>
-                    <a:lnT w="9525" cap="flat" cmpd="sng" algn="ctr">
-                      <a:solidFill>
-                        <a:srgbClr val="999999"/>
-                      </a:solidFill>
-                      <a:prstDash val="solid"/>
-                      <a:round/>
-                      <a:headEnd type="none" w="med" len="med"/>
-                      <a:tailEnd type="none" w="med" len="med"/>
-                    </a:lnT>
-                    <a:lnB w="9525" cap="flat" cmpd="sng" algn="ctr">
-                      <a:solidFill>
-                        <a:srgbClr val="999999"/>
-                      </a:solidFill>
-                      <a:prstDash val="solid"/>
-                      <a:round/>
-                      <a:headEnd type="none" w="med" len="med"/>
-                      <a:tailEnd type="none" w="med" len="med"/>
-                    </a:lnB>
-                  </a:tcPr>
-                </a:tc>
-                <a:tc>
-                  <a:txBody>
-                    <a:bodyPr/>
-                    <a:lstStyle/>
-                    <a:p>
-                      <a:pPr marL="0" marR="0" lvl="0" indent="0" algn="l" defTabSz="914400" rtl="0" eaLnBrk="1" fontAlgn="auto" latinLnBrk="0" hangingPunct="1">
-                        <a:lnSpc>
-                          <a:spcPct val="130000"/>
-                        </a:lnSpc>
-                        <a:spcBef>
-                          <a:spcPts val="0"/>
-                        </a:spcBef>
-                        <a:spcAft>
-                          <a:spcPts val="0"/>
-                        </a:spcAft>
-                        <a:buClrTx/>
-                        <a:buSzTx/>
-                        <a:buFontTx/>
-                        <a:buNone/>
-                        <a:tabLst/>
-                        <a:defRPr/>
-                      </a:pPr>
-                      <a:r>
-                        <a:rPr lang="en-US" altLang="zh-CN" sz="2000" b="0" i="0" spc="0" dirty="0">
-                          <a:solidFill>
-                            <a:srgbClr val="333333"/>
-                          </a:solidFill>
-                          <a:effectLst/>
-                          <a:latin typeface="-apple-system"/>
-                        </a:rPr>
-                        <a:t>90</a:t>
                       </a:r>
                       <a:r>
                         <a:rPr lang="zh-CN" altLang="en-US" sz="2000" b="0" i="0" spc="0" dirty="0">
@@ -14446,60 +14355,6 @@
                     </a:lnB>
                   </a:tcPr>
                 </a:tc>
-                <a:tc>
-                  <a:txBody>
-                    <a:bodyPr/>
-                    <a:lstStyle/>
-                    <a:p>
-                      <a:pPr algn="r">
-                        <a:lnSpc>
-                          <a:spcPct val="100000"/>
-                        </a:lnSpc>
-                      </a:pPr>
-                      <a:endParaRPr lang="zh-CN" altLang="en-US" sz="2000" dirty="0">
-                        <a:effectLst/>
-                      </a:endParaRPr>
-                    </a:p>
-                  </a:txBody>
-                  <a:tcPr marL="30246" marR="30246" marT="30246" marB="22684" anchor="ctr">
-                    <a:lnL w="9525" cap="flat" cmpd="sng" algn="ctr">
-                      <a:solidFill>
-                        <a:srgbClr val="999999"/>
-                      </a:solidFill>
-                      <a:prstDash val="solid"/>
-                      <a:round/>
-                      <a:headEnd type="none" w="med" len="med"/>
-                      <a:tailEnd type="none" w="med" len="med"/>
-                    </a:lnL>
-                    <a:lnR w="9525" cap="flat" cmpd="sng" algn="ctr">
-                      <a:solidFill>
-                        <a:srgbClr val="999999"/>
-                      </a:solidFill>
-                      <a:prstDash val="solid"/>
-                      <a:round/>
-                      <a:headEnd type="none" w="med" len="med"/>
-                      <a:tailEnd type="none" w="med" len="med"/>
-                    </a:lnR>
-                    <a:lnT w="9525" cap="flat" cmpd="sng" algn="ctr">
-                      <a:solidFill>
-                        <a:srgbClr val="999999"/>
-                      </a:solidFill>
-                      <a:prstDash val="solid"/>
-                      <a:round/>
-                      <a:headEnd type="none" w="med" len="med"/>
-                      <a:tailEnd type="none" w="med" len="med"/>
-                    </a:lnT>
-                    <a:lnB w="9525" cap="flat" cmpd="sng" algn="ctr">
-                      <a:solidFill>
-                        <a:srgbClr val="999999"/>
-                      </a:solidFill>
-                      <a:prstDash val="solid"/>
-                      <a:round/>
-                      <a:headEnd type="none" w="med" len="med"/>
-                      <a:tailEnd type="none" w="med" len="med"/>
-                    </a:lnB>
-                  </a:tcPr>
-                </a:tc>
                 <a:extLst>
                   <a:ext uri="{0D108BD9-81ED-4DB2-BD59-A6C34878D82A}">
                     <a16:rowId xmlns:a16="http://schemas.microsoft.com/office/drawing/2014/main" val="3031750296"/>
@@ -14655,60 +14510,6 @@
                         </a:rPr>
                         <a:t>0.526753</a:t>
                       </a:r>
-                      <a:endParaRPr lang="zh-CN" altLang="en-US" sz="2000" dirty="0">
-                        <a:effectLst/>
-                      </a:endParaRPr>
-                    </a:p>
-                  </a:txBody>
-                  <a:tcPr marL="30246" marR="30246" marT="30246" marB="22684" anchor="ctr">
-                    <a:lnL w="9525" cap="flat" cmpd="sng" algn="ctr">
-                      <a:solidFill>
-                        <a:srgbClr val="999999"/>
-                      </a:solidFill>
-                      <a:prstDash val="solid"/>
-                      <a:round/>
-                      <a:headEnd type="none" w="med" len="med"/>
-                      <a:tailEnd type="none" w="med" len="med"/>
-                    </a:lnL>
-                    <a:lnR w="9525" cap="flat" cmpd="sng" algn="ctr">
-                      <a:solidFill>
-                        <a:srgbClr val="999999"/>
-                      </a:solidFill>
-                      <a:prstDash val="solid"/>
-                      <a:round/>
-                      <a:headEnd type="none" w="med" len="med"/>
-                      <a:tailEnd type="none" w="med" len="med"/>
-                    </a:lnR>
-                    <a:lnT w="9525" cap="flat" cmpd="sng" algn="ctr">
-                      <a:solidFill>
-                        <a:srgbClr val="999999"/>
-                      </a:solidFill>
-                      <a:prstDash val="solid"/>
-                      <a:round/>
-                      <a:headEnd type="none" w="med" len="med"/>
-                      <a:tailEnd type="none" w="med" len="med"/>
-                    </a:lnT>
-                    <a:lnB w="9525" cap="flat" cmpd="sng" algn="ctr">
-                      <a:solidFill>
-                        <a:srgbClr val="999999"/>
-                      </a:solidFill>
-                      <a:prstDash val="solid"/>
-                      <a:round/>
-                      <a:headEnd type="none" w="med" len="med"/>
-                      <a:tailEnd type="none" w="med" len="med"/>
-                    </a:lnB>
-                  </a:tcPr>
-                </a:tc>
-                <a:tc>
-                  <a:txBody>
-                    <a:bodyPr/>
-                    <a:lstStyle/>
-                    <a:p>
-                      <a:pPr algn="r">
-                        <a:lnSpc>
-                          <a:spcPct val="100000"/>
-                        </a:lnSpc>
-                      </a:pPr>
                       <a:endParaRPr lang="zh-CN" altLang="en-US" sz="2000" dirty="0">
                         <a:effectLst/>
                       </a:endParaRPr>
@@ -14952,60 +14753,6 @@
                     </a:lnB>
                   </a:tcPr>
                 </a:tc>
-                <a:tc>
-                  <a:txBody>
-                    <a:bodyPr/>
-                    <a:lstStyle/>
-                    <a:p>
-                      <a:pPr algn="r">
-                        <a:lnSpc>
-                          <a:spcPct val="100000"/>
-                        </a:lnSpc>
-                      </a:pPr>
-                      <a:endParaRPr lang="zh-CN" altLang="en-US" sz="2000" dirty="0">
-                        <a:effectLst/>
-                      </a:endParaRPr>
-                    </a:p>
-                  </a:txBody>
-                  <a:tcPr marL="30246" marR="30246" marT="30246" marB="22684" anchor="ctr">
-                    <a:lnL w="9525" cap="flat" cmpd="sng" algn="ctr">
-                      <a:solidFill>
-                        <a:srgbClr val="999999"/>
-                      </a:solidFill>
-                      <a:prstDash val="solid"/>
-                      <a:round/>
-                      <a:headEnd type="none" w="med" len="med"/>
-                      <a:tailEnd type="none" w="med" len="med"/>
-                    </a:lnL>
-                    <a:lnR w="9525" cap="flat" cmpd="sng" algn="ctr">
-                      <a:solidFill>
-                        <a:srgbClr val="999999"/>
-                      </a:solidFill>
-                      <a:prstDash val="solid"/>
-                      <a:round/>
-                      <a:headEnd type="none" w="med" len="med"/>
-                      <a:tailEnd type="none" w="med" len="med"/>
-                    </a:lnR>
-                    <a:lnT w="9525" cap="flat" cmpd="sng" algn="ctr">
-                      <a:solidFill>
-                        <a:srgbClr val="999999"/>
-                      </a:solidFill>
-                      <a:prstDash val="solid"/>
-                      <a:round/>
-                      <a:headEnd type="none" w="med" len="med"/>
-                      <a:tailEnd type="none" w="med" len="med"/>
-                    </a:lnT>
-                    <a:lnB w="9525" cap="flat" cmpd="sng" algn="ctr">
-                      <a:solidFill>
-                        <a:srgbClr val="999999"/>
-                      </a:solidFill>
-                      <a:prstDash val="solid"/>
-                      <a:round/>
-                      <a:headEnd type="none" w="med" len="med"/>
-                      <a:tailEnd type="none" w="med" len="med"/>
-                    </a:lnB>
-                  </a:tcPr>
-                </a:tc>
                 <a:extLst>
                   <a:ext uri="{0D108BD9-81ED-4DB2-BD59-A6C34878D82A}">
                     <a16:rowId xmlns:a16="http://schemas.microsoft.com/office/drawing/2014/main" val="2023224013"/>
@@ -15161,60 +14908,6 @@
                         </a:rPr>
                         <a:t>-0.03795</a:t>
                       </a:r>
-                      <a:endParaRPr lang="zh-CN" altLang="en-US" sz="2000" dirty="0">
-                        <a:effectLst/>
-                      </a:endParaRPr>
-                    </a:p>
-                  </a:txBody>
-                  <a:tcPr marL="30246" marR="30246" marT="30246" marB="22684" anchor="ctr">
-                    <a:lnL w="9525" cap="flat" cmpd="sng" algn="ctr">
-                      <a:solidFill>
-                        <a:srgbClr val="999999"/>
-                      </a:solidFill>
-                      <a:prstDash val="solid"/>
-                      <a:round/>
-                      <a:headEnd type="none" w="med" len="med"/>
-                      <a:tailEnd type="none" w="med" len="med"/>
-                    </a:lnL>
-                    <a:lnR w="9525" cap="flat" cmpd="sng" algn="ctr">
-                      <a:solidFill>
-                        <a:srgbClr val="999999"/>
-                      </a:solidFill>
-                      <a:prstDash val="solid"/>
-                      <a:round/>
-                      <a:headEnd type="none" w="med" len="med"/>
-                      <a:tailEnd type="none" w="med" len="med"/>
-                    </a:lnR>
-                    <a:lnT w="9525" cap="flat" cmpd="sng" algn="ctr">
-                      <a:solidFill>
-                        <a:srgbClr val="999999"/>
-                      </a:solidFill>
-                      <a:prstDash val="solid"/>
-                      <a:round/>
-                      <a:headEnd type="none" w="med" len="med"/>
-                      <a:tailEnd type="none" w="med" len="med"/>
-                    </a:lnT>
-                    <a:lnB w="9525" cap="flat" cmpd="sng" algn="ctr">
-                      <a:solidFill>
-                        <a:srgbClr val="999999"/>
-                      </a:solidFill>
-                      <a:prstDash val="solid"/>
-                      <a:round/>
-                      <a:headEnd type="none" w="med" len="med"/>
-                      <a:tailEnd type="none" w="med" len="med"/>
-                    </a:lnB>
-                  </a:tcPr>
-                </a:tc>
-                <a:tc>
-                  <a:txBody>
-                    <a:bodyPr/>
-                    <a:lstStyle/>
-                    <a:p>
-                      <a:pPr algn="r">
-                        <a:lnSpc>
-                          <a:spcPct val="100000"/>
-                        </a:lnSpc>
-                      </a:pPr>
                       <a:endParaRPr lang="zh-CN" altLang="en-US" sz="2000" dirty="0">
                         <a:effectLst/>
                       </a:endParaRPr>
@@ -15458,60 +15151,6 @@
                     </a:lnB>
                   </a:tcPr>
                 </a:tc>
-                <a:tc>
-                  <a:txBody>
-                    <a:bodyPr/>
-                    <a:lstStyle/>
-                    <a:p>
-                      <a:pPr algn="r">
-                        <a:lnSpc>
-                          <a:spcPct val="100000"/>
-                        </a:lnSpc>
-                      </a:pPr>
-                      <a:endParaRPr lang="zh-CN" altLang="en-US" sz="2000" dirty="0">
-                        <a:effectLst/>
-                      </a:endParaRPr>
-                    </a:p>
-                  </a:txBody>
-                  <a:tcPr marL="30246" marR="30246" marT="30246" marB="22684" anchor="ctr">
-                    <a:lnL w="9525" cap="flat" cmpd="sng" algn="ctr">
-                      <a:solidFill>
-                        <a:srgbClr val="999999"/>
-                      </a:solidFill>
-                      <a:prstDash val="solid"/>
-                      <a:round/>
-                      <a:headEnd type="none" w="med" len="med"/>
-                      <a:tailEnd type="none" w="med" len="med"/>
-                    </a:lnL>
-                    <a:lnR w="9525" cap="flat" cmpd="sng" algn="ctr">
-                      <a:solidFill>
-                        <a:srgbClr val="999999"/>
-                      </a:solidFill>
-                      <a:prstDash val="solid"/>
-                      <a:round/>
-                      <a:headEnd type="none" w="med" len="med"/>
-                      <a:tailEnd type="none" w="med" len="med"/>
-                    </a:lnR>
-                    <a:lnT w="9525" cap="flat" cmpd="sng" algn="ctr">
-                      <a:solidFill>
-                        <a:srgbClr val="999999"/>
-                      </a:solidFill>
-                      <a:prstDash val="solid"/>
-                      <a:round/>
-                      <a:headEnd type="none" w="med" len="med"/>
-                      <a:tailEnd type="none" w="med" len="med"/>
-                    </a:lnT>
-                    <a:lnB w="9525" cap="flat" cmpd="sng" algn="ctr">
-                      <a:solidFill>
-                        <a:srgbClr val="999999"/>
-                      </a:solidFill>
-                      <a:prstDash val="solid"/>
-                      <a:round/>
-                      <a:headEnd type="none" w="med" len="med"/>
-                      <a:tailEnd type="none" w="med" len="med"/>
-                    </a:lnB>
-                  </a:tcPr>
-                </a:tc>
                 <a:extLst>
                   <a:ext uri="{0D108BD9-81ED-4DB2-BD59-A6C34878D82A}">
                     <a16:rowId xmlns:a16="http://schemas.microsoft.com/office/drawing/2014/main" val="1260585467"/>
@@ -15667,60 +15306,6 @@
                         </a:rPr>
                         <a:t>-0.18261</a:t>
                       </a:r>
-                      <a:endParaRPr lang="zh-CN" altLang="en-US" sz="2000" dirty="0">
-                        <a:effectLst/>
-                      </a:endParaRPr>
-                    </a:p>
-                  </a:txBody>
-                  <a:tcPr marL="30246" marR="30246" marT="30246" marB="22684" anchor="ctr">
-                    <a:lnL w="9525" cap="flat" cmpd="sng" algn="ctr">
-                      <a:solidFill>
-                        <a:srgbClr val="999999"/>
-                      </a:solidFill>
-                      <a:prstDash val="solid"/>
-                      <a:round/>
-                      <a:headEnd type="none" w="med" len="med"/>
-                      <a:tailEnd type="none" w="med" len="med"/>
-                    </a:lnL>
-                    <a:lnR w="9525" cap="flat" cmpd="sng" algn="ctr">
-                      <a:solidFill>
-                        <a:srgbClr val="999999"/>
-                      </a:solidFill>
-                      <a:prstDash val="solid"/>
-                      <a:round/>
-                      <a:headEnd type="none" w="med" len="med"/>
-                      <a:tailEnd type="none" w="med" len="med"/>
-                    </a:lnR>
-                    <a:lnT w="9525" cap="flat" cmpd="sng" algn="ctr">
-                      <a:solidFill>
-                        <a:srgbClr val="999999"/>
-                      </a:solidFill>
-                      <a:prstDash val="solid"/>
-                      <a:round/>
-                      <a:headEnd type="none" w="med" len="med"/>
-                      <a:tailEnd type="none" w="med" len="med"/>
-                    </a:lnT>
-                    <a:lnB w="9525" cap="flat" cmpd="sng" algn="ctr">
-                      <a:solidFill>
-                        <a:srgbClr val="999999"/>
-                      </a:solidFill>
-                      <a:prstDash val="solid"/>
-                      <a:round/>
-                      <a:headEnd type="none" w="med" len="med"/>
-                      <a:tailEnd type="none" w="med" len="med"/>
-                    </a:lnB>
-                  </a:tcPr>
-                </a:tc>
-                <a:tc>
-                  <a:txBody>
-                    <a:bodyPr/>
-                    <a:lstStyle/>
-                    <a:p>
-                      <a:pPr algn="r">
-                        <a:lnSpc>
-                          <a:spcPct val="100000"/>
-                        </a:lnSpc>
-                      </a:pPr>
                       <a:endParaRPr lang="zh-CN" altLang="en-US" sz="2000" dirty="0">
                         <a:effectLst/>
                       </a:endParaRPr>
@@ -15964,60 +15549,6 @@
                     </a:lnB>
                   </a:tcPr>
                 </a:tc>
-                <a:tc>
-                  <a:txBody>
-                    <a:bodyPr/>
-                    <a:lstStyle/>
-                    <a:p>
-                      <a:pPr algn="r">
-                        <a:lnSpc>
-                          <a:spcPct val="100000"/>
-                        </a:lnSpc>
-                      </a:pPr>
-                      <a:endParaRPr lang="zh-CN" altLang="en-US" sz="2000" dirty="0">
-                        <a:effectLst/>
-                      </a:endParaRPr>
-                    </a:p>
-                  </a:txBody>
-                  <a:tcPr marL="30246" marR="30246" marT="30246" marB="22684" anchor="ctr">
-                    <a:lnL w="9525" cap="flat" cmpd="sng" algn="ctr">
-                      <a:solidFill>
-                        <a:srgbClr val="999999"/>
-                      </a:solidFill>
-                      <a:prstDash val="solid"/>
-                      <a:round/>
-                      <a:headEnd type="none" w="med" len="med"/>
-                      <a:tailEnd type="none" w="med" len="med"/>
-                    </a:lnL>
-                    <a:lnR w="9525" cap="flat" cmpd="sng" algn="ctr">
-                      <a:solidFill>
-                        <a:srgbClr val="999999"/>
-                      </a:solidFill>
-                      <a:prstDash val="solid"/>
-                      <a:round/>
-                      <a:headEnd type="none" w="med" len="med"/>
-                      <a:tailEnd type="none" w="med" len="med"/>
-                    </a:lnR>
-                    <a:lnT w="9525" cap="flat" cmpd="sng" algn="ctr">
-                      <a:solidFill>
-                        <a:srgbClr val="999999"/>
-                      </a:solidFill>
-                      <a:prstDash val="solid"/>
-                      <a:round/>
-                      <a:headEnd type="none" w="med" len="med"/>
-                      <a:tailEnd type="none" w="med" len="med"/>
-                    </a:lnT>
-                    <a:lnB w="9525" cap="flat" cmpd="sng" algn="ctr">
-                      <a:solidFill>
-                        <a:srgbClr val="999999"/>
-                      </a:solidFill>
-                      <a:prstDash val="solid"/>
-                      <a:round/>
-                      <a:headEnd type="none" w="med" len="med"/>
-                      <a:tailEnd type="none" w="med" len="med"/>
-                    </a:lnB>
-                  </a:tcPr>
-                </a:tc>
                 <a:extLst>
                   <a:ext uri="{0D108BD9-81ED-4DB2-BD59-A6C34878D82A}">
                     <a16:rowId xmlns:a16="http://schemas.microsoft.com/office/drawing/2014/main" val="3482235934"/>
@@ -16173,60 +15704,6 @@
                         </a:rPr>
                         <a:t>0.113001</a:t>
                       </a:r>
-                      <a:endParaRPr lang="zh-CN" altLang="en-US" sz="2000" dirty="0">
-                        <a:effectLst/>
-                      </a:endParaRPr>
-                    </a:p>
-                  </a:txBody>
-                  <a:tcPr marL="30246" marR="30246" marT="30246" marB="22684" anchor="ctr">
-                    <a:lnL w="9525" cap="flat" cmpd="sng" algn="ctr">
-                      <a:solidFill>
-                        <a:srgbClr val="999999"/>
-                      </a:solidFill>
-                      <a:prstDash val="solid"/>
-                      <a:round/>
-                      <a:headEnd type="none" w="med" len="med"/>
-                      <a:tailEnd type="none" w="med" len="med"/>
-                    </a:lnL>
-                    <a:lnR w="9525" cap="flat" cmpd="sng" algn="ctr">
-                      <a:solidFill>
-                        <a:srgbClr val="999999"/>
-                      </a:solidFill>
-                      <a:prstDash val="solid"/>
-                      <a:round/>
-                      <a:headEnd type="none" w="med" len="med"/>
-                      <a:tailEnd type="none" w="med" len="med"/>
-                    </a:lnR>
-                    <a:lnT w="9525" cap="flat" cmpd="sng" algn="ctr">
-                      <a:solidFill>
-                        <a:srgbClr val="999999"/>
-                      </a:solidFill>
-                      <a:prstDash val="solid"/>
-                      <a:round/>
-                      <a:headEnd type="none" w="med" len="med"/>
-                      <a:tailEnd type="none" w="med" len="med"/>
-                    </a:lnT>
-                    <a:lnB w="9525" cap="flat" cmpd="sng" algn="ctr">
-                      <a:solidFill>
-                        <a:srgbClr val="999999"/>
-                      </a:solidFill>
-                      <a:prstDash val="solid"/>
-                      <a:round/>
-                      <a:headEnd type="none" w="med" len="med"/>
-                      <a:tailEnd type="none" w="med" len="med"/>
-                    </a:lnB>
-                  </a:tcPr>
-                </a:tc>
-                <a:tc>
-                  <a:txBody>
-                    <a:bodyPr/>
-                    <a:lstStyle/>
-                    <a:p>
-                      <a:pPr algn="r">
-                        <a:lnSpc>
-                          <a:spcPct val="100000"/>
-                        </a:lnSpc>
-                      </a:pPr>
                       <a:endParaRPr lang="zh-CN" altLang="en-US" sz="2000" dirty="0">
                         <a:effectLst/>
                       </a:endParaRPr>
@@ -16470,60 +15947,6 @@
                     </a:lnB>
                   </a:tcPr>
                 </a:tc>
-                <a:tc>
-                  <a:txBody>
-                    <a:bodyPr/>
-                    <a:lstStyle/>
-                    <a:p>
-                      <a:pPr algn="r">
-                        <a:lnSpc>
-                          <a:spcPct val="100000"/>
-                        </a:lnSpc>
-                      </a:pPr>
-                      <a:endParaRPr lang="zh-CN" altLang="en-US" sz="2000" dirty="0">
-                        <a:effectLst/>
-                      </a:endParaRPr>
-                    </a:p>
-                  </a:txBody>
-                  <a:tcPr marL="30246" marR="30246" marT="30246" marB="22684" anchor="ctr">
-                    <a:lnL w="9525" cap="flat" cmpd="sng" algn="ctr">
-                      <a:solidFill>
-                        <a:srgbClr val="999999"/>
-                      </a:solidFill>
-                      <a:prstDash val="solid"/>
-                      <a:round/>
-                      <a:headEnd type="none" w="med" len="med"/>
-                      <a:tailEnd type="none" w="med" len="med"/>
-                    </a:lnL>
-                    <a:lnR w="9525" cap="flat" cmpd="sng" algn="ctr">
-                      <a:solidFill>
-                        <a:srgbClr val="999999"/>
-                      </a:solidFill>
-                      <a:prstDash val="solid"/>
-                      <a:round/>
-                      <a:headEnd type="none" w="med" len="med"/>
-                      <a:tailEnd type="none" w="med" len="med"/>
-                    </a:lnR>
-                    <a:lnT w="9525" cap="flat" cmpd="sng" algn="ctr">
-                      <a:solidFill>
-                        <a:srgbClr val="999999"/>
-                      </a:solidFill>
-                      <a:prstDash val="solid"/>
-                      <a:round/>
-                      <a:headEnd type="none" w="med" len="med"/>
-                      <a:tailEnd type="none" w="med" len="med"/>
-                    </a:lnT>
-                    <a:lnB w="9525" cap="flat" cmpd="sng" algn="ctr">
-                      <a:solidFill>
-                        <a:srgbClr val="999999"/>
-                      </a:solidFill>
-                      <a:prstDash val="solid"/>
-                      <a:round/>
-                      <a:headEnd type="none" w="med" len="med"/>
-                      <a:tailEnd type="none" w="med" len="med"/>
-                    </a:lnB>
-                  </a:tcPr>
-                </a:tc>
                 <a:extLst>
                   <a:ext uri="{0D108BD9-81ED-4DB2-BD59-A6C34878D82A}">
                     <a16:rowId xmlns:a16="http://schemas.microsoft.com/office/drawing/2014/main" val="283885649"/>
@@ -16679,60 +16102,6 @@
                         </a:rPr>
                         <a:t>-0.4155</a:t>
                       </a:r>
-                      <a:endParaRPr lang="zh-CN" altLang="en-US" sz="2000" dirty="0">
-                        <a:effectLst/>
-                      </a:endParaRPr>
-                    </a:p>
-                  </a:txBody>
-                  <a:tcPr marL="30246" marR="30246" marT="30246" marB="22684" anchor="ctr">
-                    <a:lnL w="9525" cap="flat" cmpd="sng" algn="ctr">
-                      <a:solidFill>
-                        <a:srgbClr val="999999"/>
-                      </a:solidFill>
-                      <a:prstDash val="solid"/>
-                      <a:round/>
-                      <a:headEnd type="none" w="med" len="med"/>
-                      <a:tailEnd type="none" w="med" len="med"/>
-                    </a:lnL>
-                    <a:lnR w="9525" cap="flat" cmpd="sng" algn="ctr">
-                      <a:solidFill>
-                        <a:srgbClr val="999999"/>
-                      </a:solidFill>
-                      <a:prstDash val="solid"/>
-                      <a:round/>
-                      <a:headEnd type="none" w="med" len="med"/>
-                      <a:tailEnd type="none" w="med" len="med"/>
-                    </a:lnR>
-                    <a:lnT w="9525" cap="flat" cmpd="sng" algn="ctr">
-                      <a:solidFill>
-                        <a:srgbClr val="999999"/>
-                      </a:solidFill>
-                      <a:prstDash val="solid"/>
-                      <a:round/>
-                      <a:headEnd type="none" w="med" len="med"/>
-                      <a:tailEnd type="none" w="med" len="med"/>
-                    </a:lnT>
-                    <a:lnB w="9525" cap="flat" cmpd="sng" algn="ctr">
-                      <a:solidFill>
-                        <a:srgbClr val="999999"/>
-                      </a:solidFill>
-                      <a:prstDash val="solid"/>
-                      <a:round/>
-                      <a:headEnd type="none" w="med" len="med"/>
-                      <a:tailEnd type="none" w="med" len="med"/>
-                    </a:lnB>
-                  </a:tcPr>
-                </a:tc>
-                <a:tc>
-                  <a:txBody>
-                    <a:bodyPr/>
-                    <a:lstStyle/>
-                    <a:p>
-                      <a:pPr algn="r">
-                        <a:lnSpc>
-                          <a:spcPct val="100000"/>
-                        </a:lnSpc>
-                      </a:pPr>
                       <a:endParaRPr lang="zh-CN" altLang="en-US" sz="2000" dirty="0">
                         <a:effectLst/>
                       </a:endParaRPr>
@@ -27120,6 +26489,280 @@
           <p:cNvPr id="2" name="标题 1">
             <a:extLst>
               <a:ext uri="{FF2B5EF4-FFF2-40B4-BE49-F238E27FC236}">
+                <a16:creationId xmlns:a16="http://schemas.microsoft.com/office/drawing/2014/main" id="{DD96EBFD-A8FC-4956-9494-DB0E20F9EC44}"/>
+              </a:ext>
+            </a:extLst>
+          </p:cNvPr>
+          <p:cNvSpPr>
+            <a:spLocks noGrp="1"/>
+          </p:cNvSpPr>
+          <p:nvPr>
+            <p:ph type="title"/>
+          </p:nvPr>
+        </p:nvSpPr>
+        <p:spPr/>
+        <p:txBody>
+          <a:bodyPr/>
+          <a:lstStyle/>
+          <a:p>
+            <a:r>
+              <a:rPr lang="zh-CN" altLang="en-US" dirty="0"/>
+              <a:t>热力点图</a:t>
+            </a:r>
+            <a:r>
+              <a:rPr lang="en-US" altLang="zh-CN" dirty="0"/>
+              <a:t>-5D</a:t>
+            </a:r>
+            <a:r>
+              <a:rPr lang="zh-CN" altLang="en-US" dirty="0"/>
+              <a:t>数据</a:t>
+            </a:r>
+          </a:p>
+        </p:txBody>
+      </p:sp>
+      <p:pic>
+        <p:nvPicPr>
+          <p:cNvPr id="5" name="内容占位符 4">
+            <a:extLst>
+              <a:ext uri="{FF2B5EF4-FFF2-40B4-BE49-F238E27FC236}">
+                <a16:creationId xmlns:a16="http://schemas.microsoft.com/office/drawing/2014/main" id="{C00613F2-C6D4-466A-9E9E-9DE918FE6951}"/>
+              </a:ext>
+            </a:extLst>
+          </p:cNvPr>
+          <p:cNvPicPr>
+            <a:picLocks noGrp="1" noChangeAspect="1"/>
+          </p:cNvPicPr>
+          <p:nvPr>
+            <p:ph idx="1"/>
+          </p:nvPr>
+        </p:nvPicPr>
+        <p:blipFill>
+          <a:blip r:embed="rId2">
+            <a:extLst>
+              <a:ext uri="{28A0092B-C50C-407E-A947-70E740481C1C}">
+                <a14:useLocalDpi xmlns:a14="http://schemas.microsoft.com/office/drawing/2010/main" val="0"/>
+              </a:ext>
+            </a:extLst>
+          </a:blip>
+          <a:stretch>
+            <a:fillRect/>
+          </a:stretch>
+        </p:blipFill>
+        <p:spPr>
+          <a:xfrm>
+            <a:off x="2439414" y="1825625"/>
+            <a:ext cx="7313172" cy="4351338"/>
+          </a:xfrm>
+        </p:spPr>
+      </p:pic>
+    </p:spTree>
+    <p:extLst>
+      <p:ext uri="{BB962C8B-B14F-4D97-AF65-F5344CB8AC3E}">
+        <p14:creationId xmlns:p14="http://schemas.microsoft.com/office/powerpoint/2010/main" val="3884893076"/>
+      </p:ext>
+    </p:extLst>
+  </p:cSld>
+  <p:clrMapOvr>
+    <a:masterClrMapping/>
+  </p:clrMapOvr>
+</p:sld>
+</file>
+
+<file path=ppt/slides/slide26.xml><?xml version="1.0" encoding="utf-8"?>
+<p:sld xmlns:a="http://schemas.openxmlformats.org/drawingml/2006/main" xmlns:r="http://schemas.openxmlformats.org/officeDocument/2006/relationships" xmlns:p="http://schemas.openxmlformats.org/presentationml/2006/main">
+  <p:cSld>
+    <p:spTree>
+      <p:nvGrpSpPr>
+        <p:cNvPr id="1" name=""/>
+        <p:cNvGrpSpPr/>
+        <p:nvPr/>
+      </p:nvGrpSpPr>
+      <p:grpSpPr>
+        <a:xfrm>
+          <a:off x="0" y="0"/>
+          <a:ext cx="0" cy="0"/>
+          <a:chOff x="0" y="0"/>
+          <a:chExt cx="0" cy="0"/>
+        </a:xfrm>
+      </p:grpSpPr>
+      <p:sp>
+        <p:nvSpPr>
+          <p:cNvPr id="2" name="标题 1">
+            <a:extLst>
+              <a:ext uri="{FF2B5EF4-FFF2-40B4-BE49-F238E27FC236}">
+                <a16:creationId xmlns:a16="http://schemas.microsoft.com/office/drawing/2014/main" id="{B0182993-1E98-440E-B6AB-7B85BAF7E411}"/>
+              </a:ext>
+            </a:extLst>
+          </p:cNvPr>
+          <p:cNvSpPr>
+            <a:spLocks noGrp="1"/>
+          </p:cNvSpPr>
+          <p:nvPr>
+            <p:ph type="title"/>
+          </p:nvPr>
+        </p:nvSpPr>
+        <p:spPr/>
+        <p:txBody>
+          <a:bodyPr/>
+          <a:lstStyle/>
+          <a:p>
+            <a:r>
+              <a:rPr lang="zh-CN" altLang="en-US" dirty="0"/>
+              <a:t>热力点图</a:t>
+            </a:r>
+            <a:r>
+              <a:rPr lang="en-US" altLang="zh-CN" dirty="0"/>
+              <a:t>--7D</a:t>
+            </a:r>
+            <a:r>
+              <a:rPr lang="zh-CN" altLang="en-US" dirty="0"/>
+              <a:t>数据</a:t>
+            </a:r>
+          </a:p>
+        </p:txBody>
+      </p:sp>
+      <p:pic>
+        <p:nvPicPr>
+          <p:cNvPr id="5" name="内容占位符 4">
+            <a:extLst>
+              <a:ext uri="{FF2B5EF4-FFF2-40B4-BE49-F238E27FC236}">
+                <a16:creationId xmlns:a16="http://schemas.microsoft.com/office/drawing/2014/main" id="{E421D853-826B-4D0D-B9B5-84DE7BBC637F}"/>
+              </a:ext>
+            </a:extLst>
+          </p:cNvPr>
+          <p:cNvPicPr>
+            <a:picLocks noGrp="1" noChangeAspect="1"/>
+          </p:cNvPicPr>
+          <p:nvPr>
+            <p:ph idx="1"/>
+          </p:nvPr>
+        </p:nvPicPr>
+        <p:blipFill>
+          <a:blip r:embed="rId2">
+            <a:extLst>
+              <a:ext uri="{28A0092B-C50C-407E-A947-70E740481C1C}">
+                <a14:useLocalDpi xmlns:a14="http://schemas.microsoft.com/office/drawing/2010/main" val="0"/>
+              </a:ext>
+            </a:extLst>
+          </a:blip>
+          <a:stretch>
+            <a:fillRect/>
+          </a:stretch>
+        </p:blipFill>
+        <p:spPr>
+          <a:xfrm>
+            <a:off x="838200" y="2195165"/>
+            <a:ext cx="5234379" cy="3114124"/>
+          </a:xfrm>
+        </p:spPr>
+      </p:pic>
+      <p:pic>
+        <p:nvPicPr>
+          <p:cNvPr id="7" name="图片 6">
+            <a:extLst>
+              <a:ext uri="{FF2B5EF4-FFF2-40B4-BE49-F238E27FC236}">
+                <a16:creationId xmlns:a16="http://schemas.microsoft.com/office/drawing/2014/main" id="{99DEFC27-8E8E-4BE6-ABB9-F6E97E541F1A}"/>
+              </a:ext>
+            </a:extLst>
+          </p:cNvPr>
+          <p:cNvPicPr>
+            <a:picLocks noChangeAspect="1"/>
+          </p:cNvPicPr>
+          <p:nvPr/>
+        </p:nvPicPr>
+        <p:blipFill>
+          <a:blip r:embed="rId3">
+            <a:extLst>
+              <a:ext uri="{28A0092B-C50C-407E-A947-70E740481C1C}">
+                <a14:useLocalDpi xmlns:a14="http://schemas.microsoft.com/office/drawing/2010/main" val="0"/>
+              </a:ext>
+            </a:extLst>
+          </a:blip>
+          <a:stretch>
+            <a:fillRect/>
+          </a:stretch>
+        </p:blipFill>
+        <p:spPr>
+          <a:xfrm>
+            <a:off x="6432020" y="813185"/>
+            <a:ext cx="4921780" cy="2517775"/>
+          </a:xfrm>
+          <a:prstGeom prst="rect">
+            <a:avLst/>
+          </a:prstGeom>
+        </p:spPr>
+      </p:pic>
+      <p:pic>
+        <p:nvPicPr>
+          <p:cNvPr id="9" name="图片 8">
+            <a:extLst>
+              <a:ext uri="{FF2B5EF4-FFF2-40B4-BE49-F238E27FC236}">
+                <a16:creationId xmlns:a16="http://schemas.microsoft.com/office/drawing/2014/main" id="{9B1926F9-6FB7-43D7-BCB8-EC072404BFF3}"/>
+              </a:ext>
+            </a:extLst>
+          </p:cNvPr>
+          <p:cNvPicPr>
+            <a:picLocks noChangeAspect="1"/>
+          </p:cNvPicPr>
+          <p:nvPr/>
+        </p:nvPicPr>
+        <p:blipFill>
+          <a:blip r:embed="rId4">
+            <a:extLst>
+              <a:ext uri="{28A0092B-C50C-407E-A947-70E740481C1C}">
+                <a14:useLocalDpi xmlns:a14="http://schemas.microsoft.com/office/drawing/2010/main" val="0"/>
+              </a:ext>
+            </a:extLst>
+          </a:blip>
+          <a:stretch>
+            <a:fillRect/>
+          </a:stretch>
+        </p:blipFill>
+        <p:spPr>
+          <a:xfrm>
+            <a:off x="6432020" y="3378751"/>
+            <a:ext cx="4921780" cy="3114124"/>
+          </a:xfrm>
+          <a:prstGeom prst="rect">
+            <a:avLst/>
+          </a:prstGeom>
+        </p:spPr>
+      </p:pic>
+    </p:spTree>
+    <p:extLst>
+      <p:ext uri="{BB962C8B-B14F-4D97-AF65-F5344CB8AC3E}">
+        <p14:creationId xmlns:p14="http://schemas.microsoft.com/office/powerpoint/2010/main" val="2667877627"/>
+      </p:ext>
+    </p:extLst>
+  </p:cSld>
+  <p:clrMapOvr>
+    <a:masterClrMapping/>
+  </p:clrMapOvr>
+</p:sld>
+</file>
+
+<file path=ppt/slides/slide27.xml><?xml version="1.0" encoding="utf-8"?>
+<p:sld xmlns:a="http://schemas.openxmlformats.org/drawingml/2006/main" xmlns:r="http://schemas.openxmlformats.org/officeDocument/2006/relationships" xmlns:p="http://schemas.openxmlformats.org/presentationml/2006/main">
+  <p:cSld>
+    <p:spTree>
+      <p:nvGrpSpPr>
+        <p:cNvPr id="1" name=""/>
+        <p:cNvGrpSpPr/>
+        <p:nvPr/>
+      </p:nvGrpSpPr>
+      <p:grpSpPr>
+        <a:xfrm>
+          <a:off x="0" y="0"/>
+          <a:ext cx="0" cy="0"/>
+          <a:chOff x="0" y="0"/>
+          <a:chExt cx="0" cy="0"/>
+        </a:xfrm>
+      </p:grpSpPr>
+      <p:sp>
+        <p:nvSpPr>
+          <p:cNvPr id="2" name="标题 1">
+            <a:extLst>
+              <a:ext uri="{FF2B5EF4-FFF2-40B4-BE49-F238E27FC236}">
                 <a16:creationId xmlns:a16="http://schemas.microsoft.com/office/drawing/2014/main" id="{CBE93997-5BA1-4860-AB87-129CA3D5F385}"/>
               </a:ext>
             </a:extLst>
@@ -27242,7 +26885,7 @@
 </p:sld>
 </file>
 
-<file path=ppt/slides/slide26.xml><?xml version="1.0" encoding="utf-8"?>
+<file path=ppt/slides/slide28.xml><?xml version="1.0" encoding="utf-8"?>
 <p:sld xmlns:a="http://schemas.openxmlformats.org/drawingml/2006/main" xmlns:r="http://schemas.openxmlformats.org/officeDocument/2006/relationships" xmlns:p="http://schemas.openxmlformats.org/presentationml/2006/main">
   <p:cSld>
     <p:spTree>
